--- a/solar_power_plant_conclusions.pptx
+++ b/solar_power_plant_conclusions.pptx
@@ -5,15 +5,18 @@
     <p:sldMasterId id="2147483648" r:id="rId1"/>
   </p:sldMasterIdLst>
   <p:notesMasterIdLst>
-    <p:notesMasterId r:id="rId8"/>
+    <p:notesMasterId r:id="rId11"/>
   </p:notesMasterIdLst>
   <p:sldIdLst>
-    <p:sldId id="256" r:id="rId2"/>
-    <p:sldId id="257" r:id="rId3"/>
-    <p:sldId id="259" r:id="rId4"/>
-    <p:sldId id="258" r:id="rId5"/>
-    <p:sldId id="260" r:id="rId6"/>
-    <p:sldId id="271" r:id="rId7"/>
+    <p:sldId id="275" r:id="rId2"/>
+    <p:sldId id="273" r:id="rId3"/>
+    <p:sldId id="276" r:id="rId4"/>
+    <p:sldId id="277" r:id="rId5"/>
+    <p:sldId id="257" r:id="rId6"/>
+    <p:sldId id="259" r:id="rId7"/>
+    <p:sldId id="258" r:id="rId8"/>
+    <p:sldId id="260" r:id="rId9"/>
+    <p:sldId id="271" r:id="rId10"/>
   </p:sldIdLst>
   <p:sldSz cx="12192000" cy="6858000"/>
   <p:notesSz cx="6858000" cy="9144000"/>
@@ -202,7 +205,7 @@
           <a:p>
             <a:fld id="{BC8E094F-27CD-4F08-B773-9E5168230E15}" type="datetimeFigureOut">
               <a:rPr lang="en-GB" smtClean="0"/>
-              <a:t>18/02/2023</a:t>
+              <a:t>19/02/2023</a:t>
             </a:fld>
             <a:endParaRPr lang="en-GB"/>
           </a:p>
@@ -619,7 +622,7 @@
           <a:p>
             <a:fld id="{16B2D434-0E2F-4C92-B10A-3FA7682260EC}" type="datetime1">
               <a:rPr lang="en-GB" smtClean="0"/>
-              <a:t>18/02/2023</a:t>
+              <a:t>19/02/2023</a:t>
             </a:fld>
             <a:endParaRPr lang="en-GB"/>
           </a:p>
@@ -819,7 +822,7 @@
           <a:p>
             <a:fld id="{0F7D0622-B3E7-4776-A4E8-D096D5092BEB}" type="datetime1">
               <a:rPr lang="en-GB" smtClean="0"/>
-              <a:t>18/02/2023</a:t>
+              <a:t>19/02/2023</a:t>
             </a:fld>
             <a:endParaRPr lang="en-GB"/>
           </a:p>
@@ -1029,7 +1032,7 @@
           <a:p>
             <a:fld id="{33E41F47-F7B1-4A35-80EF-A1FD155E2CC8}" type="datetime1">
               <a:rPr lang="en-GB" smtClean="0"/>
-              <a:t>18/02/2023</a:t>
+              <a:t>19/02/2023</a:t>
             </a:fld>
             <a:endParaRPr lang="en-GB"/>
           </a:p>
@@ -1492,7 +1495,7 @@
           <a:p>
             <a:fld id="{51D92D33-CBC3-4E18-B154-C112E142CF93}" type="datetime1">
               <a:rPr lang="en-GB" smtClean="0"/>
-              <a:t>18/02/2023</a:t>
+              <a:t>19/02/2023</a:t>
             </a:fld>
             <a:endParaRPr lang="en-GB"/>
           </a:p>
@@ -1760,7 +1763,7 @@
           <a:p>
             <a:fld id="{6FB33740-2A06-4444-9E5C-00B15C49569C}" type="datetime1">
               <a:rPr lang="en-GB" smtClean="0"/>
-              <a:t>18/02/2023</a:t>
+              <a:t>19/02/2023</a:t>
             </a:fld>
             <a:endParaRPr lang="en-GB"/>
           </a:p>
@@ -2175,7 +2178,7 @@
           <a:p>
             <a:fld id="{3906E378-5C3F-4AD1-802A-465E2D8877C5}" type="datetime1">
               <a:rPr lang="en-GB" smtClean="0"/>
-              <a:t>18/02/2023</a:t>
+              <a:t>19/02/2023</a:t>
             </a:fld>
             <a:endParaRPr lang="en-GB"/>
           </a:p>
@@ -2317,7 +2320,7 @@
           <a:p>
             <a:fld id="{4FA2C184-D890-4A09-AC70-7A6BA42CF40D}" type="datetime1">
               <a:rPr lang="en-GB" smtClean="0"/>
-              <a:t>18/02/2023</a:t>
+              <a:t>19/02/2023</a:t>
             </a:fld>
             <a:endParaRPr lang="en-GB"/>
           </a:p>
@@ -2430,7 +2433,7 @@
           <a:p>
             <a:fld id="{942994E5-D0A1-4D49-99BF-F1E8E0B721AA}" type="datetime1">
               <a:rPr lang="en-GB" smtClean="0"/>
-              <a:t>18/02/2023</a:t>
+              <a:t>19/02/2023</a:t>
             </a:fld>
             <a:endParaRPr lang="en-GB"/>
           </a:p>
@@ -2743,7 +2746,7 @@
           <a:p>
             <a:fld id="{7363AC24-D7FA-4ED0-915A-3428766E7434}" type="datetime1">
               <a:rPr lang="en-GB" smtClean="0"/>
-              <a:t>18/02/2023</a:t>
+              <a:t>19/02/2023</a:t>
             </a:fld>
             <a:endParaRPr lang="en-GB"/>
           </a:p>
@@ -3032,7 +3035,7 @@
           <a:p>
             <a:fld id="{6EFE345B-84B8-411A-9F70-772FAE20EBCC}" type="datetime1">
               <a:rPr lang="en-GB" smtClean="0"/>
-              <a:t>18/02/2023</a:t>
+              <a:t>19/02/2023</a:t>
             </a:fld>
             <a:endParaRPr lang="en-GB"/>
           </a:p>
@@ -3275,7 +3278,7 @@
           <a:p>
             <a:fld id="{2C5D8DE5-918D-468D-A90A-52896DEBB48C}" type="datetime1">
               <a:rPr lang="en-GB" smtClean="0"/>
-              <a:t>18/02/2023</a:t>
+              <a:t>19/02/2023</a:t>
             </a:fld>
             <a:endParaRPr lang="en-GB"/>
           </a:p>
@@ -3698,7 +3701,7 @@
           <p:cNvPr id="2" name="Title 1">
             <a:extLst>
               <a:ext uri="{FF2B5EF4-FFF2-40B4-BE49-F238E27FC236}">
-                <a16:creationId xmlns:a16="http://schemas.microsoft.com/office/drawing/2014/main" id="{D0F2C401-8B67-403B-B781-9B9ED1A2268E}"/>
+                <a16:creationId xmlns:a16="http://schemas.microsoft.com/office/drawing/2014/main" id="{C8273433-DBB4-4943-8215-346961A50148}"/>
               </a:ext>
             </a:extLst>
           </p:cNvPr>
@@ -3709,44 +3712,602 @@
             <p:ph type="ctrTitle"/>
           </p:nvPr>
         </p:nvSpPr>
-        <p:spPr/>
+        <p:spPr>
+          <a:xfrm>
+            <a:off x="1524000" y="97654"/>
+            <a:ext cx="9144000" cy="1837184"/>
+          </a:xfrm>
+        </p:spPr>
         <p:txBody>
           <a:bodyPr/>
           <a:lstStyle/>
           <a:p>
-            <a:endParaRPr lang="en-GB"/>
-          </a:p>
-        </p:txBody>
-      </p:sp>
-      <p:sp>
-        <p:nvSpPr>
-          <p:cNvPr id="3" name="Subtitle 2">
-            <a:extLst>
-              <a:ext uri="{FF2B5EF4-FFF2-40B4-BE49-F238E27FC236}">
-                <a16:creationId xmlns:a16="http://schemas.microsoft.com/office/drawing/2014/main" id="{69899FE3-D5F9-4ED7-B891-E61E8F8B88AD}"/>
-              </a:ext>
-            </a:extLst>
-          </p:cNvPr>
-          <p:cNvSpPr>
-            <a:spLocks noGrp="1"/>
-          </p:cNvSpPr>
-          <p:nvPr>
-            <p:ph type="subTitle" idx="1"/>
-          </p:nvPr>
-        </p:nvSpPr>
-        <p:spPr/>
-        <p:txBody>
-          <a:bodyPr/>
-          <a:lstStyle/>
-          <a:p>
-            <a:endParaRPr lang="en-GB"/>
+            <a:r>
+              <a:rPr lang="en-GB" dirty="0"/>
+              <a:t>Solar power plant data analysis summary</a:t>
+            </a:r>
+          </a:p>
+        </p:txBody>
+      </p:sp>
+      <p:sp>
+        <p:nvSpPr>
+          <p:cNvPr id="9" name="Subtitle 2">
+            <a:extLst>
+              <a:ext uri="{FF2B5EF4-FFF2-40B4-BE49-F238E27FC236}">
+                <a16:creationId xmlns:a16="http://schemas.microsoft.com/office/drawing/2014/main" id="{555A1409-7AD9-4237-8497-5463D539E5F3}"/>
+              </a:ext>
+            </a:extLst>
+          </p:cNvPr>
+          <p:cNvSpPr txBox="1">
+            <a:spLocks/>
+          </p:cNvSpPr>
+          <p:nvPr/>
+        </p:nvSpPr>
+        <p:spPr>
+          <a:xfrm>
+            <a:off x="810827" y="5571741"/>
+            <a:ext cx="10570346" cy="801286"/>
+          </a:xfrm>
+          <a:prstGeom prst="rect">
+            <a:avLst/>
+          </a:prstGeom>
+        </p:spPr>
+        <p:txBody>
+          <a:bodyPr vert="horz" lIns="91440" tIns="45720" rIns="91440" bIns="45720" rtlCol="0">
+            <a:normAutofit/>
+          </a:bodyPr>
+          <a:lstStyle>
+            <a:lvl1pPr marL="0" indent="0" algn="ctr" defTabSz="914400" rtl="0" eaLnBrk="1" latinLnBrk="0" hangingPunct="1">
+              <a:lnSpc>
+                <a:spcPct val="90000"/>
+              </a:lnSpc>
+              <a:spcBef>
+                <a:spcPts val="1000"/>
+              </a:spcBef>
+              <a:buFont typeface="Arial" panose="020B0604020202020204" pitchFamily="34" charset="0"/>
+              <a:buNone/>
+              <a:defRPr sz="2400" kern="1200">
+                <a:solidFill>
+                  <a:schemeClr val="tx1"/>
+                </a:solidFill>
+                <a:latin typeface="+mn-lt"/>
+                <a:ea typeface="+mn-ea"/>
+                <a:cs typeface="+mn-cs"/>
+              </a:defRPr>
+            </a:lvl1pPr>
+            <a:lvl2pPr marL="457200" indent="0" algn="ctr" defTabSz="914400" rtl="0" eaLnBrk="1" latinLnBrk="0" hangingPunct="1">
+              <a:lnSpc>
+                <a:spcPct val="90000"/>
+              </a:lnSpc>
+              <a:spcBef>
+                <a:spcPts val="500"/>
+              </a:spcBef>
+              <a:buFont typeface="Arial" panose="020B0604020202020204" pitchFamily="34" charset="0"/>
+              <a:buNone/>
+              <a:defRPr sz="2000" kern="1200">
+                <a:solidFill>
+                  <a:schemeClr val="tx1"/>
+                </a:solidFill>
+                <a:latin typeface="+mn-lt"/>
+                <a:ea typeface="+mn-ea"/>
+                <a:cs typeface="+mn-cs"/>
+              </a:defRPr>
+            </a:lvl2pPr>
+            <a:lvl3pPr marL="914400" indent="0" algn="ctr" defTabSz="914400" rtl="0" eaLnBrk="1" latinLnBrk="0" hangingPunct="1">
+              <a:lnSpc>
+                <a:spcPct val="90000"/>
+              </a:lnSpc>
+              <a:spcBef>
+                <a:spcPts val="500"/>
+              </a:spcBef>
+              <a:buFont typeface="Arial" panose="020B0604020202020204" pitchFamily="34" charset="0"/>
+              <a:buNone/>
+              <a:defRPr sz="1800" kern="1200">
+                <a:solidFill>
+                  <a:schemeClr val="tx1"/>
+                </a:solidFill>
+                <a:latin typeface="+mn-lt"/>
+                <a:ea typeface="+mn-ea"/>
+                <a:cs typeface="+mn-cs"/>
+              </a:defRPr>
+            </a:lvl3pPr>
+            <a:lvl4pPr marL="1371600" indent="0" algn="ctr" defTabSz="914400" rtl="0" eaLnBrk="1" latinLnBrk="0" hangingPunct="1">
+              <a:lnSpc>
+                <a:spcPct val="90000"/>
+              </a:lnSpc>
+              <a:spcBef>
+                <a:spcPts val="500"/>
+              </a:spcBef>
+              <a:buFont typeface="Arial" panose="020B0604020202020204" pitchFamily="34" charset="0"/>
+              <a:buNone/>
+              <a:defRPr sz="1600" kern="1200">
+                <a:solidFill>
+                  <a:schemeClr val="tx1"/>
+                </a:solidFill>
+                <a:latin typeface="+mn-lt"/>
+                <a:ea typeface="+mn-ea"/>
+                <a:cs typeface="+mn-cs"/>
+              </a:defRPr>
+            </a:lvl4pPr>
+            <a:lvl5pPr marL="1828800" indent="0" algn="ctr" defTabSz="914400" rtl="0" eaLnBrk="1" latinLnBrk="0" hangingPunct="1">
+              <a:lnSpc>
+                <a:spcPct val="90000"/>
+              </a:lnSpc>
+              <a:spcBef>
+                <a:spcPts val="500"/>
+              </a:spcBef>
+              <a:buFont typeface="Arial" panose="020B0604020202020204" pitchFamily="34" charset="0"/>
+              <a:buNone/>
+              <a:defRPr sz="1600" kern="1200">
+                <a:solidFill>
+                  <a:schemeClr val="tx1"/>
+                </a:solidFill>
+                <a:latin typeface="+mn-lt"/>
+                <a:ea typeface="+mn-ea"/>
+                <a:cs typeface="+mn-cs"/>
+              </a:defRPr>
+            </a:lvl5pPr>
+            <a:lvl6pPr marL="2286000" indent="0" algn="ctr" defTabSz="914400" rtl="0" eaLnBrk="1" latinLnBrk="0" hangingPunct="1">
+              <a:lnSpc>
+                <a:spcPct val="90000"/>
+              </a:lnSpc>
+              <a:spcBef>
+                <a:spcPts val="500"/>
+              </a:spcBef>
+              <a:buFont typeface="Arial" panose="020B0604020202020204" pitchFamily="34" charset="0"/>
+              <a:buNone/>
+              <a:defRPr sz="1600" kern="1200">
+                <a:solidFill>
+                  <a:schemeClr val="tx1"/>
+                </a:solidFill>
+                <a:latin typeface="+mn-lt"/>
+                <a:ea typeface="+mn-ea"/>
+                <a:cs typeface="+mn-cs"/>
+              </a:defRPr>
+            </a:lvl6pPr>
+            <a:lvl7pPr marL="2743200" indent="0" algn="ctr" defTabSz="914400" rtl="0" eaLnBrk="1" latinLnBrk="0" hangingPunct="1">
+              <a:lnSpc>
+                <a:spcPct val="90000"/>
+              </a:lnSpc>
+              <a:spcBef>
+                <a:spcPts val="500"/>
+              </a:spcBef>
+              <a:buFont typeface="Arial" panose="020B0604020202020204" pitchFamily="34" charset="0"/>
+              <a:buNone/>
+              <a:defRPr sz="1600" kern="1200">
+                <a:solidFill>
+                  <a:schemeClr val="tx1"/>
+                </a:solidFill>
+                <a:latin typeface="+mn-lt"/>
+                <a:ea typeface="+mn-ea"/>
+                <a:cs typeface="+mn-cs"/>
+              </a:defRPr>
+            </a:lvl7pPr>
+            <a:lvl8pPr marL="3200400" indent="0" algn="ctr" defTabSz="914400" rtl="0" eaLnBrk="1" latinLnBrk="0" hangingPunct="1">
+              <a:lnSpc>
+                <a:spcPct val="90000"/>
+              </a:lnSpc>
+              <a:spcBef>
+                <a:spcPts val="500"/>
+              </a:spcBef>
+              <a:buFont typeface="Arial" panose="020B0604020202020204" pitchFamily="34" charset="0"/>
+              <a:buNone/>
+              <a:defRPr sz="1600" kern="1200">
+                <a:solidFill>
+                  <a:schemeClr val="tx1"/>
+                </a:solidFill>
+                <a:latin typeface="+mn-lt"/>
+                <a:ea typeface="+mn-ea"/>
+                <a:cs typeface="+mn-cs"/>
+              </a:defRPr>
+            </a:lvl8pPr>
+            <a:lvl9pPr marL="3657600" indent="0" algn="ctr" defTabSz="914400" rtl="0" eaLnBrk="1" latinLnBrk="0" hangingPunct="1">
+              <a:lnSpc>
+                <a:spcPct val="90000"/>
+              </a:lnSpc>
+              <a:spcBef>
+                <a:spcPts val="500"/>
+              </a:spcBef>
+              <a:buFont typeface="Arial" panose="020B0604020202020204" pitchFamily="34" charset="0"/>
+              <a:buNone/>
+              <a:defRPr sz="1600" kern="1200">
+                <a:solidFill>
+                  <a:schemeClr val="tx1"/>
+                </a:solidFill>
+                <a:latin typeface="+mn-lt"/>
+                <a:ea typeface="+mn-ea"/>
+                <a:cs typeface="+mn-cs"/>
+              </a:defRPr>
+            </a:lvl9pPr>
+          </a:lstStyle>
+          <a:p>
+            <a:r>
+              <a:rPr lang="en-GB"/>
+              <a:t>Analysing performance data from a photovoltaic solar power plant in India</a:t>
+            </a:r>
+            <a:endParaRPr lang="en-GB" dirty="0"/>
+          </a:p>
+        </p:txBody>
+      </p:sp>
+      <p:pic>
+        <p:nvPicPr>
+          <p:cNvPr id="4" name="Picture 3">
+            <a:extLst>
+              <a:ext uri="{FF2B5EF4-FFF2-40B4-BE49-F238E27FC236}">
+                <a16:creationId xmlns:a16="http://schemas.microsoft.com/office/drawing/2014/main" id="{68E20E96-5E7D-4F12-8CBF-EEE8C2317C46}"/>
+              </a:ext>
+            </a:extLst>
+          </p:cNvPr>
+          <p:cNvPicPr>
+            <a:picLocks noChangeAspect="1"/>
+          </p:cNvPicPr>
+          <p:nvPr/>
+        </p:nvPicPr>
+        <p:blipFill>
+          <a:blip r:embed="rId2">
+            <a:extLst>
+              <a:ext uri="{28A0092B-C50C-407E-A947-70E740481C1C}">
+                <a14:useLocalDpi xmlns:a14="http://schemas.microsoft.com/office/drawing/2010/main" val="0"/>
+              </a:ext>
+            </a:extLst>
+          </a:blip>
+          <a:stretch>
+            <a:fillRect/>
+          </a:stretch>
+        </p:blipFill>
+        <p:spPr>
+          <a:xfrm>
+            <a:off x="2905956" y="2051070"/>
+            <a:ext cx="6380088" cy="3404438"/>
+          </a:xfrm>
+          <a:prstGeom prst="rect">
+            <a:avLst/>
+          </a:prstGeom>
+        </p:spPr>
+      </p:pic>
+      <p:sp>
+        <p:nvSpPr>
+          <p:cNvPr id="10" name="Footer Placeholder 3">
+            <a:extLst>
+              <a:ext uri="{FF2B5EF4-FFF2-40B4-BE49-F238E27FC236}">
+                <a16:creationId xmlns:a16="http://schemas.microsoft.com/office/drawing/2014/main" id="{A2633F74-324E-45BD-AE01-5714B50FFA8C}"/>
+              </a:ext>
+            </a:extLst>
+          </p:cNvPr>
+          <p:cNvSpPr txBox="1">
+            <a:spLocks/>
+          </p:cNvSpPr>
+          <p:nvPr/>
+        </p:nvSpPr>
+        <p:spPr>
+          <a:xfrm>
+            <a:off x="562252" y="6190464"/>
+            <a:ext cx="1923495" cy="365125"/>
+          </a:xfrm>
+          <a:prstGeom prst="rect">
+            <a:avLst/>
+          </a:prstGeom>
+        </p:spPr>
+        <p:txBody>
+          <a:bodyPr vert="horz" lIns="91440" tIns="45720" rIns="91440" bIns="45720" rtlCol="0" anchor="ctr"/>
+          <a:lstStyle>
+            <a:defPPr>
+              <a:defRPr lang="en-US"/>
+            </a:defPPr>
+            <a:lvl1pPr marL="0" algn="ctr" defTabSz="914400" rtl="0" eaLnBrk="1" latinLnBrk="0" hangingPunct="1">
+              <a:defRPr sz="1200" kern="1200">
+                <a:solidFill>
+                  <a:schemeClr val="tx1">
+                    <a:tint val="75000"/>
+                  </a:schemeClr>
+                </a:solidFill>
+                <a:latin typeface="+mn-lt"/>
+                <a:ea typeface="+mn-ea"/>
+                <a:cs typeface="+mn-cs"/>
+              </a:defRPr>
+            </a:lvl1pPr>
+            <a:lvl2pPr marL="457200" algn="l" defTabSz="914400" rtl="0" eaLnBrk="1" latinLnBrk="0" hangingPunct="1">
+              <a:defRPr sz="1800" kern="1200">
+                <a:solidFill>
+                  <a:schemeClr val="tx1"/>
+                </a:solidFill>
+                <a:latin typeface="+mn-lt"/>
+                <a:ea typeface="+mn-ea"/>
+                <a:cs typeface="+mn-cs"/>
+              </a:defRPr>
+            </a:lvl2pPr>
+            <a:lvl3pPr marL="914400" algn="l" defTabSz="914400" rtl="0" eaLnBrk="1" latinLnBrk="0" hangingPunct="1">
+              <a:defRPr sz="1800" kern="1200">
+                <a:solidFill>
+                  <a:schemeClr val="tx1"/>
+                </a:solidFill>
+                <a:latin typeface="+mn-lt"/>
+                <a:ea typeface="+mn-ea"/>
+                <a:cs typeface="+mn-cs"/>
+              </a:defRPr>
+            </a:lvl3pPr>
+            <a:lvl4pPr marL="1371600" algn="l" defTabSz="914400" rtl="0" eaLnBrk="1" latinLnBrk="0" hangingPunct="1">
+              <a:defRPr sz="1800" kern="1200">
+                <a:solidFill>
+                  <a:schemeClr val="tx1"/>
+                </a:solidFill>
+                <a:latin typeface="+mn-lt"/>
+                <a:ea typeface="+mn-ea"/>
+                <a:cs typeface="+mn-cs"/>
+              </a:defRPr>
+            </a:lvl4pPr>
+            <a:lvl5pPr marL="1828800" algn="l" defTabSz="914400" rtl="0" eaLnBrk="1" latinLnBrk="0" hangingPunct="1">
+              <a:defRPr sz="1800" kern="1200">
+                <a:solidFill>
+                  <a:schemeClr val="tx1"/>
+                </a:solidFill>
+                <a:latin typeface="+mn-lt"/>
+                <a:ea typeface="+mn-ea"/>
+                <a:cs typeface="+mn-cs"/>
+              </a:defRPr>
+            </a:lvl5pPr>
+            <a:lvl6pPr marL="2286000" algn="l" defTabSz="914400" rtl="0" eaLnBrk="1" latinLnBrk="0" hangingPunct="1">
+              <a:defRPr sz="1800" kern="1200">
+                <a:solidFill>
+                  <a:schemeClr val="tx1"/>
+                </a:solidFill>
+                <a:latin typeface="+mn-lt"/>
+                <a:ea typeface="+mn-ea"/>
+                <a:cs typeface="+mn-cs"/>
+              </a:defRPr>
+            </a:lvl6pPr>
+            <a:lvl7pPr marL="2743200" algn="l" defTabSz="914400" rtl="0" eaLnBrk="1" latinLnBrk="0" hangingPunct="1">
+              <a:defRPr sz="1800" kern="1200">
+                <a:solidFill>
+                  <a:schemeClr val="tx1"/>
+                </a:solidFill>
+                <a:latin typeface="+mn-lt"/>
+                <a:ea typeface="+mn-ea"/>
+                <a:cs typeface="+mn-cs"/>
+              </a:defRPr>
+            </a:lvl7pPr>
+            <a:lvl8pPr marL="3200400" algn="l" defTabSz="914400" rtl="0" eaLnBrk="1" latinLnBrk="0" hangingPunct="1">
+              <a:defRPr sz="1800" kern="1200">
+                <a:solidFill>
+                  <a:schemeClr val="tx1"/>
+                </a:solidFill>
+                <a:latin typeface="+mn-lt"/>
+                <a:ea typeface="+mn-ea"/>
+                <a:cs typeface="+mn-cs"/>
+              </a:defRPr>
+            </a:lvl8pPr>
+            <a:lvl9pPr marL="3657600" algn="l" defTabSz="914400" rtl="0" eaLnBrk="1" latinLnBrk="0" hangingPunct="1">
+              <a:defRPr sz="1800" kern="1200">
+                <a:solidFill>
+                  <a:schemeClr val="tx1"/>
+                </a:solidFill>
+                <a:latin typeface="+mn-lt"/>
+                <a:ea typeface="+mn-ea"/>
+                <a:cs typeface="+mn-cs"/>
+              </a:defRPr>
+            </a:lvl9pPr>
+          </a:lstStyle>
+          <a:p>
+            <a:r>
+              <a:rPr lang="en-GB" dirty="0"/>
+              <a:t>github.com/luis-cj</a:t>
+            </a:r>
+          </a:p>
+        </p:txBody>
+      </p:sp>
+      <p:pic>
+        <p:nvPicPr>
+          <p:cNvPr id="6" name="Picture 5">
+            <a:hlinkClick r:id="rId3"/>
+            <a:extLst>
+              <a:ext uri="{FF2B5EF4-FFF2-40B4-BE49-F238E27FC236}">
+                <a16:creationId xmlns:a16="http://schemas.microsoft.com/office/drawing/2014/main" id="{8F68F470-7D67-4F36-B7B5-BFA2B313EFE1}"/>
+              </a:ext>
+            </a:extLst>
+          </p:cNvPr>
+          <p:cNvPicPr>
+            <a:picLocks noChangeAspect="1"/>
+          </p:cNvPicPr>
+          <p:nvPr/>
+        </p:nvPicPr>
+        <p:blipFill>
+          <a:blip r:embed="rId4">
+            <a:extLst>
+              <a:ext uri="{28A0092B-C50C-407E-A947-70E740481C1C}">
+                <a14:useLocalDpi xmlns:a14="http://schemas.microsoft.com/office/drawing/2010/main" val="0"/>
+              </a:ext>
+            </a:extLst>
+          </a:blip>
+          <a:stretch>
+            <a:fillRect/>
+          </a:stretch>
+        </p:blipFill>
+        <p:spPr>
+          <a:xfrm>
+            <a:off x="643460" y="6256791"/>
+            <a:ext cx="232470" cy="232470"/>
+          </a:xfrm>
+          <a:prstGeom prst="rect">
+            <a:avLst/>
+          </a:prstGeom>
+        </p:spPr>
+      </p:pic>
+      <p:pic>
+        <p:nvPicPr>
+          <p:cNvPr id="12" name="Picture 11">
+            <a:hlinkClick r:id="rId5"/>
+            <a:extLst>
+              <a:ext uri="{FF2B5EF4-FFF2-40B4-BE49-F238E27FC236}">
+                <a16:creationId xmlns:a16="http://schemas.microsoft.com/office/drawing/2014/main" id="{8892BA2E-D3B9-42F2-84F9-32768CF91720}"/>
+              </a:ext>
+            </a:extLst>
+          </p:cNvPr>
+          <p:cNvPicPr>
+            <a:picLocks noChangeAspect="1"/>
+          </p:cNvPicPr>
+          <p:nvPr/>
+        </p:nvPicPr>
+        <p:blipFill>
+          <a:blip r:embed="rId6">
+            <a:extLst>
+              <a:ext uri="{28A0092B-C50C-407E-A947-70E740481C1C}">
+                <a14:useLocalDpi xmlns:a14="http://schemas.microsoft.com/office/drawing/2010/main" val="0"/>
+              </a:ext>
+            </a:extLst>
+          </a:blip>
+          <a:stretch>
+            <a:fillRect/>
+          </a:stretch>
+        </p:blipFill>
+        <p:spPr>
+          <a:xfrm>
+            <a:off x="9575130" y="6267860"/>
+            <a:ext cx="228658" cy="194450"/>
+          </a:xfrm>
+          <a:prstGeom prst="rect">
+            <a:avLst/>
+          </a:prstGeom>
+        </p:spPr>
+      </p:pic>
+      <p:sp>
+        <p:nvSpPr>
+          <p:cNvPr id="14" name="Footer Placeholder 3">
+            <a:extLst>
+              <a:ext uri="{FF2B5EF4-FFF2-40B4-BE49-F238E27FC236}">
+                <a16:creationId xmlns:a16="http://schemas.microsoft.com/office/drawing/2014/main" id="{0210C5F4-EBA0-4016-B30C-AB6343ACE629}"/>
+              </a:ext>
+            </a:extLst>
+          </p:cNvPr>
+          <p:cNvSpPr txBox="1">
+            <a:spLocks/>
+          </p:cNvSpPr>
+          <p:nvPr/>
+        </p:nvSpPr>
+        <p:spPr>
+          <a:xfrm>
+            <a:off x="9625045" y="6184520"/>
+            <a:ext cx="1923495" cy="365125"/>
+          </a:xfrm>
+          <a:prstGeom prst="rect">
+            <a:avLst/>
+          </a:prstGeom>
+        </p:spPr>
+        <p:txBody>
+          <a:bodyPr vert="horz" lIns="91440" tIns="45720" rIns="91440" bIns="45720" rtlCol="0" anchor="ctr"/>
+          <a:lstStyle>
+            <a:defPPr>
+              <a:defRPr lang="en-US"/>
+            </a:defPPr>
+            <a:lvl1pPr marL="0" algn="ctr" defTabSz="914400" rtl="0" eaLnBrk="1" latinLnBrk="0" hangingPunct="1">
+              <a:defRPr sz="1200" kern="1200">
+                <a:solidFill>
+                  <a:schemeClr val="tx1">
+                    <a:tint val="75000"/>
+                  </a:schemeClr>
+                </a:solidFill>
+                <a:latin typeface="+mn-lt"/>
+                <a:ea typeface="+mn-ea"/>
+                <a:cs typeface="+mn-cs"/>
+              </a:defRPr>
+            </a:lvl1pPr>
+            <a:lvl2pPr marL="457200" algn="l" defTabSz="914400" rtl="0" eaLnBrk="1" latinLnBrk="0" hangingPunct="1">
+              <a:defRPr sz="1800" kern="1200">
+                <a:solidFill>
+                  <a:schemeClr val="tx1"/>
+                </a:solidFill>
+                <a:latin typeface="+mn-lt"/>
+                <a:ea typeface="+mn-ea"/>
+                <a:cs typeface="+mn-cs"/>
+              </a:defRPr>
+            </a:lvl2pPr>
+            <a:lvl3pPr marL="914400" algn="l" defTabSz="914400" rtl="0" eaLnBrk="1" latinLnBrk="0" hangingPunct="1">
+              <a:defRPr sz="1800" kern="1200">
+                <a:solidFill>
+                  <a:schemeClr val="tx1"/>
+                </a:solidFill>
+                <a:latin typeface="+mn-lt"/>
+                <a:ea typeface="+mn-ea"/>
+                <a:cs typeface="+mn-cs"/>
+              </a:defRPr>
+            </a:lvl3pPr>
+            <a:lvl4pPr marL="1371600" algn="l" defTabSz="914400" rtl="0" eaLnBrk="1" latinLnBrk="0" hangingPunct="1">
+              <a:defRPr sz="1800" kern="1200">
+                <a:solidFill>
+                  <a:schemeClr val="tx1"/>
+                </a:solidFill>
+                <a:latin typeface="+mn-lt"/>
+                <a:ea typeface="+mn-ea"/>
+                <a:cs typeface="+mn-cs"/>
+              </a:defRPr>
+            </a:lvl4pPr>
+            <a:lvl5pPr marL="1828800" algn="l" defTabSz="914400" rtl="0" eaLnBrk="1" latinLnBrk="0" hangingPunct="1">
+              <a:defRPr sz="1800" kern="1200">
+                <a:solidFill>
+                  <a:schemeClr val="tx1"/>
+                </a:solidFill>
+                <a:latin typeface="+mn-lt"/>
+                <a:ea typeface="+mn-ea"/>
+                <a:cs typeface="+mn-cs"/>
+              </a:defRPr>
+            </a:lvl5pPr>
+            <a:lvl6pPr marL="2286000" algn="l" defTabSz="914400" rtl="0" eaLnBrk="1" latinLnBrk="0" hangingPunct="1">
+              <a:defRPr sz="1800" kern="1200">
+                <a:solidFill>
+                  <a:schemeClr val="tx1"/>
+                </a:solidFill>
+                <a:latin typeface="+mn-lt"/>
+                <a:ea typeface="+mn-ea"/>
+                <a:cs typeface="+mn-cs"/>
+              </a:defRPr>
+            </a:lvl6pPr>
+            <a:lvl7pPr marL="2743200" algn="l" defTabSz="914400" rtl="0" eaLnBrk="1" latinLnBrk="0" hangingPunct="1">
+              <a:defRPr sz="1800" kern="1200">
+                <a:solidFill>
+                  <a:schemeClr val="tx1"/>
+                </a:solidFill>
+                <a:latin typeface="+mn-lt"/>
+                <a:ea typeface="+mn-ea"/>
+                <a:cs typeface="+mn-cs"/>
+              </a:defRPr>
+            </a:lvl7pPr>
+            <a:lvl8pPr marL="3200400" algn="l" defTabSz="914400" rtl="0" eaLnBrk="1" latinLnBrk="0" hangingPunct="1">
+              <a:defRPr sz="1800" kern="1200">
+                <a:solidFill>
+                  <a:schemeClr val="tx1"/>
+                </a:solidFill>
+                <a:latin typeface="+mn-lt"/>
+                <a:ea typeface="+mn-ea"/>
+                <a:cs typeface="+mn-cs"/>
+              </a:defRPr>
+            </a:lvl8pPr>
+            <a:lvl9pPr marL="3657600" algn="l" defTabSz="914400" rtl="0" eaLnBrk="1" latinLnBrk="0" hangingPunct="1">
+              <a:defRPr sz="1800" kern="1200">
+                <a:solidFill>
+                  <a:schemeClr val="tx1"/>
+                </a:solidFill>
+                <a:latin typeface="+mn-lt"/>
+                <a:ea typeface="+mn-ea"/>
+                <a:cs typeface="+mn-cs"/>
+              </a:defRPr>
+            </a:lvl9pPr>
+          </a:lstStyle>
+          <a:p>
+            <a:r>
+              <a:rPr lang="en-GB" dirty="0"/>
+              <a:t>linkedin.com/in/</a:t>
+            </a:r>
+            <a:r>
+              <a:rPr lang="en-GB" dirty="0" err="1"/>
+              <a:t>luis-cj</a:t>
+            </a:r>
+            <a:endParaRPr lang="en-GB" dirty="0"/>
           </a:p>
         </p:txBody>
       </p:sp>
     </p:spTree>
     <p:extLst>
       <p:ext uri="{BB962C8B-B14F-4D97-AF65-F5344CB8AC3E}">
-        <p14:creationId xmlns:p14="http://schemas.microsoft.com/office/powerpoint/2010/main" val="3348417067"/>
+        <p14:creationId xmlns:p14="http://schemas.microsoft.com/office/powerpoint/2010/main" val="1899373397"/>
       </p:ext>
     </p:extLst>
   </p:cSld>
@@ -3775,10 +4336,10 @@
       </p:grpSpPr>
       <p:sp>
         <p:nvSpPr>
-          <p:cNvPr id="2" name="Title 1">
-            <a:extLst>
-              <a:ext uri="{FF2B5EF4-FFF2-40B4-BE49-F238E27FC236}">
-                <a16:creationId xmlns:a16="http://schemas.microsoft.com/office/drawing/2014/main" id="{6521176D-BB93-4C95-B00B-C99ACAD8017C}"/>
+          <p:cNvPr id="3" name="Content Placeholder 2">
+            <a:extLst>
+              <a:ext uri="{FF2B5EF4-FFF2-40B4-BE49-F238E27FC236}">
+                <a16:creationId xmlns:a16="http://schemas.microsoft.com/office/drawing/2014/main" id="{FB0F6311-D424-4D5E-A9CF-6AD0DED34E9E}"/>
               </a:ext>
             </a:extLst>
           </p:cNvPr>
@@ -3786,34 +4347,100 @@
             <a:spLocks noGrp="1"/>
           </p:cNvSpPr>
           <p:nvPr>
-            <p:ph type="title"/>
+            <p:ph idx="1"/>
           </p:nvPr>
         </p:nvSpPr>
         <p:spPr>
           <a:xfrm>
-            <a:off x="838200" y="258593"/>
-            <a:ext cx="10515600" cy="1037547"/>
+            <a:off x="838199" y="1296140"/>
+            <a:ext cx="10515600" cy="4351338"/>
           </a:xfrm>
         </p:spPr>
         <p:txBody>
           <a:bodyPr>
-            <a:noAutofit/>
+            <a:normAutofit/>
           </a:bodyPr>
           <a:lstStyle/>
           <a:p>
-            <a:r>
-              <a:rPr lang="en-GB" sz="2800" dirty="0">
-                <a:solidFill>
-                  <a:schemeClr val="tx1">
-                    <a:lumMod val="75000"/>
-                    <a:lumOff val="25000"/>
-                  </a:schemeClr>
-                </a:solidFill>
-                <a:latin typeface="Segoe UI" panose="020B0502040204020203" pitchFamily="34" charset="0"/>
-                <a:cs typeface="Segoe UI" panose="020B0502040204020203" pitchFamily="34" charset="0"/>
-              </a:rPr>
-              <a:t>There are important data quality issues that suggest treating the following statements as not conclusive </a:t>
-            </a:r>
+            <a:pPr>
+              <a:lnSpc>
+                <a:spcPct val="150000"/>
+              </a:lnSpc>
+            </a:pPr>
+            <a:r>
+              <a:rPr lang="en-GB" sz="2000" dirty="0"/>
+              <a:t>A renewable energy supplier owns solar power plants in India. </a:t>
+            </a:r>
+          </a:p>
+          <a:p>
+            <a:pPr>
+              <a:lnSpc>
+                <a:spcPct val="150000"/>
+              </a:lnSpc>
+            </a:pPr>
+            <a:r>
+              <a:rPr lang="en-GB" sz="2000" dirty="0"/>
+              <a:t>Two of those power plants present power production anomalies affecting the total power generation and thus reducing business income.</a:t>
+            </a:r>
+          </a:p>
+          <a:p>
+            <a:pPr>
+              <a:lnSpc>
+                <a:spcPct val="150000"/>
+              </a:lnSpc>
+            </a:pPr>
+            <a:r>
+              <a:rPr lang="en-GB" sz="2000" dirty="0"/>
+              <a:t>Before sending the technical team to fix the problem the data science team has been required to analyse power plant sensors’ data to make a first approximation to the root cause of failure of the equipment.</a:t>
+            </a:r>
+          </a:p>
+          <a:p>
+            <a:pPr>
+              <a:lnSpc>
+                <a:spcPct val="150000"/>
+              </a:lnSpc>
+            </a:pPr>
+            <a:r>
+              <a:rPr lang="en-GB" sz="2000" dirty="0"/>
+              <a:t>What should the data science team do? How should they approach the problem?</a:t>
+            </a:r>
+          </a:p>
+          <a:p>
+            <a:pPr>
+              <a:lnSpc>
+                <a:spcPct val="150000"/>
+              </a:lnSpc>
+            </a:pPr>
+            <a:endParaRPr lang="en-GB" sz="2000" dirty="0"/>
+          </a:p>
+        </p:txBody>
+      </p:sp>
+      <p:sp>
+        <p:nvSpPr>
+          <p:cNvPr id="4" name="Footer Placeholder 3">
+            <a:extLst>
+              <a:ext uri="{FF2B5EF4-FFF2-40B4-BE49-F238E27FC236}">
+                <a16:creationId xmlns:a16="http://schemas.microsoft.com/office/drawing/2014/main" id="{730449B5-36EF-4C87-8C3F-14DFB5C27278}"/>
+              </a:ext>
+            </a:extLst>
+          </p:cNvPr>
+          <p:cNvSpPr>
+            <a:spLocks noGrp="1"/>
+          </p:cNvSpPr>
+          <p:nvPr>
+            <p:ph type="ftr" sz="quarter" idx="11"/>
+          </p:nvPr>
+        </p:nvSpPr>
+        <p:spPr/>
+        <p:txBody>
+          <a:bodyPr/>
+          <a:lstStyle/>
+          <a:p>
+            <a:r>
+              <a:rPr lang="en-GB"/>
+              <a:t>Solar power plant – Data science project – Luis Castrillo</a:t>
+            </a:r>
+            <a:endParaRPr lang="en-GB" dirty="0"/>
           </a:p>
         </p:txBody>
       </p:sp>
@@ -3822,7 +4449,7 @@
           <p:cNvPr id="5" name="Slide Number Placeholder 4">
             <a:extLst>
               <a:ext uri="{FF2B5EF4-FFF2-40B4-BE49-F238E27FC236}">
-                <a16:creationId xmlns:a16="http://schemas.microsoft.com/office/drawing/2014/main" id="{C9986DD4-96D3-4165-8026-B6FC014C8709}"/>
+                <a16:creationId xmlns:a16="http://schemas.microsoft.com/office/drawing/2014/main" id="{3593436F-EEB6-4479-9DC8-3E10D6C7D673}"/>
               </a:ext>
             </a:extLst>
           </p:cNvPr>
@@ -3847,270 +4474,36 @@
           </a:p>
         </p:txBody>
       </p:sp>
-      <p:pic>
-        <p:nvPicPr>
-          <p:cNvPr id="9" name="Picture 8">
-            <a:extLst>
-              <a:ext uri="{FF2B5EF4-FFF2-40B4-BE49-F238E27FC236}">
-                <a16:creationId xmlns:a16="http://schemas.microsoft.com/office/drawing/2014/main" id="{55D05968-7ED4-47A8-861A-2935458F8917}"/>
-              </a:ext>
-            </a:extLst>
-          </p:cNvPr>
-          <p:cNvPicPr>
-            <a:picLocks noChangeAspect="1"/>
-          </p:cNvPicPr>
-          <p:nvPr/>
-        </p:nvPicPr>
-        <p:blipFill>
-          <a:blip r:embed="rId2">
-            <a:extLst>
-              <a:ext uri="{28A0092B-C50C-407E-A947-70E740481C1C}">
-                <a14:useLocalDpi xmlns:a14="http://schemas.microsoft.com/office/drawing/2010/main" val="0"/>
-              </a:ext>
-            </a:extLst>
-          </a:blip>
-          <a:stretch>
-            <a:fillRect/>
-          </a:stretch>
-        </p:blipFill>
-        <p:spPr>
-          <a:xfrm>
-            <a:off x="642890" y="1930894"/>
-            <a:ext cx="4582074" cy="2996212"/>
-          </a:xfrm>
-          <a:prstGeom prst="rect">
-            <a:avLst/>
-          </a:prstGeom>
-        </p:spPr>
-      </p:pic>
-      <p:sp>
-        <p:nvSpPr>
-          <p:cNvPr id="11" name="Title 1">
-            <a:extLst>
-              <a:ext uri="{FF2B5EF4-FFF2-40B4-BE49-F238E27FC236}">
-                <a16:creationId xmlns:a16="http://schemas.microsoft.com/office/drawing/2014/main" id="{918C7622-6908-4E9D-B3FE-E905EE49F4E3}"/>
-              </a:ext>
-            </a:extLst>
-          </p:cNvPr>
-          <p:cNvSpPr txBox="1">
-            <a:spLocks/>
-          </p:cNvSpPr>
-          <p:nvPr/>
-        </p:nvSpPr>
-        <p:spPr>
-          <a:xfrm>
-            <a:off x="1154097" y="5406501"/>
-            <a:ext cx="9883806" cy="807870"/>
-          </a:xfrm>
-          <a:prstGeom prst="rect">
-            <a:avLst/>
-          </a:prstGeom>
-          <a:ln>
-            <a:solidFill>
-              <a:schemeClr val="tx1"/>
-            </a:solidFill>
-          </a:ln>
-        </p:spPr>
-        <p:txBody>
-          <a:bodyPr vert="horz" lIns="91440" tIns="45720" rIns="91440" bIns="45720" rtlCol="0" anchor="ctr">
+      <p:sp>
+        <p:nvSpPr>
+          <p:cNvPr id="6" name="Title 1">
+            <a:extLst>
+              <a:ext uri="{FF2B5EF4-FFF2-40B4-BE49-F238E27FC236}">
+                <a16:creationId xmlns:a16="http://schemas.microsoft.com/office/drawing/2014/main" id="{CE3A99BF-FAF4-46DF-BF7B-1B5D9683E3C8}"/>
+              </a:ext>
+            </a:extLst>
+          </p:cNvPr>
+          <p:cNvSpPr>
+            <a:spLocks noGrp="1"/>
+          </p:cNvSpPr>
+          <p:nvPr>
+            <p:ph type="title"/>
+          </p:nvPr>
+        </p:nvSpPr>
+        <p:spPr>
+          <a:xfrm>
+            <a:off x="838199" y="258593"/>
+            <a:ext cx="10515600" cy="1037547"/>
+          </a:xfrm>
+        </p:spPr>
+        <p:txBody>
+          <a:bodyPr>
             <a:noAutofit/>
           </a:bodyPr>
-          <a:lstStyle>
-            <a:lvl1pPr algn="l" defTabSz="914400" rtl="0" eaLnBrk="1" latinLnBrk="0" hangingPunct="1">
-              <a:lnSpc>
-                <a:spcPct val="90000"/>
-              </a:lnSpc>
-              <a:spcBef>
-                <a:spcPct val="0"/>
-              </a:spcBef>
-              <a:buNone/>
-              <a:defRPr sz="4400" kern="1200">
-                <a:solidFill>
-                  <a:schemeClr val="tx1"/>
-                </a:solidFill>
-                <a:latin typeface="+mj-lt"/>
-                <a:ea typeface="+mj-ea"/>
-                <a:cs typeface="+mj-cs"/>
-              </a:defRPr>
-            </a:lvl1pPr>
-          </a:lstStyle>
-          <a:p>
-            <a:pPr algn="ctr"/>
-            <a:r>
-              <a:rPr lang="en-GB" sz="1600" dirty="0">
-                <a:solidFill>
-                  <a:schemeClr val="tx1">
-                    <a:lumMod val="85000"/>
-                    <a:lumOff val="15000"/>
-                  </a:schemeClr>
-                </a:solidFill>
-                <a:latin typeface="Segoe UI" panose="020B0502040204020203" pitchFamily="34" charset="0"/>
-                <a:cs typeface="Segoe UI" panose="020B0502040204020203" pitchFamily="34" charset="0"/>
-              </a:rPr>
-              <a:t>It has been required to review the data acquisition system to check if it has been a data quality issue. </a:t>
-            </a:r>
-          </a:p>
-        </p:txBody>
-      </p:sp>
-      <p:pic>
-        <p:nvPicPr>
-          <p:cNvPr id="6" name="Picture 5">
-            <a:extLst>
-              <a:ext uri="{FF2B5EF4-FFF2-40B4-BE49-F238E27FC236}">
-                <a16:creationId xmlns:a16="http://schemas.microsoft.com/office/drawing/2014/main" id="{350B4FB2-076C-4352-88C5-03F302AC6352}"/>
-              </a:ext>
-            </a:extLst>
-          </p:cNvPr>
-          <p:cNvPicPr>
-            <a:picLocks noChangeAspect="1"/>
-          </p:cNvPicPr>
-          <p:nvPr/>
-        </p:nvPicPr>
-        <p:blipFill>
-          <a:blip r:embed="rId3">
-            <a:extLst>
-              <a:ext uri="{28A0092B-C50C-407E-A947-70E740481C1C}">
-                <a14:useLocalDpi xmlns:a14="http://schemas.microsoft.com/office/drawing/2010/main" val="0"/>
-              </a:ext>
-            </a:extLst>
-          </a:blip>
-          <a:stretch>
-            <a:fillRect/>
-          </a:stretch>
-        </p:blipFill>
-        <p:spPr>
-          <a:xfrm>
-            <a:off x="6878838" y="1878730"/>
-            <a:ext cx="4670272" cy="3100540"/>
-          </a:xfrm>
-          <a:prstGeom prst="rect">
-            <a:avLst/>
-          </a:prstGeom>
-        </p:spPr>
-      </p:pic>
-      <p:sp>
-        <p:nvSpPr>
-          <p:cNvPr id="12" name="Globo: línea doblada con barra de énfasis 14">
-            <a:extLst>
-              <a:ext uri="{FF2B5EF4-FFF2-40B4-BE49-F238E27FC236}">
-                <a16:creationId xmlns:a16="http://schemas.microsoft.com/office/drawing/2014/main" id="{46783C2C-61DB-4168-8FCA-B484A3636E3E}"/>
-              </a:ext>
-            </a:extLst>
-          </p:cNvPr>
-          <p:cNvSpPr/>
-          <p:nvPr/>
-        </p:nvSpPr>
-        <p:spPr>
-          <a:xfrm>
-            <a:off x="4976015" y="3072163"/>
-            <a:ext cx="1492413" cy="944494"/>
-          </a:xfrm>
-          <a:prstGeom prst="accentCallout2">
-            <a:avLst>
-              <a:gd name="adj1" fmla="val 18750"/>
-              <a:gd name="adj2" fmla="val -8333"/>
-              <a:gd name="adj3" fmla="val 18750"/>
-              <a:gd name="adj4" fmla="val -16667"/>
-              <a:gd name="adj5" fmla="val 500"/>
-              <a:gd name="adj6" fmla="val -59341"/>
-            </a:avLst>
-          </a:prstGeom>
-          <a:ln w="28575">
-            <a:solidFill>
-              <a:schemeClr val="bg1">
-                <a:lumMod val="65000"/>
-              </a:schemeClr>
-            </a:solidFill>
-          </a:ln>
-        </p:spPr>
-        <p:style>
-          <a:lnRef idx="2">
-            <a:schemeClr val="dk1"/>
-          </a:lnRef>
-          <a:fillRef idx="1">
-            <a:schemeClr val="lt1"/>
-          </a:fillRef>
-          <a:effectRef idx="0">
-            <a:schemeClr val="dk1"/>
-          </a:effectRef>
-          <a:fontRef idx="minor">
-            <a:schemeClr val="dk1"/>
-          </a:fontRef>
-        </p:style>
-        <p:txBody>
-          <a:bodyPr rtlCol="0" anchor="ctr"/>
           <a:lstStyle/>
           <a:p>
-            <a:pPr algn="ctr"/>
-            <a:r>
-              <a:rPr lang="en-GB" sz="1050" dirty="0">
-                <a:solidFill>
-                  <a:schemeClr val="bg1">
-                    <a:lumMod val="50000"/>
-                  </a:schemeClr>
-                </a:solidFill>
-              </a:rPr>
-              <a:t>DC generation in power plant 1 is around 10 times higher than in plant 2</a:t>
-            </a:r>
-            <a:endParaRPr lang="en-GB" sz="1050" dirty="0">
-              <a:solidFill>
-                <a:schemeClr val="bg1">
-                  <a:lumMod val="75000"/>
-                </a:schemeClr>
-              </a:solidFill>
-            </a:endParaRPr>
-          </a:p>
-        </p:txBody>
-      </p:sp>
-      <p:sp>
-        <p:nvSpPr>
-          <p:cNvPr id="13" name="Title 1">
-            <a:extLst>
-              <a:ext uri="{FF2B5EF4-FFF2-40B4-BE49-F238E27FC236}">
-                <a16:creationId xmlns:a16="http://schemas.microsoft.com/office/drawing/2014/main" id="{9B2930EB-9C63-47B8-800C-20CA08B5481C}"/>
-              </a:ext>
-            </a:extLst>
-          </p:cNvPr>
-          <p:cNvSpPr txBox="1">
-            <a:spLocks/>
-          </p:cNvSpPr>
-          <p:nvPr/>
-        </p:nvSpPr>
-        <p:spPr>
-          <a:xfrm>
-            <a:off x="943993" y="1435394"/>
-            <a:ext cx="4192772" cy="511606"/>
-          </a:xfrm>
-          <a:prstGeom prst="rect">
-            <a:avLst/>
-          </a:prstGeom>
-        </p:spPr>
-        <p:txBody>
-          <a:bodyPr vert="horz" lIns="91440" tIns="45720" rIns="91440" bIns="45720" rtlCol="0" anchor="ctr">
-            <a:noAutofit/>
-          </a:bodyPr>
-          <a:lstStyle>
-            <a:lvl1pPr algn="l" defTabSz="914400" rtl="0" eaLnBrk="1" latinLnBrk="0" hangingPunct="1">
-              <a:lnSpc>
-                <a:spcPct val="90000"/>
-              </a:lnSpc>
-              <a:spcBef>
-                <a:spcPct val="0"/>
-              </a:spcBef>
-              <a:buNone/>
-              <a:defRPr sz="4400" kern="1200">
-                <a:solidFill>
-                  <a:schemeClr val="tx1"/>
-                </a:solidFill>
-                <a:latin typeface="+mj-lt"/>
-                <a:ea typeface="+mj-ea"/>
-                <a:cs typeface="+mj-cs"/>
-              </a:defRPr>
-            </a:lvl1pPr>
-          </a:lstStyle>
-          <a:p>
-            <a:r>
-              <a:rPr lang="en-GB" sz="1200" i="1" dirty="0">
+            <a:r>
+              <a:rPr lang="en-GB" sz="2800" dirty="0">
                 <a:solidFill>
                   <a:schemeClr val="tx1">
                     <a:lumMod val="75000"/>
@@ -4120,401 +4513,15 @@
                 <a:latin typeface="Segoe UI" panose="020B0502040204020203" pitchFamily="34" charset="0"/>
                 <a:cs typeface="Segoe UI" panose="020B0502040204020203" pitchFamily="34" charset="0"/>
               </a:rPr>
-              <a:t>DC power generated by plant [kW]</a:t>
-            </a:r>
-          </a:p>
-        </p:txBody>
-      </p:sp>
-      <p:sp>
-        <p:nvSpPr>
-          <p:cNvPr id="14" name="Elipse 24">
-            <a:extLst>
-              <a:ext uri="{FF2B5EF4-FFF2-40B4-BE49-F238E27FC236}">
-                <a16:creationId xmlns:a16="http://schemas.microsoft.com/office/drawing/2014/main" id="{67814B5E-CC6E-492C-9723-DDCA0869F741}"/>
-              </a:ext>
-            </a:extLst>
-          </p:cNvPr>
-          <p:cNvSpPr/>
-          <p:nvPr/>
-        </p:nvSpPr>
-        <p:spPr>
-          <a:xfrm>
-            <a:off x="8949954" y="2141701"/>
-            <a:ext cx="854015" cy="314231"/>
-          </a:xfrm>
-          <a:prstGeom prst="ellipse">
-            <a:avLst/>
-          </a:prstGeom>
-          <a:noFill/>
-          <a:ln w="9525" cap="flat" cmpd="sng" algn="ctr">
-            <a:solidFill>
-              <a:schemeClr val="bg1">
-                <a:lumMod val="50000"/>
-              </a:schemeClr>
-            </a:solidFill>
-            <a:prstDash val="solid"/>
-            <a:round/>
-            <a:headEnd type="none" w="med" len="med"/>
-            <a:tailEnd type="none" w="med" len="med"/>
-          </a:ln>
-        </p:spPr>
-        <p:style>
-          <a:lnRef idx="0">
-            <a:scrgbClr r="0" g="0" b="0"/>
-          </a:lnRef>
-          <a:fillRef idx="0">
-            <a:scrgbClr r="0" g="0" b="0"/>
-          </a:fillRef>
-          <a:effectRef idx="0">
-            <a:scrgbClr r="0" g="0" b="0"/>
-          </a:effectRef>
-          <a:fontRef idx="minor">
-            <a:schemeClr val="dk1"/>
-          </a:fontRef>
-        </p:style>
-        <p:txBody>
-          <a:bodyPr rtlCol="0" anchor="ctr"/>
-          <a:lstStyle/>
-          <a:p>
-            <a:pPr algn="ctr"/>
-            <a:r>
-              <a:rPr lang="es-ES" sz="1600" dirty="0">
-                <a:solidFill>
-                  <a:schemeClr val="bg1">
-                    <a:lumMod val="65000"/>
-                  </a:schemeClr>
-                </a:solidFill>
-              </a:rPr>
-              <a:t>95%</a:t>
-            </a:r>
-          </a:p>
-        </p:txBody>
-      </p:sp>
-      <p:sp>
-        <p:nvSpPr>
-          <p:cNvPr id="15" name="Elipse 25">
-            <a:extLst>
-              <a:ext uri="{FF2B5EF4-FFF2-40B4-BE49-F238E27FC236}">
-                <a16:creationId xmlns:a16="http://schemas.microsoft.com/office/drawing/2014/main" id="{28C63166-EE42-49DC-AC10-5CA376ABAC54}"/>
-              </a:ext>
-            </a:extLst>
-          </p:cNvPr>
-          <p:cNvSpPr/>
-          <p:nvPr/>
-        </p:nvSpPr>
-        <p:spPr>
-          <a:xfrm>
-            <a:off x="8949953" y="4016657"/>
-            <a:ext cx="854015" cy="314231"/>
-          </a:xfrm>
-          <a:prstGeom prst="ellipse">
-            <a:avLst/>
-          </a:prstGeom>
-          <a:noFill/>
-          <a:ln w="9525" cap="flat" cmpd="sng" algn="ctr">
-            <a:solidFill>
-              <a:schemeClr val="bg1">
-                <a:lumMod val="50000"/>
-              </a:schemeClr>
-            </a:solidFill>
-            <a:prstDash val="solid"/>
-            <a:round/>
-            <a:headEnd type="none" w="med" len="med"/>
-            <a:tailEnd type="none" w="med" len="med"/>
-          </a:ln>
-        </p:spPr>
-        <p:style>
-          <a:lnRef idx="0">
-            <a:scrgbClr r="0" g="0" b="0"/>
-          </a:lnRef>
-          <a:fillRef idx="0">
-            <a:scrgbClr r="0" g="0" b="0"/>
-          </a:fillRef>
-          <a:effectRef idx="0">
-            <a:scrgbClr r="0" g="0" b="0"/>
-          </a:effectRef>
-          <a:fontRef idx="minor">
-            <a:schemeClr val="dk1"/>
-          </a:fontRef>
-        </p:style>
-        <p:txBody>
-          <a:bodyPr rtlCol="0" anchor="ctr"/>
-          <a:lstStyle/>
-          <a:p>
-            <a:pPr algn="ctr"/>
-            <a:r>
-              <a:rPr lang="es-ES" sz="1600" dirty="0">
-                <a:solidFill>
-                  <a:schemeClr val="bg1">
-                    <a:lumMod val="65000"/>
-                  </a:schemeClr>
-                </a:solidFill>
-              </a:rPr>
-              <a:t>10%</a:t>
-            </a:r>
-          </a:p>
-        </p:txBody>
-      </p:sp>
-      <p:cxnSp>
-        <p:nvCxnSpPr>
-          <p:cNvPr id="17" name="Conector recto 17">
-            <a:extLst>
-              <a:ext uri="{FF2B5EF4-FFF2-40B4-BE49-F238E27FC236}">
-                <a16:creationId xmlns:a16="http://schemas.microsoft.com/office/drawing/2014/main" id="{75296F54-8FEA-4EC9-9610-1FFFDB0A408E}"/>
-              </a:ext>
-            </a:extLst>
-          </p:cNvPr>
-          <p:cNvCxnSpPr>
-            <a:cxnSpLocks/>
-          </p:cNvCxnSpPr>
-          <p:nvPr/>
-        </p:nvCxnSpPr>
-        <p:spPr>
-          <a:xfrm flipV="1">
-            <a:off x="1037095" y="1827740"/>
-            <a:ext cx="3186648" cy="1"/>
-          </a:xfrm>
-          <a:prstGeom prst="line">
-            <a:avLst/>
-          </a:prstGeom>
-          <a:ln>
-            <a:solidFill>
-              <a:schemeClr val="bg1">
-                <a:lumMod val="75000"/>
-              </a:schemeClr>
-            </a:solidFill>
-          </a:ln>
-        </p:spPr>
-        <p:style>
-          <a:lnRef idx="1">
-            <a:schemeClr val="accent1"/>
-          </a:lnRef>
-          <a:fillRef idx="0">
-            <a:schemeClr val="accent1"/>
-          </a:fillRef>
-          <a:effectRef idx="0">
-            <a:schemeClr val="accent1"/>
-          </a:effectRef>
-          <a:fontRef idx="minor">
-            <a:schemeClr val="tx1"/>
-          </a:fontRef>
-        </p:style>
-      </p:cxnSp>
-      <p:sp>
-        <p:nvSpPr>
-          <p:cNvPr id="18" name="Title 1">
-            <a:extLst>
-              <a:ext uri="{FF2B5EF4-FFF2-40B4-BE49-F238E27FC236}">
-                <a16:creationId xmlns:a16="http://schemas.microsoft.com/office/drawing/2014/main" id="{5287741C-F6B4-4058-8296-CDB06B527CA4}"/>
-              </a:ext>
-            </a:extLst>
-          </p:cNvPr>
-          <p:cNvSpPr txBox="1">
-            <a:spLocks/>
-          </p:cNvSpPr>
-          <p:nvPr/>
-        </p:nvSpPr>
-        <p:spPr>
-          <a:xfrm>
-            <a:off x="7161028" y="1416480"/>
-            <a:ext cx="4192772" cy="511606"/>
-          </a:xfrm>
-          <a:prstGeom prst="rect">
-            <a:avLst/>
-          </a:prstGeom>
-        </p:spPr>
-        <p:txBody>
-          <a:bodyPr vert="horz" lIns="91440" tIns="45720" rIns="91440" bIns="45720" rtlCol="0" anchor="ctr">
-            <a:noAutofit/>
-          </a:bodyPr>
-          <a:lstStyle>
-            <a:lvl1pPr algn="l" defTabSz="914400" rtl="0" eaLnBrk="1" latinLnBrk="0" hangingPunct="1">
-              <a:lnSpc>
-                <a:spcPct val="90000"/>
-              </a:lnSpc>
-              <a:spcBef>
-                <a:spcPct val="0"/>
-              </a:spcBef>
-              <a:buNone/>
-              <a:defRPr sz="4400" kern="1200">
-                <a:solidFill>
-                  <a:schemeClr val="tx1"/>
-                </a:solidFill>
-                <a:latin typeface="+mj-lt"/>
-                <a:ea typeface="+mj-ea"/>
-                <a:cs typeface="+mj-cs"/>
-              </a:defRPr>
-            </a:lvl1pPr>
-          </a:lstStyle>
-          <a:p>
-            <a:r>
-              <a:rPr lang="en-GB" sz="1200" i="1" dirty="0">
-                <a:solidFill>
-                  <a:schemeClr val="tx1">
-                    <a:lumMod val="75000"/>
-                    <a:lumOff val="25000"/>
-                  </a:schemeClr>
-                </a:solidFill>
-                <a:latin typeface="Segoe UI" panose="020B0502040204020203" pitchFamily="34" charset="0"/>
-                <a:cs typeface="Segoe UI" panose="020B0502040204020203" pitchFamily="34" charset="0"/>
-              </a:rPr>
-              <a:t>Plant efficiency throughout the day [%]</a:t>
-            </a:r>
-          </a:p>
-        </p:txBody>
-      </p:sp>
-      <p:cxnSp>
-        <p:nvCxnSpPr>
-          <p:cNvPr id="19" name="Conector recto 17">
-            <a:extLst>
-              <a:ext uri="{FF2B5EF4-FFF2-40B4-BE49-F238E27FC236}">
-                <a16:creationId xmlns:a16="http://schemas.microsoft.com/office/drawing/2014/main" id="{30AAA155-55A8-4A84-8E03-74D8F9E9C2E2}"/>
-              </a:ext>
-            </a:extLst>
-          </p:cNvPr>
-          <p:cNvCxnSpPr>
-            <a:cxnSpLocks/>
-          </p:cNvCxnSpPr>
-          <p:nvPr/>
-        </p:nvCxnSpPr>
-        <p:spPr>
-          <a:xfrm flipV="1">
-            <a:off x="7254130" y="1808826"/>
-            <a:ext cx="3186648" cy="1"/>
-          </a:xfrm>
-          <a:prstGeom prst="line">
-            <a:avLst/>
-          </a:prstGeom>
-          <a:ln>
-            <a:solidFill>
-              <a:schemeClr val="bg1">
-                <a:lumMod val="75000"/>
-              </a:schemeClr>
-            </a:solidFill>
-          </a:ln>
-        </p:spPr>
-        <p:style>
-          <a:lnRef idx="1">
-            <a:schemeClr val="accent1"/>
-          </a:lnRef>
-          <a:fillRef idx="0">
-            <a:schemeClr val="accent1"/>
-          </a:fillRef>
-          <a:effectRef idx="0">
-            <a:schemeClr val="accent1"/>
-          </a:effectRef>
-          <a:fontRef idx="minor">
-            <a:schemeClr val="tx1"/>
-          </a:fontRef>
-        </p:style>
-      </p:cxnSp>
-      <p:sp>
-        <p:nvSpPr>
-          <p:cNvPr id="20" name="Footer Placeholder 3">
-            <a:extLst>
-              <a:ext uri="{FF2B5EF4-FFF2-40B4-BE49-F238E27FC236}">
-                <a16:creationId xmlns:a16="http://schemas.microsoft.com/office/drawing/2014/main" id="{9BEEF1C1-E64D-4154-BB63-23D4448CE2B8}"/>
-              </a:ext>
-            </a:extLst>
-          </p:cNvPr>
-          <p:cNvSpPr>
-            <a:spLocks noGrp="1"/>
-          </p:cNvSpPr>
-          <p:nvPr>
-            <p:ph type="ftr" sz="quarter" idx="11"/>
-          </p:nvPr>
-        </p:nvSpPr>
-        <p:spPr>
-          <a:xfrm>
-            <a:off x="838199" y="6356349"/>
-            <a:ext cx="5097087" cy="365125"/>
-          </a:xfrm>
-        </p:spPr>
-        <p:txBody>
-          <a:bodyPr/>
-          <a:lstStyle/>
-          <a:p>
-            <a:r>
-              <a:rPr lang="en-GB" dirty="0"/>
-              <a:t>Solar power plant – Data science project – Luis Castrillo</a:t>
-            </a:r>
-          </a:p>
-        </p:txBody>
-      </p:sp>
-      <p:sp>
-        <p:nvSpPr>
-          <p:cNvPr id="21" name="CustomShape 3">
-            <a:extLst>
-              <a:ext uri="{FF2B5EF4-FFF2-40B4-BE49-F238E27FC236}">
-                <a16:creationId xmlns:a16="http://schemas.microsoft.com/office/drawing/2014/main" id="{95FD85F9-A8C0-4866-A440-E8E92AA22998}"/>
-              </a:ext>
-            </a:extLst>
-          </p:cNvPr>
-          <p:cNvSpPr/>
-          <p:nvPr/>
-        </p:nvSpPr>
-        <p:spPr>
-          <a:xfrm>
-            <a:off x="5548475" y="1527998"/>
-            <a:ext cx="1242164" cy="829543"/>
-          </a:xfrm>
-          <a:prstGeom prst="rect">
-            <a:avLst/>
-          </a:prstGeom>
-          <a:noFill/>
-          <a:ln>
-            <a:noFill/>
-          </a:ln>
-        </p:spPr>
-        <p:style>
-          <a:lnRef idx="0">
-            <a:scrgbClr r="0" g="0" b="0"/>
-          </a:lnRef>
-          <a:fillRef idx="0">
-            <a:scrgbClr r="0" g="0" b="0"/>
-          </a:fillRef>
-          <a:effectRef idx="0">
-            <a:scrgbClr r="0" g="0" b="0"/>
-          </a:effectRef>
-          <a:fontRef idx="minor"/>
-        </p:style>
-        <p:txBody>
-          <a:bodyPr wrap="square" lIns="90000" tIns="45000" rIns="90000" bIns="45000">
-            <a:spAutoFit/>
-          </a:bodyPr>
-          <a:lstStyle/>
-          <a:p>
-            <a:pPr>
-              <a:lnSpc>
-                <a:spcPct val="100000"/>
-              </a:lnSpc>
-            </a:pPr>
-            <a:r>
-              <a:rPr lang="es-ES" sz="1600" i="1" spc="-1" dirty="0">
-                <a:solidFill>
-                  <a:schemeClr val="bg1">
-                    <a:lumMod val="65000"/>
-                  </a:schemeClr>
-                </a:solidFill>
-                <a:latin typeface="Calibri"/>
-              </a:rPr>
-              <a:t>PENDING A SECOND REVIEW</a:t>
-            </a:r>
-            <a:endParaRPr lang="es-ES" sz="1600" spc="-1" dirty="0">
-              <a:solidFill>
-                <a:schemeClr val="bg1">
-                  <a:lumMod val="65000"/>
-                </a:schemeClr>
-              </a:solidFill>
-              <a:latin typeface="Arial"/>
-            </a:endParaRPr>
+              <a:t>Context </a:t>
+            </a:r>
           </a:p>
         </p:txBody>
       </p:sp>
     </p:spTree>
     <p:extLst>
       <p:ext uri="{BB962C8B-B14F-4D97-AF65-F5344CB8AC3E}">
-        <p14:creationId xmlns:p14="http://schemas.microsoft.com/office/powerpoint/2010/main" val="2531046430"/>
+        <p14:creationId xmlns:p14="http://schemas.microsoft.com/office/powerpoint/2010/main" val="3401997248"/>
       </p:ext>
     </p:extLst>
   </p:cSld>
@@ -4543,10 +4550,10 @@
       </p:grpSpPr>
       <p:sp>
         <p:nvSpPr>
-          <p:cNvPr id="2" name="Title 1">
-            <a:extLst>
-              <a:ext uri="{FF2B5EF4-FFF2-40B4-BE49-F238E27FC236}">
-                <a16:creationId xmlns:a16="http://schemas.microsoft.com/office/drawing/2014/main" id="{6521176D-BB93-4C95-B00B-C99ACAD8017C}"/>
+          <p:cNvPr id="3" name="Content Placeholder 2">
+            <a:extLst>
+              <a:ext uri="{FF2B5EF4-FFF2-40B4-BE49-F238E27FC236}">
+                <a16:creationId xmlns:a16="http://schemas.microsoft.com/office/drawing/2014/main" id="{FB0F6311-D424-4D5E-A9CF-6AD0DED34E9E}"/>
               </a:ext>
             </a:extLst>
           </p:cNvPr>
@@ -4554,33 +4561,109 @@
             <a:spLocks noGrp="1"/>
           </p:cNvSpPr>
           <p:nvPr>
-            <p:ph type="title"/>
+            <p:ph idx="1"/>
           </p:nvPr>
         </p:nvSpPr>
         <p:spPr>
           <a:xfrm>
-            <a:off x="838200" y="258593"/>
-            <a:ext cx="10515600" cy="1037547"/>
+            <a:off x="834324" y="1218068"/>
+            <a:ext cx="10515600" cy="4351338"/>
           </a:xfrm>
         </p:spPr>
         <p:txBody>
           <a:bodyPr>
-            <a:noAutofit/>
+            <a:normAutofit lnSpcReduction="10000"/>
           </a:bodyPr>
           <a:lstStyle/>
           <a:p>
-            <a:r>
-              <a:rPr lang="en-GB" sz="2800" dirty="0">
-                <a:solidFill>
-                  <a:schemeClr val="tx1">
-                    <a:lumMod val="75000"/>
-                    <a:lumOff val="25000"/>
-                  </a:schemeClr>
-                </a:solidFill>
-                <a:latin typeface="Segoe UI" panose="020B0502040204020203" pitchFamily="34" charset="0"/>
-                <a:cs typeface="Segoe UI" panose="020B0502040204020203" pitchFamily="34" charset="0"/>
-              </a:rPr>
-              <a:t>Both power plants receive high and similar amount of irradiance, with no sign of power availability problems</a:t>
+            <a:pPr marL="457200" indent="-457200">
+              <a:lnSpc>
+                <a:spcPct val="150000"/>
+              </a:lnSpc>
+              <a:buFont typeface="+mj-lt"/>
+              <a:buAutoNum type="arabicPeriod"/>
+            </a:pPr>
+            <a:r>
+              <a:rPr lang="en-GB" sz="1800" dirty="0"/>
+              <a:t>Set the project objective</a:t>
+            </a:r>
+          </a:p>
+          <a:p>
+            <a:pPr marL="457200" indent="-457200">
+              <a:lnSpc>
+                <a:spcPct val="150000"/>
+              </a:lnSpc>
+              <a:buFont typeface="+mj-lt"/>
+              <a:buAutoNum type="arabicPeriod"/>
+            </a:pPr>
+            <a:r>
+              <a:rPr lang="en-GB" sz="1800" dirty="0"/>
+              <a:t>Establish the variables that affect the business objective</a:t>
+            </a:r>
+          </a:p>
+          <a:p>
+            <a:pPr marL="457200" indent="-457200">
+              <a:lnSpc>
+                <a:spcPct val="150000"/>
+              </a:lnSpc>
+              <a:buFont typeface="+mj-lt"/>
+              <a:buAutoNum type="arabicPeriod"/>
+            </a:pPr>
+            <a:r>
+              <a:rPr lang="en-GB" sz="1800" dirty="0"/>
+              <a:t>Define the KPIs of those variables</a:t>
+            </a:r>
+          </a:p>
+          <a:p>
+            <a:pPr marL="457200" indent="-457200">
+              <a:lnSpc>
+                <a:spcPct val="150000"/>
+              </a:lnSpc>
+              <a:buFont typeface="+mj-lt"/>
+              <a:buAutoNum type="arabicPeriod"/>
+            </a:pPr>
+            <a:r>
+              <a:rPr lang="en-GB" sz="1800" dirty="0"/>
+              <a:t>Enumerate and classify the relevant entities that are involved and the data that can retrieved from them</a:t>
+            </a:r>
+          </a:p>
+          <a:p>
+            <a:pPr marL="457200" indent="-457200">
+              <a:lnSpc>
+                <a:spcPct val="150000"/>
+              </a:lnSpc>
+              <a:buFont typeface="+mj-lt"/>
+              <a:buAutoNum type="arabicPeriod"/>
+            </a:pPr>
+            <a:r>
+              <a:rPr lang="en-GB" sz="1800" dirty="0"/>
+              <a:t>Determine the first questions that need to be answered in order to start finding relevant insights about each of the variables affecting the  business objective</a:t>
+            </a:r>
+          </a:p>
+          <a:p>
+            <a:pPr marL="457200" indent="-457200">
+              <a:lnSpc>
+                <a:spcPct val="150000"/>
+              </a:lnSpc>
+              <a:buFont typeface="+mj-lt"/>
+              <a:buAutoNum type="arabicPeriod"/>
+            </a:pPr>
+            <a:r>
+              <a:rPr lang="en-GB" sz="1800" dirty="0"/>
+              <a:t>Analyse the data and look for insights</a:t>
+            </a:r>
+          </a:p>
+          <a:p>
+            <a:pPr marL="457200" indent="-457200">
+              <a:lnSpc>
+                <a:spcPct val="150000"/>
+              </a:lnSpc>
+              <a:buFont typeface="+mj-lt"/>
+              <a:buAutoNum type="arabicPeriod"/>
+            </a:pPr>
+            <a:r>
+              <a:rPr lang="en-GB" sz="1800" dirty="0"/>
+              <a:t>Suggest an action plan</a:t>
             </a:r>
           </a:p>
         </p:txBody>
@@ -4590,7 +4673,7 @@
           <p:cNvPr id="4" name="Footer Placeholder 3">
             <a:extLst>
               <a:ext uri="{FF2B5EF4-FFF2-40B4-BE49-F238E27FC236}">
-                <a16:creationId xmlns:a16="http://schemas.microsoft.com/office/drawing/2014/main" id="{AFBB3818-D063-4710-BF72-D321C9691EE8}"/>
+                <a16:creationId xmlns:a16="http://schemas.microsoft.com/office/drawing/2014/main" id="{730449B5-36EF-4C87-8C3F-14DFB5C27278}"/>
               </a:ext>
             </a:extLst>
           </p:cNvPr>
@@ -4601,20 +4684,16 @@
             <p:ph type="ftr" sz="quarter" idx="11"/>
           </p:nvPr>
         </p:nvSpPr>
-        <p:spPr>
-          <a:xfrm>
-            <a:off x="838199" y="6356349"/>
-            <a:ext cx="5097087" cy="365125"/>
-          </a:xfrm>
-        </p:spPr>
+        <p:spPr/>
         <p:txBody>
           <a:bodyPr/>
           <a:lstStyle/>
           <a:p>
             <a:r>
-              <a:rPr lang="en-GB" dirty="0"/>
+              <a:rPr lang="en-GB"/>
               <a:t>Solar power plant – Data science project – Luis Castrillo</a:t>
             </a:r>
+            <a:endParaRPr lang="en-GB" dirty="0"/>
           </a:p>
         </p:txBody>
       </p:sp>
@@ -4623,7 +4702,7 @@
           <p:cNvPr id="5" name="Slide Number Placeholder 4">
             <a:extLst>
               <a:ext uri="{FF2B5EF4-FFF2-40B4-BE49-F238E27FC236}">
-                <a16:creationId xmlns:a16="http://schemas.microsoft.com/office/drawing/2014/main" id="{C9986DD4-96D3-4165-8026-B6FC014C8709}"/>
+                <a16:creationId xmlns:a16="http://schemas.microsoft.com/office/drawing/2014/main" id="{3593436F-EEB6-4479-9DC8-3E10D6C7D673}"/>
               </a:ext>
             </a:extLst>
           </p:cNvPr>
@@ -4650,10 +4729,54 @@
       </p:sp>
       <p:sp>
         <p:nvSpPr>
-          <p:cNvPr id="11" name="Title 1">
-            <a:extLst>
-              <a:ext uri="{FF2B5EF4-FFF2-40B4-BE49-F238E27FC236}">
-                <a16:creationId xmlns:a16="http://schemas.microsoft.com/office/drawing/2014/main" id="{918C7622-6908-4E9D-B3FE-E905EE49F4E3}"/>
+          <p:cNvPr id="6" name="Title 1">
+            <a:extLst>
+              <a:ext uri="{FF2B5EF4-FFF2-40B4-BE49-F238E27FC236}">
+                <a16:creationId xmlns:a16="http://schemas.microsoft.com/office/drawing/2014/main" id="{CE3A99BF-FAF4-46DF-BF7B-1B5D9683E3C8}"/>
+              </a:ext>
+            </a:extLst>
+          </p:cNvPr>
+          <p:cNvSpPr>
+            <a:spLocks noGrp="1"/>
+          </p:cNvSpPr>
+          <p:nvPr>
+            <p:ph type="title"/>
+          </p:nvPr>
+        </p:nvSpPr>
+        <p:spPr>
+          <a:xfrm>
+            <a:off x="838199" y="258593"/>
+            <a:ext cx="10515600" cy="1037547"/>
+          </a:xfrm>
+        </p:spPr>
+        <p:txBody>
+          <a:bodyPr>
+            <a:noAutofit/>
+          </a:bodyPr>
+          <a:lstStyle/>
+          <a:p>
+            <a:r>
+              <a:rPr lang="en-GB" sz="2800" dirty="0">
+                <a:solidFill>
+                  <a:schemeClr val="tx1">
+                    <a:lumMod val="75000"/>
+                    <a:lumOff val="25000"/>
+                  </a:schemeClr>
+                </a:solidFill>
+                <a:latin typeface="Segoe UI" panose="020B0502040204020203" pitchFamily="34" charset="0"/>
+                <a:cs typeface="Segoe UI" panose="020B0502040204020203" pitchFamily="34" charset="0"/>
+              </a:rPr>
+              <a:t>Methodology</a:t>
+            </a:r>
+          </a:p>
+        </p:txBody>
+      </p:sp>
+      <p:sp>
+        <p:nvSpPr>
+          <p:cNvPr id="7" name="Title 1">
+            <a:extLst>
+              <a:ext uri="{FF2B5EF4-FFF2-40B4-BE49-F238E27FC236}">
+                <a16:creationId xmlns:a16="http://schemas.microsoft.com/office/drawing/2014/main" id="{6C8F2F62-07F0-4403-8D41-F33CC7973AD2}"/>
               </a:ext>
             </a:extLst>
           </p:cNvPr>
@@ -4664,8 +4787,8 @@
         </p:nvSpPr>
         <p:spPr>
           <a:xfrm>
-            <a:off x="1154097" y="5406501"/>
-            <a:ext cx="9883806" cy="807870"/>
+            <a:off x="834324" y="5736802"/>
+            <a:ext cx="5768725" cy="452151"/>
           </a:xfrm>
           <a:prstGeom prst="rect">
             <a:avLst/>
@@ -4700,9 +4823,8 @@
             </a:lvl1pPr>
           </a:lstStyle>
           <a:p>
-            <a:pPr algn="ctr"/>
-            <a:r>
-              <a:rPr lang="en-GB" sz="1600" dirty="0">
+            <a:r>
+              <a:rPr lang="en-GB" sz="1400" i="1" dirty="0">
                 <a:solidFill>
                   <a:schemeClr val="tx1">
                     <a:lumMod val="85000"/>
@@ -4712,1032 +4834,34 @@
                 <a:latin typeface="Segoe UI" panose="020B0502040204020203" pitchFamily="34" charset="0"/>
                 <a:cs typeface="Segoe UI" panose="020B0502040204020203" pitchFamily="34" charset="0"/>
               </a:rPr>
-              <a:t>The small difference found between both power plants suggest that they should have very similar DC power generation capabilities.</a:t>
-            </a:r>
-          </a:p>
-        </p:txBody>
-      </p:sp>
-      <p:sp>
-        <p:nvSpPr>
-          <p:cNvPr id="13" name="Title 1">
-            <a:extLst>
-              <a:ext uri="{FF2B5EF4-FFF2-40B4-BE49-F238E27FC236}">
-                <a16:creationId xmlns:a16="http://schemas.microsoft.com/office/drawing/2014/main" id="{9B2930EB-9C63-47B8-800C-20CA08B5481C}"/>
-              </a:ext>
-            </a:extLst>
-          </p:cNvPr>
-          <p:cNvSpPr txBox="1">
-            <a:spLocks/>
-          </p:cNvSpPr>
-          <p:nvPr/>
-        </p:nvSpPr>
-        <p:spPr>
-          <a:xfrm>
-            <a:off x="1811515" y="1675404"/>
-            <a:ext cx="2504762" cy="511606"/>
-          </a:xfrm>
-          <a:prstGeom prst="rect">
-            <a:avLst/>
-          </a:prstGeom>
-        </p:spPr>
-        <p:txBody>
-          <a:bodyPr vert="horz" lIns="91440" tIns="45720" rIns="91440" bIns="45720" rtlCol="0" anchor="ctr">
-            <a:noAutofit/>
-          </a:bodyPr>
-          <a:lstStyle>
-            <a:lvl1pPr algn="l" defTabSz="914400" rtl="0" eaLnBrk="1" latinLnBrk="0" hangingPunct="1">
-              <a:lnSpc>
-                <a:spcPct val="90000"/>
-              </a:lnSpc>
-              <a:spcBef>
-                <a:spcPct val="0"/>
-              </a:spcBef>
-              <a:buNone/>
-              <a:defRPr sz="4400" kern="1200">
-                <a:solidFill>
-                  <a:schemeClr val="tx1"/>
-                </a:solidFill>
-                <a:latin typeface="+mj-lt"/>
-                <a:ea typeface="+mj-ea"/>
-                <a:cs typeface="+mj-cs"/>
-              </a:defRPr>
-            </a:lvl1pPr>
-          </a:lstStyle>
-          <a:p>
-            <a:r>
-              <a:rPr lang="en-GB" sz="1200" b="1" i="1" dirty="0">
+              <a:t>For the complete methodology description please refer to </a:t>
+            </a:r>
+            <a:r>
+              <a:rPr lang="en-GB" sz="1400" i="1" dirty="0">
                 <a:solidFill>
                   <a:schemeClr val="tx1">
-                    <a:lumMod val="75000"/>
-                    <a:lumOff val="25000"/>
+                    <a:lumMod val="85000"/>
+                    <a:lumOff val="15000"/>
+                  </a:schemeClr>
+                </a:solidFill>
+                <a:latin typeface="Segoe UI" panose="020B0502040204020203" pitchFamily="34" charset="0"/>
+                <a:cs typeface="Segoe UI" panose="020B0502040204020203" pitchFamily="34" charset="0"/>
+                <a:hlinkClick r:id="rId2"/>
+              </a:rPr>
+              <a:t>this</a:t>
+            </a:r>
+            <a:r>
+              <a:rPr lang="en-GB" sz="1400" i="1" dirty="0">
+                <a:solidFill>
+                  <a:schemeClr val="tx1">
+                    <a:lumMod val="85000"/>
+                    <a:lumOff val="15000"/>
                   </a:schemeClr>
                 </a:solidFill>
                 <a:latin typeface="Segoe UI" panose="020B0502040204020203" pitchFamily="34" charset="0"/>
                 <a:cs typeface="Segoe UI" panose="020B0502040204020203" pitchFamily="34" charset="0"/>
               </a:rPr>
-              <a:t>Total </a:t>
-            </a:r>
-            <a:r>
-              <a:rPr lang="en-GB" sz="1200" i="1" dirty="0">
-                <a:solidFill>
-                  <a:schemeClr val="tx1">
-                    <a:lumMod val="75000"/>
-                    <a:lumOff val="25000"/>
-                  </a:schemeClr>
-                </a:solidFill>
-                <a:latin typeface="Segoe UI" panose="020B0502040204020203" pitchFamily="34" charset="0"/>
-                <a:cs typeface="Segoe UI" panose="020B0502040204020203" pitchFamily="34" charset="0"/>
-              </a:rPr>
-              <a:t>irradiance by plant [kW/m</a:t>
-            </a:r>
-            <a:r>
-              <a:rPr lang="en-GB" sz="1200" i="1" baseline="30000" dirty="0">
-                <a:solidFill>
-                  <a:schemeClr val="tx1">
-                    <a:lumMod val="75000"/>
-                    <a:lumOff val="25000"/>
-                  </a:schemeClr>
-                </a:solidFill>
-                <a:latin typeface="Segoe UI" panose="020B0502040204020203" pitchFamily="34" charset="0"/>
-                <a:cs typeface="Segoe UI" panose="020B0502040204020203" pitchFamily="34" charset="0"/>
-              </a:rPr>
-              <a:t>2</a:t>
-            </a:r>
-            <a:r>
-              <a:rPr lang="en-GB" sz="1200" i="1" dirty="0">
-                <a:solidFill>
-                  <a:schemeClr val="tx1">
-                    <a:lumMod val="75000"/>
-                    <a:lumOff val="25000"/>
-                  </a:schemeClr>
-                </a:solidFill>
-                <a:latin typeface="Segoe UI" panose="020B0502040204020203" pitchFamily="34" charset="0"/>
-                <a:cs typeface="Segoe UI" panose="020B0502040204020203" pitchFamily="34" charset="0"/>
-              </a:rPr>
-              <a:t>]</a:t>
-            </a:r>
-          </a:p>
-        </p:txBody>
-      </p:sp>
-      <p:cxnSp>
-        <p:nvCxnSpPr>
-          <p:cNvPr id="17" name="Conector recto 17">
-            <a:extLst>
-              <a:ext uri="{FF2B5EF4-FFF2-40B4-BE49-F238E27FC236}">
-                <a16:creationId xmlns:a16="http://schemas.microsoft.com/office/drawing/2014/main" id="{75296F54-8FEA-4EC9-9610-1FFFDB0A408E}"/>
-              </a:ext>
-            </a:extLst>
-          </p:cNvPr>
-          <p:cNvCxnSpPr>
-            <a:cxnSpLocks/>
-          </p:cNvCxnSpPr>
-          <p:nvPr/>
-        </p:nvCxnSpPr>
-        <p:spPr>
-          <a:xfrm flipV="1">
-            <a:off x="1904617" y="2054868"/>
-            <a:ext cx="2416788" cy="12884"/>
-          </a:xfrm>
-          <a:prstGeom prst="line">
-            <a:avLst/>
-          </a:prstGeom>
-          <a:ln>
-            <a:solidFill>
-              <a:schemeClr val="bg1">
-                <a:lumMod val="75000"/>
-              </a:schemeClr>
-            </a:solidFill>
-          </a:ln>
-        </p:spPr>
-        <p:style>
-          <a:lnRef idx="1">
-            <a:schemeClr val="accent1"/>
-          </a:lnRef>
-          <a:fillRef idx="0">
-            <a:schemeClr val="accent1"/>
-          </a:fillRef>
-          <a:effectRef idx="0">
-            <a:schemeClr val="accent1"/>
-          </a:effectRef>
-          <a:fontRef idx="minor">
-            <a:schemeClr val="tx1"/>
-          </a:fontRef>
-        </p:style>
-      </p:cxnSp>
-      <p:pic>
-        <p:nvPicPr>
-          <p:cNvPr id="20" name="Imagen 3">
-            <a:extLst>
-              <a:ext uri="{FF2B5EF4-FFF2-40B4-BE49-F238E27FC236}">
-                <a16:creationId xmlns:a16="http://schemas.microsoft.com/office/drawing/2014/main" id="{DFF26B63-BC35-4A95-9B4D-5F55ECBD6935}"/>
-              </a:ext>
-            </a:extLst>
-          </p:cNvPr>
-          <p:cNvPicPr>
-            <a:picLocks noChangeAspect="1"/>
-          </p:cNvPicPr>
-          <p:nvPr/>
-        </p:nvPicPr>
-        <p:blipFill rotWithShape="1">
-          <a:blip r:embed="rId2"/>
-          <a:srcRect l="10375"/>
-          <a:stretch/>
-        </p:blipFill>
-        <p:spPr>
-          <a:xfrm rot="5400000">
-            <a:off x="1778747" y="2419416"/>
-            <a:ext cx="2646082" cy="2504762"/>
-          </a:xfrm>
-          <a:prstGeom prst="rect">
-            <a:avLst/>
-          </a:prstGeom>
-        </p:spPr>
-      </p:pic>
-      <p:pic>
-        <p:nvPicPr>
-          <p:cNvPr id="21" name="Imagen 12">
-            <a:extLst>
-              <a:ext uri="{FF2B5EF4-FFF2-40B4-BE49-F238E27FC236}">
-                <a16:creationId xmlns:a16="http://schemas.microsoft.com/office/drawing/2014/main" id="{F5670139-D9C0-4AF3-AFDD-11B9D7CB2567}"/>
-              </a:ext>
-            </a:extLst>
-          </p:cNvPr>
-          <p:cNvPicPr>
-            <a:picLocks noChangeAspect="1"/>
-          </p:cNvPicPr>
-          <p:nvPr/>
-        </p:nvPicPr>
-        <p:blipFill>
-          <a:blip r:embed="rId3"/>
-          <a:stretch>
-            <a:fillRect/>
-          </a:stretch>
-        </p:blipFill>
-        <p:spPr>
-          <a:xfrm rot="5400000">
-            <a:off x="4962310" y="2442457"/>
-            <a:ext cx="2647619" cy="2457143"/>
-          </a:xfrm>
-          <a:prstGeom prst="rect">
-            <a:avLst/>
-          </a:prstGeom>
-        </p:spPr>
-      </p:pic>
-      <p:pic>
-        <p:nvPicPr>
-          <p:cNvPr id="22" name="Imagen 14">
-            <a:extLst>
-              <a:ext uri="{FF2B5EF4-FFF2-40B4-BE49-F238E27FC236}">
-                <a16:creationId xmlns:a16="http://schemas.microsoft.com/office/drawing/2014/main" id="{7B15C935-C255-4AE4-B926-B3A334D92BBA}"/>
-              </a:ext>
-            </a:extLst>
-          </p:cNvPr>
-          <p:cNvPicPr>
-            <a:picLocks noChangeAspect="1"/>
-          </p:cNvPicPr>
-          <p:nvPr/>
-        </p:nvPicPr>
-        <p:blipFill>
-          <a:blip r:embed="rId4"/>
-          <a:stretch>
-            <a:fillRect/>
-          </a:stretch>
-        </p:blipFill>
-        <p:spPr>
-          <a:xfrm rot="5400000">
-            <a:off x="8222868" y="2420185"/>
-            <a:ext cx="2609524" cy="2466667"/>
-          </a:xfrm>
-          <a:prstGeom prst="rect">
-            <a:avLst/>
-          </a:prstGeom>
-        </p:spPr>
-      </p:pic>
-      <p:cxnSp>
-        <p:nvCxnSpPr>
-          <p:cNvPr id="23" name="Conector recto 15">
-            <a:extLst>
-              <a:ext uri="{FF2B5EF4-FFF2-40B4-BE49-F238E27FC236}">
-                <a16:creationId xmlns:a16="http://schemas.microsoft.com/office/drawing/2014/main" id="{75DF7007-0F03-4345-BD31-044AED86515B}"/>
-              </a:ext>
-            </a:extLst>
-          </p:cNvPr>
-          <p:cNvCxnSpPr>
-            <a:cxnSpLocks/>
-          </p:cNvCxnSpPr>
-          <p:nvPr/>
-        </p:nvCxnSpPr>
-        <p:spPr>
-          <a:xfrm flipV="1">
-            <a:off x="364829" y="3653518"/>
-            <a:ext cx="10666425" cy="12915"/>
-          </a:xfrm>
-          <a:prstGeom prst="line">
-            <a:avLst/>
-          </a:prstGeom>
-          <a:ln>
-            <a:solidFill>
-              <a:schemeClr val="bg1">
-                <a:lumMod val="75000"/>
-              </a:schemeClr>
-            </a:solidFill>
-          </a:ln>
-        </p:spPr>
-        <p:style>
-          <a:lnRef idx="1">
-            <a:schemeClr val="accent1"/>
-          </a:lnRef>
-          <a:fillRef idx="0">
-            <a:schemeClr val="accent1"/>
-          </a:fillRef>
-          <a:effectRef idx="0">
-            <a:schemeClr val="accent1"/>
-          </a:effectRef>
-          <a:fontRef idx="minor">
-            <a:schemeClr val="tx1"/>
-          </a:fontRef>
-        </p:style>
-      </p:cxnSp>
-      <p:sp>
-        <p:nvSpPr>
-          <p:cNvPr id="24" name="Title 1">
-            <a:extLst>
-              <a:ext uri="{FF2B5EF4-FFF2-40B4-BE49-F238E27FC236}">
-                <a16:creationId xmlns:a16="http://schemas.microsoft.com/office/drawing/2014/main" id="{6FCF53AD-B8EB-4DCB-8B21-7C725D0BC266}"/>
-              </a:ext>
-            </a:extLst>
-          </p:cNvPr>
-          <p:cNvSpPr txBox="1">
-            <a:spLocks/>
-          </p:cNvSpPr>
-          <p:nvPr/>
-        </p:nvSpPr>
-        <p:spPr>
-          <a:xfrm>
-            <a:off x="552694" y="2780352"/>
-            <a:ext cx="878341" cy="511606"/>
-          </a:xfrm>
-          <a:prstGeom prst="rect">
-            <a:avLst/>
-          </a:prstGeom>
-        </p:spPr>
-        <p:txBody>
-          <a:bodyPr vert="horz" lIns="91440" tIns="45720" rIns="91440" bIns="45720" rtlCol="0" anchor="ctr">
-            <a:noAutofit/>
-          </a:bodyPr>
-          <a:lstStyle>
-            <a:lvl1pPr algn="l" defTabSz="914400" rtl="0" eaLnBrk="1" latinLnBrk="0" hangingPunct="1">
-              <a:lnSpc>
-                <a:spcPct val="90000"/>
-              </a:lnSpc>
-              <a:spcBef>
-                <a:spcPct val="0"/>
-              </a:spcBef>
-              <a:buNone/>
-              <a:defRPr sz="4400" kern="1200">
-                <a:solidFill>
-                  <a:schemeClr val="tx1"/>
-                </a:solidFill>
-                <a:latin typeface="+mj-lt"/>
-                <a:ea typeface="+mj-ea"/>
-                <a:cs typeface="+mj-cs"/>
-              </a:defRPr>
-            </a:lvl1pPr>
-          </a:lstStyle>
-          <a:p>
-            <a:r>
-              <a:rPr lang="en-GB" sz="1200" i="1" dirty="0">
-                <a:solidFill>
-                  <a:schemeClr val="tx1">
-                    <a:lumMod val="75000"/>
-                    <a:lumOff val="25000"/>
-                  </a:schemeClr>
-                </a:solidFill>
-                <a:latin typeface="Segoe UI" panose="020B0502040204020203" pitchFamily="34" charset="0"/>
-                <a:cs typeface="Segoe UI" panose="020B0502040204020203" pitchFamily="34" charset="0"/>
-              </a:rPr>
-              <a:t>PLANT 1</a:t>
-            </a:r>
-          </a:p>
-        </p:txBody>
-      </p:sp>
-      <p:sp>
-        <p:nvSpPr>
-          <p:cNvPr id="25" name="Title 1">
-            <a:extLst>
-              <a:ext uri="{FF2B5EF4-FFF2-40B4-BE49-F238E27FC236}">
-                <a16:creationId xmlns:a16="http://schemas.microsoft.com/office/drawing/2014/main" id="{F1D217FD-10D1-4AD0-A70B-AE972A8A0154}"/>
-              </a:ext>
-            </a:extLst>
-          </p:cNvPr>
-          <p:cNvSpPr txBox="1">
-            <a:spLocks/>
-          </p:cNvSpPr>
-          <p:nvPr/>
-        </p:nvSpPr>
-        <p:spPr>
-          <a:xfrm>
-            <a:off x="552694" y="4125310"/>
-            <a:ext cx="878341" cy="511606"/>
-          </a:xfrm>
-          <a:prstGeom prst="rect">
-            <a:avLst/>
-          </a:prstGeom>
-        </p:spPr>
-        <p:txBody>
-          <a:bodyPr vert="horz" lIns="91440" tIns="45720" rIns="91440" bIns="45720" rtlCol="0" anchor="ctr">
-            <a:noAutofit/>
-          </a:bodyPr>
-          <a:lstStyle>
-            <a:lvl1pPr algn="l" defTabSz="914400" rtl="0" eaLnBrk="1" latinLnBrk="0" hangingPunct="1">
-              <a:lnSpc>
-                <a:spcPct val="90000"/>
-              </a:lnSpc>
-              <a:spcBef>
-                <a:spcPct val="0"/>
-              </a:spcBef>
-              <a:buNone/>
-              <a:defRPr sz="4400" kern="1200">
-                <a:solidFill>
-                  <a:schemeClr val="tx1"/>
-                </a:solidFill>
-                <a:latin typeface="+mj-lt"/>
-                <a:ea typeface="+mj-ea"/>
-                <a:cs typeface="+mj-cs"/>
-              </a:defRPr>
-            </a:lvl1pPr>
-          </a:lstStyle>
-          <a:p>
-            <a:r>
-              <a:rPr lang="en-GB" sz="1200" i="1" dirty="0">
-                <a:solidFill>
-                  <a:schemeClr val="tx1">
-                    <a:lumMod val="75000"/>
-                    <a:lumOff val="25000"/>
-                  </a:schemeClr>
-                </a:solidFill>
-                <a:latin typeface="Segoe UI" panose="020B0502040204020203" pitchFamily="34" charset="0"/>
-                <a:cs typeface="Segoe UI" panose="020B0502040204020203" pitchFamily="34" charset="0"/>
-              </a:rPr>
-              <a:t>PLANT 2</a:t>
-            </a:r>
-          </a:p>
-        </p:txBody>
-      </p:sp>
-      <p:sp>
-        <p:nvSpPr>
-          <p:cNvPr id="26" name="Title 1">
-            <a:extLst>
-              <a:ext uri="{FF2B5EF4-FFF2-40B4-BE49-F238E27FC236}">
-                <a16:creationId xmlns:a16="http://schemas.microsoft.com/office/drawing/2014/main" id="{AF2E0F77-4F52-4147-BF3A-91871D8ECE6B}"/>
-              </a:ext>
-            </a:extLst>
-          </p:cNvPr>
-          <p:cNvSpPr txBox="1">
-            <a:spLocks/>
-          </p:cNvSpPr>
-          <p:nvPr/>
-        </p:nvSpPr>
-        <p:spPr>
-          <a:xfrm>
-            <a:off x="5004801" y="1679819"/>
-            <a:ext cx="2416788" cy="511606"/>
-          </a:xfrm>
-          <a:prstGeom prst="rect">
-            <a:avLst/>
-          </a:prstGeom>
-        </p:spPr>
-        <p:txBody>
-          <a:bodyPr vert="horz" lIns="91440" tIns="45720" rIns="91440" bIns="45720" rtlCol="0" anchor="ctr">
-            <a:noAutofit/>
-          </a:bodyPr>
-          <a:lstStyle>
-            <a:lvl1pPr algn="l" defTabSz="914400" rtl="0" eaLnBrk="1" latinLnBrk="0" hangingPunct="1">
-              <a:lnSpc>
-                <a:spcPct val="90000"/>
-              </a:lnSpc>
-              <a:spcBef>
-                <a:spcPct val="0"/>
-              </a:spcBef>
-              <a:buNone/>
-              <a:defRPr sz="4400" kern="1200">
-                <a:solidFill>
-                  <a:schemeClr val="tx1"/>
-                </a:solidFill>
-                <a:latin typeface="+mj-lt"/>
-                <a:ea typeface="+mj-ea"/>
-                <a:cs typeface="+mj-cs"/>
-              </a:defRPr>
-            </a:lvl1pPr>
-          </a:lstStyle>
-          <a:p>
-            <a:r>
-              <a:rPr lang="en-GB" sz="1200" i="1" dirty="0">
-                <a:solidFill>
-                  <a:schemeClr val="tx1">
-                    <a:lumMod val="75000"/>
-                    <a:lumOff val="25000"/>
-                  </a:schemeClr>
-                </a:solidFill>
-                <a:latin typeface="Segoe UI" panose="020B0502040204020203" pitchFamily="34" charset="0"/>
-                <a:cs typeface="Segoe UI" panose="020B0502040204020203" pitchFamily="34" charset="0"/>
-              </a:rPr>
-              <a:t>Mean ambient temperature [ºC]</a:t>
-            </a:r>
-          </a:p>
-        </p:txBody>
-      </p:sp>
-      <p:cxnSp>
-        <p:nvCxnSpPr>
-          <p:cNvPr id="27" name="Conector recto 17">
-            <a:extLst>
-              <a:ext uri="{FF2B5EF4-FFF2-40B4-BE49-F238E27FC236}">
-                <a16:creationId xmlns:a16="http://schemas.microsoft.com/office/drawing/2014/main" id="{61A24EFF-E4C4-4388-A0A7-3288A82FC199}"/>
-              </a:ext>
-            </a:extLst>
-          </p:cNvPr>
-          <p:cNvCxnSpPr>
-            <a:cxnSpLocks/>
-          </p:cNvCxnSpPr>
-          <p:nvPr/>
-        </p:nvCxnSpPr>
-        <p:spPr>
-          <a:xfrm flipV="1">
-            <a:off x="5097903" y="2059283"/>
-            <a:ext cx="2416788" cy="12884"/>
-          </a:xfrm>
-          <a:prstGeom prst="line">
-            <a:avLst/>
-          </a:prstGeom>
-          <a:ln>
-            <a:solidFill>
-              <a:schemeClr val="bg1">
-                <a:lumMod val="75000"/>
-              </a:schemeClr>
-            </a:solidFill>
-          </a:ln>
-        </p:spPr>
-        <p:style>
-          <a:lnRef idx="1">
-            <a:schemeClr val="accent1"/>
-          </a:lnRef>
-          <a:fillRef idx="0">
-            <a:schemeClr val="accent1"/>
-          </a:fillRef>
-          <a:effectRef idx="0">
-            <a:schemeClr val="accent1"/>
-          </a:effectRef>
-          <a:fontRef idx="minor">
-            <a:schemeClr val="tx1"/>
-          </a:fontRef>
-        </p:style>
-      </p:cxnSp>
-      <p:sp>
-        <p:nvSpPr>
-          <p:cNvPr id="28" name="Title 1">
-            <a:extLst>
-              <a:ext uri="{FF2B5EF4-FFF2-40B4-BE49-F238E27FC236}">
-                <a16:creationId xmlns:a16="http://schemas.microsoft.com/office/drawing/2014/main" id="{28CD7135-8CD9-474B-B5DF-0AE3E679817E}"/>
-              </a:ext>
-            </a:extLst>
-          </p:cNvPr>
-          <p:cNvSpPr txBox="1">
-            <a:spLocks/>
-          </p:cNvSpPr>
-          <p:nvPr/>
-        </p:nvSpPr>
-        <p:spPr>
-          <a:xfrm>
-            <a:off x="8198087" y="1681806"/>
-            <a:ext cx="2416788" cy="511606"/>
-          </a:xfrm>
-          <a:prstGeom prst="rect">
-            <a:avLst/>
-          </a:prstGeom>
-        </p:spPr>
-        <p:txBody>
-          <a:bodyPr vert="horz" lIns="91440" tIns="45720" rIns="91440" bIns="45720" rtlCol="0" anchor="ctr">
-            <a:noAutofit/>
-          </a:bodyPr>
-          <a:lstStyle>
-            <a:lvl1pPr algn="l" defTabSz="914400" rtl="0" eaLnBrk="1" latinLnBrk="0" hangingPunct="1">
-              <a:lnSpc>
-                <a:spcPct val="90000"/>
-              </a:lnSpc>
-              <a:spcBef>
-                <a:spcPct val="0"/>
-              </a:spcBef>
-              <a:buNone/>
-              <a:defRPr sz="4400" kern="1200">
-                <a:solidFill>
-                  <a:schemeClr val="tx1"/>
-                </a:solidFill>
-                <a:latin typeface="+mj-lt"/>
-                <a:ea typeface="+mj-ea"/>
-                <a:cs typeface="+mj-cs"/>
-              </a:defRPr>
-            </a:lvl1pPr>
-          </a:lstStyle>
-          <a:p>
-            <a:r>
-              <a:rPr lang="en-GB" sz="1200" i="1" dirty="0">
-                <a:solidFill>
-                  <a:schemeClr val="tx1">
-                    <a:lumMod val="75000"/>
-                    <a:lumOff val="25000"/>
-                  </a:schemeClr>
-                </a:solidFill>
-                <a:latin typeface="Segoe UI" panose="020B0502040204020203" pitchFamily="34" charset="0"/>
-                <a:cs typeface="Segoe UI" panose="020B0502040204020203" pitchFamily="34" charset="0"/>
-              </a:rPr>
-              <a:t>Mean modules’ temperature [ºC]</a:t>
-            </a:r>
-          </a:p>
-        </p:txBody>
-      </p:sp>
-      <p:cxnSp>
-        <p:nvCxnSpPr>
-          <p:cNvPr id="29" name="Conector recto 17">
-            <a:extLst>
-              <a:ext uri="{FF2B5EF4-FFF2-40B4-BE49-F238E27FC236}">
-                <a16:creationId xmlns:a16="http://schemas.microsoft.com/office/drawing/2014/main" id="{1F79DC55-CDF7-4F35-9B0E-4F2A8F5263AB}"/>
-              </a:ext>
-            </a:extLst>
-          </p:cNvPr>
-          <p:cNvCxnSpPr>
-            <a:cxnSpLocks/>
-          </p:cNvCxnSpPr>
-          <p:nvPr/>
-        </p:nvCxnSpPr>
-        <p:spPr>
-          <a:xfrm flipV="1">
-            <a:off x="8291189" y="2061270"/>
-            <a:ext cx="2416788" cy="12884"/>
-          </a:xfrm>
-          <a:prstGeom prst="line">
-            <a:avLst/>
-          </a:prstGeom>
-          <a:ln>
-            <a:solidFill>
-              <a:schemeClr val="bg1">
-                <a:lumMod val="75000"/>
-              </a:schemeClr>
-            </a:solidFill>
-          </a:ln>
-        </p:spPr>
-        <p:style>
-          <a:lnRef idx="1">
-            <a:schemeClr val="accent1"/>
-          </a:lnRef>
-          <a:fillRef idx="0">
-            <a:schemeClr val="accent1"/>
-          </a:fillRef>
-          <a:effectRef idx="0">
-            <a:schemeClr val="accent1"/>
-          </a:effectRef>
-          <a:fontRef idx="minor">
-            <a:schemeClr val="tx1"/>
-          </a:fontRef>
-        </p:style>
-      </p:cxnSp>
-      <p:sp>
-        <p:nvSpPr>
-          <p:cNvPr id="30" name="Elipse 24">
-            <a:extLst>
-              <a:ext uri="{FF2B5EF4-FFF2-40B4-BE49-F238E27FC236}">
-                <a16:creationId xmlns:a16="http://schemas.microsoft.com/office/drawing/2014/main" id="{DCB5AFCE-22FC-4690-9113-63B1A249CBB0}"/>
-              </a:ext>
-            </a:extLst>
-          </p:cNvPr>
-          <p:cNvSpPr/>
-          <p:nvPr/>
-        </p:nvSpPr>
-        <p:spPr>
-          <a:xfrm>
-            <a:off x="2674780" y="4173520"/>
-            <a:ext cx="854015" cy="314231"/>
-          </a:xfrm>
-          <a:prstGeom prst="ellipse">
-            <a:avLst/>
-          </a:prstGeom>
-          <a:noFill/>
-          <a:ln w="9525" cap="flat" cmpd="sng" algn="ctr">
-            <a:solidFill>
-              <a:schemeClr val="tx1">
-                <a:lumMod val="75000"/>
-                <a:lumOff val="25000"/>
-              </a:schemeClr>
-            </a:solidFill>
-            <a:prstDash val="solid"/>
-            <a:round/>
-            <a:headEnd type="none" w="med" len="med"/>
-            <a:tailEnd type="none" w="med" len="med"/>
-          </a:ln>
-        </p:spPr>
-        <p:style>
-          <a:lnRef idx="0">
-            <a:scrgbClr r="0" g="0" b="0"/>
-          </a:lnRef>
-          <a:fillRef idx="0">
-            <a:scrgbClr r="0" g="0" b="0"/>
-          </a:fillRef>
-          <a:effectRef idx="0">
-            <a:scrgbClr r="0" g="0" b="0"/>
-          </a:effectRef>
-          <a:fontRef idx="minor">
-            <a:schemeClr val="dk1"/>
-          </a:fontRef>
-        </p:style>
-        <p:txBody>
-          <a:bodyPr rtlCol="0" anchor="ctr"/>
-          <a:lstStyle/>
-          <a:p>
-            <a:pPr algn="ctr"/>
-            <a:r>
-              <a:rPr lang="es-ES" sz="1600" dirty="0">
-                <a:solidFill>
-                  <a:schemeClr val="tx1">
-                    <a:lumMod val="75000"/>
-                    <a:lumOff val="25000"/>
-                  </a:schemeClr>
-                </a:solidFill>
-              </a:rPr>
-              <a:t>758</a:t>
-            </a:r>
-          </a:p>
-        </p:txBody>
-      </p:sp>
-      <p:sp>
-        <p:nvSpPr>
-          <p:cNvPr id="31" name="Elipse 24">
-            <a:extLst>
-              <a:ext uri="{FF2B5EF4-FFF2-40B4-BE49-F238E27FC236}">
-                <a16:creationId xmlns:a16="http://schemas.microsoft.com/office/drawing/2014/main" id="{155AF32E-C538-456F-83BD-8E64AFFC3548}"/>
-              </a:ext>
-            </a:extLst>
-          </p:cNvPr>
-          <p:cNvSpPr/>
-          <p:nvPr/>
-        </p:nvSpPr>
-        <p:spPr>
-          <a:xfrm>
-            <a:off x="2674780" y="2858457"/>
-            <a:ext cx="854015" cy="314231"/>
-          </a:xfrm>
-          <a:prstGeom prst="ellipse">
-            <a:avLst/>
-          </a:prstGeom>
-          <a:noFill/>
-          <a:ln w="9525" cap="flat" cmpd="sng" algn="ctr">
-            <a:solidFill>
-              <a:schemeClr val="tx1">
-                <a:lumMod val="75000"/>
-                <a:lumOff val="25000"/>
-              </a:schemeClr>
-            </a:solidFill>
-            <a:prstDash val="solid"/>
-            <a:round/>
-            <a:headEnd type="none" w="med" len="med"/>
-            <a:tailEnd type="none" w="med" len="med"/>
-          </a:ln>
-        </p:spPr>
-        <p:style>
-          <a:lnRef idx="0">
-            <a:scrgbClr r="0" g="0" b="0"/>
-          </a:lnRef>
-          <a:fillRef idx="0">
-            <a:scrgbClr r="0" g="0" b="0"/>
-          </a:fillRef>
-          <a:effectRef idx="0">
-            <a:scrgbClr r="0" g="0" b="0"/>
-          </a:effectRef>
-          <a:fontRef idx="minor">
-            <a:schemeClr val="dk1"/>
-          </a:fontRef>
-        </p:style>
-        <p:txBody>
-          <a:bodyPr rtlCol="0" anchor="ctr"/>
-          <a:lstStyle/>
-          <a:p>
-            <a:pPr algn="ctr"/>
-            <a:r>
-              <a:rPr lang="es-ES" sz="1600" dirty="0">
-                <a:solidFill>
-                  <a:schemeClr val="tx1">
-                    <a:lumMod val="75000"/>
-                    <a:lumOff val="25000"/>
-                  </a:schemeClr>
-                </a:solidFill>
-              </a:rPr>
-              <a:t>726</a:t>
-            </a:r>
-          </a:p>
-        </p:txBody>
-      </p:sp>
-      <p:sp>
-        <p:nvSpPr>
-          <p:cNvPr id="32" name="Elipse 24">
-            <a:extLst>
-              <a:ext uri="{FF2B5EF4-FFF2-40B4-BE49-F238E27FC236}">
-                <a16:creationId xmlns:a16="http://schemas.microsoft.com/office/drawing/2014/main" id="{ED6C37A1-C891-42FE-9FD4-CC5A847D11E4}"/>
-              </a:ext>
-            </a:extLst>
-          </p:cNvPr>
-          <p:cNvSpPr/>
-          <p:nvPr/>
-        </p:nvSpPr>
-        <p:spPr>
-          <a:xfrm>
-            <a:off x="5838747" y="4173520"/>
-            <a:ext cx="854015" cy="314231"/>
-          </a:xfrm>
-          <a:prstGeom prst="ellipse">
-            <a:avLst/>
-          </a:prstGeom>
-          <a:noFill/>
-          <a:ln w="9525" cap="flat" cmpd="sng" algn="ctr">
-            <a:solidFill>
-              <a:schemeClr val="tx1">
-                <a:lumMod val="75000"/>
-                <a:lumOff val="25000"/>
-              </a:schemeClr>
-            </a:solidFill>
-            <a:prstDash val="solid"/>
-            <a:round/>
-            <a:headEnd type="none" w="med" len="med"/>
-            <a:tailEnd type="none" w="med" len="med"/>
-          </a:ln>
-        </p:spPr>
-        <p:style>
-          <a:lnRef idx="0">
-            <a:scrgbClr r="0" g="0" b="0"/>
-          </a:lnRef>
-          <a:fillRef idx="0">
-            <a:scrgbClr r="0" g="0" b="0"/>
-          </a:fillRef>
-          <a:effectRef idx="0">
-            <a:scrgbClr r="0" g="0" b="0"/>
-          </a:effectRef>
-          <a:fontRef idx="minor">
-            <a:schemeClr val="dk1"/>
-          </a:fontRef>
-        </p:style>
-        <p:txBody>
-          <a:bodyPr rtlCol="0" anchor="ctr"/>
-          <a:lstStyle/>
-          <a:p>
-            <a:pPr algn="ctr"/>
-            <a:r>
-              <a:rPr lang="es-ES" sz="1600" dirty="0">
-                <a:solidFill>
-                  <a:schemeClr val="tx1">
-                    <a:lumMod val="75000"/>
-                    <a:lumOff val="25000"/>
-                  </a:schemeClr>
-                </a:solidFill>
-              </a:rPr>
-              <a:t>28</a:t>
-            </a:r>
-          </a:p>
-        </p:txBody>
-      </p:sp>
-      <p:sp>
-        <p:nvSpPr>
-          <p:cNvPr id="33" name="Elipse 24">
-            <a:extLst>
-              <a:ext uri="{FF2B5EF4-FFF2-40B4-BE49-F238E27FC236}">
-                <a16:creationId xmlns:a16="http://schemas.microsoft.com/office/drawing/2014/main" id="{3B35CBD5-297B-4CE5-9554-563D67AE6110}"/>
-              </a:ext>
-            </a:extLst>
-          </p:cNvPr>
-          <p:cNvSpPr/>
-          <p:nvPr/>
-        </p:nvSpPr>
-        <p:spPr>
-          <a:xfrm>
-            <a:off x="5838747" y="2858457"/>
-            <a:ext cx="854015" cy="314231"/>
-          </a:xfrm>
-          <a:prstGeom prst="ellipse">
-            <a:avLst/>
-          </a:prstGeom>
-          <a:noFill/>
-          <a:ln w="9525" cap="flat" cmpd="sng" algn="ctr">
-            <a:solidFill>
-              <a:schemeClr val="tx1">
-                <a:lumMod val="75000"/>
-                <a:lumOff val="25000"/>
-              </a:schemeClr>
-            </a:solidFill>
-            <a:prstDash val="solid"/>
-            <a:round/>
-            <a:headEnd type="none" w="med" len="med"/>
-            <a:tailEnd type="none" w="med" len="med"/>
-          </a:ln>
-        </p:spPr>
-        <p:style>
-          <a:lnRef idx="0">
-            <a:scrgbClr r="0" g="0" b="0"/>
-          </a:lnRef>
-          <a:fillRef idx="0">
-            <a:scrgbClr r="0" g="0" b="0"/>
-          </a:fillRef>
-          <a:effectRef idx="0">
-            <a:scrgbClr r="0" g="0" b="0"/>
-          </a:effectRef>
-          <a:fontRef idx="minor">
-            <a:schemeClr val="dk1"/>
-          </a:fontRef>
-        </p:style>
-        <p:txBody>
-          <a:bodyPr rtlCol="0" anchor="ctr"/>
-          <a:lstStyle/>
-          <a:p>
-            <a:pPr algn="ctr"/>
-            <a:r>
-              <a:rPr lang="es-ES" sz="1600" dirty="0">
-                <a:solidFill>
-                  <a:schemeClr val="tx1">
-                    <a:lumMod val="75000"/>
-                    <a:lumOff val="25000"/>
-                  </a:schemeClr>
-                </a:solidFill>
-              </a:rPr>
-              <a:t>26</a:t>
-            </a:r>
-          </a:p>
-        </p:txBody>
-      </p:sp>
-      <p:sp>
-        <p:nvSpPr>
-          <p:cNvPr id="34" name="Elipse 24">
-            <a:extLst>
-              <a:ext uri="{FF2B5EF4-FFF2-40B4-BE49-F238E27FC236}">
-                <a16:creationId xmlns:a16="http://schemas.microsoft.com/office/drawing/2014/main" id="{5B56BA08-49DF-4BAC-B20C-FAEBDA331664}"/>
-              </a:ext>
-            </a:extLst>
-          </p:cNvPr>
-          <p:cNvSpPr/>
-          <p:nvPr/>
-        </p:nvSpPr>
-        <p:spPr>
-          <a:xfrm>
-            <a:off x="9090212" y="4173520"/>
-            <a:ext cx="854015" cy="314231"/>
-          </a:xfrm>
-          <a:prstGeom prst="ellipse">
-            <a:avLst/>
-          </a:prstGeom>
-          <a:noFill/>
-          <a:ln w="9525" cap="flat" cmpd="sng" algn="ctr">
-            <a:solidFill>
-              <a:schemeClr val="tx1">
-                <a:lumMod val="75000"/>
-                <a:lumOff val="25000"/>
-              </a:schemeClr>
-            </a:solidFill>
-            <a:prstDash val="solid"/>
-            <a:round/>
-            <a:headEnd type="none" w="med" len="med"/>
-            <a:tailEnd type="none" w="med" len="med"/>
-          </a:ln>
-        </p:spPr>
-        <p:style>
-          <a:lnRef idx="0">
-            <a:scrgbClr r="0" g="0" b="0"/>
-          </a:lnRef>
-          <a:fillRef idx="0">
-            <a:scrgbClr r="0" g="0" b="0"/>
-          </a:fillRef>
-          <a:effectRef idx="0">
-            <a:scrgbClr r="0" g="0" b="0"/>
-          </a:effectRef>
-          <a:fontRef idx="minor">
-            <a:schemeClr val="dk1"/>
-          </a:fontRef>
-        </p:style>
-        <p:txBody>
-          <a:bodyPr rtlCol="0" anchor="ctr"/>
-          <a:lstStyle/>
-          <a:p>
-            <a:pPr algn="ctr"/>
-            <a:r>
-              <a:rPr lang="es-ES" sz="1600" dirty="0">
-                <a:solidFill>
-                  <a:schemeClr val="tx1">
-                    <a:lumMod val="75000"/>
-                    <a:lumOff val="25000"/>
-                  </a:schemeClr>
-                </a:solidFill>
-              </a:rPr>
-              <a:t>32.7</a:t>
-            </a:r>
-          </a:p>
-        </p:txBody>
-      </p:sp>
-      <p:sp>
-        <p:nvSpPr>
-          <p:cNvPr id="35" name="Elipse 24">
-            <a:extLst>
-              <a:ext uri="{FF2B5EF4-FFF2-40B4-BE49-F238E27FC236}">
-                <a16:creationId xmlns:a16="http://schemas.microsoft.com/office/drawing/2014/main" id="{89B66F0A-6AC5-478E-B0CC-8B5634D32B9B}"/>
-              </a:ext>
-            </a:extLst>
-          </p:cNvPr>
-          <p:cNvSpPr/>
-          <p:nvPr/>
-        </p:nvSpPr>
-        <p:spPr>
-          <a:xfrm>
-            <a:off x="9090212" y="2858457"/>
-            <a:ext cx="854015" cy="314231"/>
-          </a:xfrm>
-          <a:prstGeom prst="ellipse">
-            <a:avLst/>
-          </a:prstGeom>
-          <a:noFill/>
-          <a:ln w="9525" cap="flat" cmpd="sng" algn="ctr">
-            <a:solidFill>
-              <a:schemeClr val="tx1">
-                <a:lumMod val="75000"/>
-                <a:lumOff val="25000"/>
-              </a:schemeClr>
-            </a:solidFill>
-            <a:prstDash val="solid"/>
-            <a:round/>
-            <a:headEnd type="none" w="med" len="med"/>
-            <a:tailEnd type="none" w="med" len="med"/>
-          </a:ln>
-        </p:spPr>
-        <p:style>
-          <a:lnRef idx="0">
-            <a:scrgbClr r="0" g="0" b="0"/>
-          </a:lnRef>
-          <a:fillRef idx="0">
-            <a:scrgbClr r="0" g="0" b="0"/>
-          </a:fillRef>
-          <a:effectRef idx="0">
-            <a:scrgbClr r="0" g="0" b="0"/>
-          </a:effectRef>
-          <a:fontRef idx="minor">
-            <a:schemeClr val="dk1"/>
-          </a:fontRef>
-        </p:style>
-        <p:txBody>
-          <a:bodyPr rtlCol="0" anchor="ctr"/>
-          <a:lstStyle/>
-          <a:p>
-            <a:pPr algn="ctr"/>
-            <a:r>
-              <a:rPr lang="es-ES" sz="1600" dirty="0">
-                <a:solidFill>
-                  <a:schemeClr val="tx1">
-                    <a:lumMod val="75000"/>
-                    <a:lumOff val="25000"/>
-                  </a:schemeClr>
-                </a:solidFill>
-              </a:rPr>
-              <a:t>31.1</a:t>
+              <a:t> link.</a:t>
             </a:r>
           </a:p>
         </p:txBody>
@@ -5745,7 +4869,7 @@
     </p:spTree>
     <p:extLst>
       <p:ext uri="{BB962C8B-B14F-4D97-AF65-F5344CB8AC3E}">
-        <p14:creationId xmlns:p14="http://schemas.microsoft.com/office/powerpoint/2010/main" val="2261204297"/>
+        <p14:creationId xmlns:p14="http://schemas.microsoft.com/office/powerpoint/2010/main" val="3435774636"/>
       </p:ext>
     </p:extLst>
   </p:cSld>
@@ -5758,6 +4882,17 @@
 <file path=ppt/slides/slide4.xml><?xml version="1.0" encoding="utf-8"?>
 <p:sld xmlns:a="http://schemas.openxmlformats.org/drawingml/2006/main" xmlns:r="http://schemas.openxmlformats.org/officeDocument/2006/relationships" xmlns:p="http://schemas.openxmlformats.org/presentationml/2006/main">
   <p:cSld>
+    <p:bg>
+      <p:bgPr>
+        <a:solidFill>
+          <a:schemeClr val="accent5">
+            <a:lumMod val="60000"/>
+            <a:lumOff val="40000"/>
+          </a:schemeClr>
+        </a:solidFill>
+        <a:effectLst/>
+      </p:bgPr>
+    </p:bg>
     <p:spTree>
       <p:nvGrpSpPr>
         <p:cNvPr id="1" name=""/>
@@ -5774,84 +4909,10 @@
       </p:grpSpPr>
       <p:sp>
         <p:nvSpPr>
-          <p:cNvPr id="2" name="Title 1">
-            <a:extLst>
-              <a:ext uri="{FF2B5EF4-FFF2-40B4-BE49-F238E27FC236}">
-                <a16:creationId xmlns:a16="http://schemas.microsoft.com/office/drawing/2014/main" id="{6521176D-BB93-4C95-B00B-C99ACAD8017C}"/>
-              </a:ext>
-            </a:extLst>
-          </p:cNvPr>
-          <p:cNvSpPr>
-            <a:spLocks noGrp="1"/>
-          </p:cNvSpPr>
-          <p:nvPr>
-            <p:ph type="title"/>
-          </p:nvPr>
-        </p:nvSpPr>
-        <p:spPr>
-          <a:xfrm>
-            <a:off x="838200" y="258593"/>
-            <a:ext cx="10515600" cy="1037547"/>
-          </a:xfrm>
-        </p:spPr>
-        <p:txBody>
-          <a:bodyPr>
-            <a:noAutofit/>
-          </a:bodyPr>
-          <a:lstStyle/>
-          <a:p>
-            <a:r>
-              <a:rPr lang="en-GB" sz="2800" dirty="0">
-                <a:solidFill>
-                  <a:schemeClr val="tx1">
-                    <a:lumMod val="75000"/>
-                    <a:lumOff val="25000"/>
-                  </a:schemeClr>
-                </a:solidFill>
-                <a:latin typeface="Segoe UI" panose="020B0502040204020203" pitchFamily="34" charset="0"/>
-                <a:cs typeface="Segoe UI" panose="020B0502040204020203" pitchFamily="34" charset="0"/>
-              </a:rPr>
-              <a:t>DC power generation in plant 1 is very high, on the scale of 10 MW daily generation</a:t>
-            </a:r>
-          </a:p>
-        </p:txBody>
-      </p:sp>
-      <p:sp>
-        <p:nvSpPr>
-          <p:cNvPr id="5" name="Slide Number Placeholder 4">
-            <a:extLst>
-              <a:ext uri="{FF2B5EF4-FFF2-40B4-BE49-F238E27FC236}">
-                <a16:creationId xmlns:a16="http://schemas.microsoft.com/office/drawing/2014/main" id="{C9986DD4-96D3-4165-8026-B6FC014C8709}"/>
-              </a:ext>
-            </a:extLst>
-          </p:cNvPr>
-          <p:cNvSpPr>
-            <a:spLocks noGrp="1"/>
-          </p:cNvSpPr>
-          <p:nvPr>
-            <p:ph type="sldNum" sz="quarter" idx="12"/>
-          </p:nvPr>
-        </p:nvSpPr>
-        <p:spPr/>
-        <p:txBody>
-          <a:bodyPr/>
-          <a:lstStyle/>
-          <a:p>
-            <a:fld id="{559BD186-C64B-4C7B-BA11-BDC68F4CA722}" type="slidenum">
-              <a:rPr lang="en-GB" smtClean="0"/>
-              <a:pPr/>
-              <a:t>4</a:t>
-            </a:fld>
-            <a:endParaRPr lang="en-GB" dirty="0"/>
-          </a:p>
-        </p:txBody>
-      </p:sp>
-      <p:sp>
-        <p:nvSpPr>
-          <p:cNvPr id="11" name="Title 1">
-            <a:extLst>
-              <a:ext uri="{FF2B5EF4-FFF2-40B4-BE49-F238E27FC236}">
-                <a16:creationId xmlns:a16="http://schemas.microsoft.com/office/drawing/2014/main" id="{918C7622-6908-4E9D-B3FE-E905EE49F4E3}"/>
+          <p:cNvPr id="4" name="Title 1">
+            <a:extLst>
+              <a:ext uri="{FF2B5EF4-FFF2-40B4-BE49-F238E27FC236}">
+                <a16:creationId xmlns:a16="http://schemas.microsoft.com/office/drawing/2014/main" id="{2A116A18-59DD-4C18-8ADB-8CE541B5CA94}"/>
               </a:ext>
             </a:extLst>
           </p:cNvPr>
@@ -5862,20 +4923,15 @@
         </p:nvSpPr>
         <p:spPr>
           <a:xfrm>
-            <a:off x="952870" y="5406501"/>
-            <a:ext cx="10286260" cy="807870"/>
+            <a:off x="4230254" y="2977930"/>
+            <a:ext cx="3731492" cy="902140"/>
           </a:xfrm>
           <a:prstGeom prst="rect">
             <a:avLst/>
           </a:prstGeom>
-          <a:ln>
-            <a:solidFill>
-              <a:schemeClr val="tx1"/>
-            </a:solidFill>
-          </a:ln>
-        </p:spPr>
-        <p:txBody>
-          <a:bodyPr vert="horz" lIns="91440" tIns="45720" rIns="91440" bIns="45720" rtlCol="0" anchor="ctr">
+        </p:spPr>
+        <p:txBody>
+          <a:bodyPr anchor="ctr">
             <a:noAutofit/>
           </a:bodyPr>
           <a:lstStyle>
@@ -5900,478 +4956,11 @@
           <a:p>
             <a:pPr algn="ctr"/>
             <a:r>
-              <a:rPr lang="en-GB" sz="1600" dirty="0">
-                <a:solidFill>
-                  <a:schemeClr val="tx1">
-                    <a:lumMod val="85000"/>
-                    <a:lumOff val="15000"/>
-                  </a:schemeClr>
-                </a:solidFill>
+              <a:rPr lang="en-GB" sz="2800" dirty="0">
                 <a:latin typeface="Segoe UI" panose="020B0502040204020203" pitchFamily="34" charset="0"/>
                 <a:cs typeface="Segoe UI" panose="020B0502040204020203" pitchFamily="34" charset="0"/>
               </a:rPr>
-              <a:t>Plant 1 and plant 2 have the same number of inverters but the DC power produced is around 10 times higher for plant 1. It is suspected that DC power generation in plant 1 is not measured correctly or artificially scaled up.</a:t>
-            </a:r>
-          </a:p>
-        </p:txBody>
-      </p:sp>
-      <p:sp>
-        <p:nvSpPr>
-          <p:cNvPr id="36" name="Footer Placeholder 3">
-            <a:extLst>
-              <a:ext uri="{FF2B5EF4-FFF2-40B4-BE49-F238E27FC236}">
-                <a16:creationId xmlns:a16="http://schemas.microsoft.com/office/drawing/2014/main" id="{92C304AB-2B9B-4CA1-99BE-25B3FC3D23DD}"/>
-              </a:ext>
-            </a:extLst>
-          </p:cNvPr>
-          <p:cNvSpPr>
-            <a:spLocks noGrp="1"/>
-          </p:cNvSpPr>
-          <p:nvPr>
-            <p:ph type="ftr" sz="quarter" idx="11"/>
-          </p:nvPr>
-        </p:nvSpPr>
-        <p:spPr>
-          <a:xfrm>
-            <a:off x="838199" y="6356349"/>
-            <a:ext cx="5097087" cy="365125"/>
-          </a:xfrm>
-        </p:spPr>
-        <p:txBody>
-          <a:bodyPr/>
-          <a:lstStyle/>
-          <a:p>
-            <a:r>
-              <a:rPr lang="en-GB" dirty="0"/>
-              <a:t>Solar power plant – Data science project – Luis Castrillo</a:t>
-            </a:r>
-          </a:p>
-        </p:txBody>
-      </p:sp>
-      <p:pic>
-        <p:nvPicPr>
-          <p:cNvPr id="8" name="Picture 7">
-            <a:extLst>
-              <a:ext uri="{FF2B5EF4-FFF2-40B4-BE49-F238E27FC236}">
-                <a16:creationId xmlns:a16="http://schemas.microsoft.com/office/drawing/2014/main" id="{03748C54-2BAF-43C5-B861-6A43351EAF97}"/>
-              </a:ext>
-            </a:extLst>
-          </p:cNvPr>
-          <p:cNvPicPr>
-            <a:picLocks noChangeAspect="1"/>
-          </p:cNvPicPr>
-          <p:nvPr/>
-        </p:nvPicPr>
-        <p:blipFill>
-          <a:blip r:embed="rId2"/>
-          <a:stretch>
-            <a:fillRect/>
-          </a:stretch>
-        </p:blipFill>
-        <p:spPr>
-          <a:xfrm>
-            <a:off x="952870" y="1688486"/>
-            <a:ext cx="10037686" cy="3577446"/>
-          </a:xfrm>
-          <a:prstGeom prst="rect">
-            <a:avLst/>
-          </a:prstGeom>
-        </p:spPr>
-      </p:pic>
-      <p:sp>
-        <p:nvSpPr>
-          <p:cNvPr id="37" name="Title 1">
-            <a:extLst>
-              <a:ext uri="{FF2B5EF4-FFF2-40B4-BE49-F238E27FC236}">
-                <a16:creationId xmlns:a16="http://schemas.microsoft.com/office/drawing/2014/main" id="{C1D0EA0A-3103-4024-89C8-3C36989B39AD}"/>
-              </a:ext>
-            </a:extLst>
-          </p:cNvPr>
-          <p:cNvSpPr txBox="1">
-            <a:spLocks/>
-          </p:cNvSpPr>
-          <p:nvPr/>
-        </p:nvSpPr>
-        <p:spPr>
-          <a:xfrm>
-            <a:off x="4510930" y="1299528"/>
-            <a:ext cx="4192772" cy="511606"/>
-          </a:xfrm>
-          <a:prstGeom prst="rect">
-            <a:avLst/>
-          </a:prstGeom>
-        </p:spPr>
-        <p:txBody>
-          <a:bodyPr vert="horz" lIns="91440" tIns="45720" rIns="91440" bIns="45720" rtlCol="0" anchor="ctr">
-            <a:noAutofit/>
-          </a:bodyPr>
-          <a:lstStyle>
-            <a:lvl1pPr algn="l" defTabSz="914400" rtl="0" eaLnBrk="1" latinLnBrk="0" hangingPunct="1">
-              <a:lnSpc>
-                <a:spcPct val="90000"/>
-              </a:lnSpc>
-              <a:spcBef>
-                <a:spcPct val="0"/>
-              </a:spcBef>
-              <a:buNone/>
-              <a:defRPr sz="4400" kern="1200">
-                <a:solidFill>
-                  <a:schemeClr val="tx1"/>
-                </a:solidFill>
-                <a:latin typeface="+mj-lt"/>
-                <a:ea typeface="+mj-ea"/>
-                <a:cs typeface="+mj-cs"/>
-              </a:defRPr>
-            </a:lvl1pPr>
-          </a:lstStyle>
-          <a:p>
-            <a:r>
-              <a:rPr lang="en-GB" sz="1200" i="1" dirty="0">
-                <a:solidFill>
-                  <a:schemeClr val="tx1">
-                    <a:lumMod val="75000"/>
-                    <a:lumOff val="25000"/>
-                  </a:schemeClr>
-                </a:solidFill>
-                <a:latin typeface="Segoe UI" panose="020B0502040204020203" pitchFamily="34" charset="0"/>
-                <a:cs typeface="Segoe UI" panose="020B0502040204020203" pitchFamily="34" charset="0"/>
-              </a:rPr>
-              <a:t>Mean hourly DC power generation by day [kW]</a:t>
-            </a:r>
-          </a:p>
-        </p:txBody>
-      </p:sp>
-      <p:cxnSp>
-        <p:nvCxnSpPr>
-          <p:cNvPr id="38" name="Conector recto 17">
-            <a:extLst>
-              <a:ext uri="{FF2B5EF4-FFF2-40B4-BE49-F238E27FC236}">
-                <a16:creationId xmlns:a16="http://schemas.microsoft.com/office/drawing/2014/main" id="{3E02804A-6262-4C1A-9BCB-BE2825EC8B89}"/>
-              </a:ext>
-            </a:extLst>
-          </p:cNvPr>
-          <p:cNvCxnSpPr>
-            <a:cxnSpLocks/>
-          </p:cNvCxnSpPr>
-          <p:nvPr/>
-        </p:nvCxnSpPr>
-        <p:spPr>
-          <a:xfrm flipV="1">
-            <a:off x="4510930" y="1688486"/>
-            <a:ext cx="3186648" cy="1"/>
-          </a:xfrm>
-          <a:prstGeom prst="line">
-            <a:avLst/>
-          </a:prstGeom>
-          <a:ln>
-            <a:solidFill>
-              <a:schemeClr val="bg1">
-                <a:lumMod val="75000"/>
-              </a:schemeClr>
-            </a:solidFill>
-          </a:ln>
-        </p:spPr>
-        <p:style>
-          <a:lnRef idx="1">
-            <a:schemeClr val="accent1"/>
-          </a:lnRef>
-          <a:fillRef idx="0">
-            <a:schemeClr val="accent1"/>
-          </a:fillRef>
-          <a:effectRef idx="0">
-            <a:schemeClr val="accent1"/>
-          </a:effectRef>
-          <a:fontRef idx="minor">
-            <a:schemeClr val="tx1"/>
-          </a:fontRef>
-        </p:style>
-      </p:cxnSp>
-      <p:sp>
-        <p:nvSpPr>
-          <p:cNvPr id="39" name="Elipse 24">
-            <a:extLst>
-              <a:ext uri="{FF2B5EF4-FFF2-40B4-BE49-F238E27FC236}">
-                <a16:creationId xmlns:a16="http://schemas.microsoft.com/office/drawing/2014/main" id="{5B158318-3B62-4AD7-A27D-773003F4A10A}"/>
-              </a:ext>
-            </a:extLst>
-          </p:cNvPr>
-          <p:cNvSpPr/>
-          <p:nvPr/>
-        </p:nvSpPr>
-        <p:spPr>
-          <a:xfrm>
-            <a:off x="1283783" y="1763213"/>
-            <a:ext cx="1700864" cy="314231"/>
-          </a:xfrm>
-          <a:prstGeom prst="ellipse">
-            <a:avLst/>
-          </a:prstGeom>
-          <a:noFill/>
-          <a:ln w="9525" cap="flat" cmpd="sng" algn="ctr">
-            <a:solidFill>
-              <a:schemeClr val="tx1">
-                <a:lumMod val="75000"/>
-                <a:lumOff val="25000"/>
-              </a:schemeClr>
-            </a:solidFill>
-            <a:prstDash val="solid"/>
-            <a:round/>
-            <a:headEnd type="none" w="med" len="med"/>
-            <a:tailEnd type="none" w="med" len="med"/>
-          </a:ln>
-        </p:spPr>
-        <p:style>
-          <a:lnRef idx="0">
-            <a:scrgbClr r="0" g="0" b="0"/>
-          </a:lnRef>
-          <a:fillRef idx="0">
-            <a:scrgbClr r="0" g="0" b="0"/>
-          </a:fillRef>
-          <a:effectRef idx="0">
-            <a:scrgbClr r="0" g="0" b="0"/>
-          </a:effectRef>
-          <a:fontRef idx="minor">
-            <a:schemeClr val="dk1"/>
-          </a:fontRef>
-        </p:style>
-        <p:txBody>
-          <a:bodyPr rtlCol="0" anchor="ctr"/>
-          <a:lstStyle/>
-          <a:p>
-            <a:pPr algn="ctr"/>
-            <a:r>
-              <a:rPr lang="es-ES" sz="1600" dirty="0">
-                <a:solidFill>
-                  <a:schemeClr val="tx1">
-                    <a:lumMod val="75000"/>
-                    <a:lumOff val="25000"/>
-                  </a:schemeClr>
-                </a:solidFill>
-              </a:rPr>
-              <a:t>10,000 kW</a:t>
-            </a:r>
-          </a:p>
-        </p:txBody>
-      </p:sp>
-      <p:pic>
-        <p:nvPicPr>
-          <p:cNvPr id="10" name="Picture 9">
-            <a:extLst>
-              <a:ext uri="{FF2B5EF4-FFF2-40B4-BE49-F238E27FC236}">
-                <a16:creationId xmlns:a16="http://schemas.microsoft.com/office/drawing/2014/main" id="{937A9EFA-B805-4239-B90D-3CF3D10930A7}"/>
-              </a:ext>
-            </a:extLst>
-          </p:cNvPr>
-          <p:cNvPicPr>
-            <a:picLocks noChangeAspect="1"/>
-          </p:cNvPicPr>
-          <p:nvPr/>
-        </p:nvPicPr>
-        <p:blipFill>
-          <a:blip r:embed="rId3"/>
-          <a:stretch>
-            <a:fillRect/>
-          </a:stretch>
-        </p:blipFill>
-        <p:spPr>
-          <a:xfrm>
-            <a:off x="6222798" y="1699437"/>
-            <a:ext cx="4759912" cy="3544066"/>
-          </a:xfrm>
-          <a:prstGeom prst="rect">
-            <a:avLst/>
-          </a:prstGeom>
-        </p:spPr>
-      </p:pic>
-      <p:sp>
-        <p:nvSpPr>
-          <p:cNvPr id="42" name="Elipse 24">
-            <a:extLst>
-              <a:ext uri="{FF2B5EF4-FFF2-40B4-BE49-F238E27FC236}">
-                <a16:creationId xmlns:a16="http://schemas.microsoft.com/office/drawing/2014/main" id="{BA1BE6F5-E274-4382-8A3A-1B307F63BA79}"/>
-              </a:ext>
-            </a:extLst>
-          </p:cNvPr>
-          <p:cNvSpPr/>
-          <p:nvPr/>
-        </p:nvSpPr>
-        <p:spPr>
-          <a:xfrm>
-            <a:off x="6607316" y="1920329"/>
-            <a:ext cx="1279264" cy="314231"/>
-          </a:xfrm>
-          <a:prstGeom prst="ellipse">
-            <a:avLst/>
-          </a:prstGeom>
-          <a:noFill/>
-          <a:ln w="9525" cap="flat" cmpd="sng" algn="ctr">
-            <a:solidFill>
-              <a:schemeClr val="tx1">
-                <a:lumMod val="75000"/>
-                <a:lumOff val="25000"/>
-              </a:schemeClr>
-            </a:solidFill>
-            <a:prstDash val="solid"/>
-            <a:round/>
-            <a:headEnd type="none" w="med" len="med"/>
-            <a:tailEnd type="none" w="med" len="med"/>
-          </a:ln>
-        </p:spPr>
-        <p:style>
-          <a:lnRef idx="0">
-            <a:scrgbClr r="0" g="0" b="0"/>
-          </a:lnRef>
-          <a:fillRef idx="0">
-            <a:scrgbClr r="0" g="0" b="0"/>
-          </a:fillRef>
-          <a:effectRef idx="0">
-            <a:scrgbClr r="0" g="0" b="0"/>
-          </a:effectRef>
-          <a:fontRef idx="minor">
-            <a:schemeClr val="dk1"/>
-          </a:fontRef>
-        </p:style>
-        <p:txBody>
-          <a:bodyPr rtlCol="0" anchor="ctr"/>
-          <a:lstStyle/>
-          <a:p>
-            <a:pPr algn="ctr"/>
-            <a:r>
-              <a:rPr lang="es-ES" sz="1600" dirty="0">
-                <a:solidFill>
-                  <a:schemeClr val="tx1">
-                    <a:lumMod val="75000"/>
-                    <a:lumOff val="25000"/>
-                  </a:schemeClr>
-                </a:solidFill>
-              </a:rPr>
-              <a:t>600 kW</a:t>
-            </a:r>
-          </a:p>
-        </p:txBody>
-      </p:sp>
-      <p:sp>
-        <p:nvSpPr>
-          <p:cNvPr id="43" name="Title 1">
-            <a:extLst>
-              <a:ext uri="{FF2B5EF4-FFF2-40B4-BE49-F238E27FC236}">
-                <a16:creationId xmlns:a16="http://schemas.microsoft.com/office/drawing/2014/main" id="{F06DED19-D785-4B7D-840A-2A659D6053E9}"/>
-              </a:ext>
-            </a:extLst>
-          </p:cNvPr>
-          <p:cNvSpPr txBox="1">
-            <a:spLocks/>
-          </p:cNvSpPr>
-          <p:nvPr/>
-        </p:nvSpPr>
-        <p:spPr>
-          <a:xfrm>
-            <a:off x="1288442" y="1296140"/>
-            <a:ext cx="878341" cy="511606"/>
-          </a:xfrm>
-          <a:prstGeom prst="rect">
-            <a:avLst/>
-          </a:prstGeom>
-        </p:spPr>
-        <p:txBody>
-          <a:bodyPr vert="horz" lIns="91440" tIns="45720" rIns="91440" bIns="45720" rtlCol="0" anchor="ctr">
-            <a:noAutofit/>
-          </a:bodyPr>
-          <a:lstStyle>
-            <a:lvl1pPr algn="l" defTabSz="914400" rtl="0" eaLnBrk="1" latinLnBrk="0" hangingPunct="1">
-              <a:lnSpc>
-                <a:spcPct val="90000"/>
-              </a:lnSpc>
-              <a:spcBef>
-                <a:spcPct val="0"/>
-              </a:spcBef>
-              <a:buNone/>
-              <a:defRPr sz="4400" kern="1200">
-                <a:solidFill>
-                  <a:schemeClr val="tx1"/>
-                </a:solidFill>
-                <a:latin typeface="+mj-lt"/>
-                <a:ea typeface="+mj-ea"/>
-                <a:cs typeface="+mj-cs"/>
-              </a:defRPr>
-            </a:lvl1pPr>
-          </a:lstStyle>
-          <a:p>
-            <a:r>
-              <a:rPr lang="en-GB" sz="1400" i="1" dirty="0">
-                <a:solidFill>
-                  <a:schemeClr val="tx1">
-                    <a:lumMod val="75000"/>
-                    <a:lumOff val="25000"/>
-                  </a:schemeClr>
-                </a:solidFill>
-                <a:latin typeface="Segoe UI" panose="020B0502040204020203" pitchFamily="34" charset="0"/>
-                <a:cs typeface="Segoe UI" panose="020B0502040204020203" pitchFamily="34" charset="0"/>
-              </a:rPr>
-              <a:t>PLANT 1</a:t>
-            </a:r>
-          </a:p>
-        </p:txBody>
-      </p:sp>
-      <p:sp>
-        <p:nvSpPr>
-          <p:cNvPr id="44" name="Title 1">
-            <a:extLst>
-              <a:ext uri="{FF2B5EF4-FFF2-40B4-BE49-F238E27FC236}">
-                <a16:creationId xmlns:a16="http://schemas.microsoft.com/office/drawing/2014/main" id="{8413B3CF-A93D-48E7-8D07-7A45C4AE97F2}"/>
-              </a:ext>
-            </a:extLst>
-          </p:cNvPr>
-          <p:cNvSpPr txBox="1">
-            <a:spLocks/>
-          </p:cNvSpPr>
-          <p:nvPr/>
-        </p:nvSpPr>
-        <p:spPr>
-          <a:xfrm>
-            <a:off x="9676968" y="1290704"/>
-            <a:ext cx="878341" cy="511606"/>
-          </a:xfrm>
-          <a:prstGeom prst="rect">
-            <a:avLst/>
-          </a:prstGeom>
-        </p:spPr>
-        <p:txBody>
-          <a:bodyPr vert="horz" lIns="91440" tIns="45720" rIns="91440" bIns="45720" rtlCol="0" anchor="ctr">
-            <a:noAutofit/>
-          </a:bodyPr>
-          <a:lstStyle>
-            <a:lvl1pPr algn="l" defTabSz="914400" rtl="0" eaLnBrk="1" latinLnBrk="0" hangingPunct="1">
-              <a:lnSpc>
-                <a:spcPct val="90000"/>
-              </a:lnSpc>
-              <a:spcBef>
-                <a:spcPct val="0"/>
-              </a:spcBef>
-              <a:buNone/>
-              <a:defRPr sz="4400" kern="1200">
-                <a:solidFill>
-                  <a:schemeClr val="tx1"/>
-                </a:solidFill>
-                <a:latin typeface="+mj-lt"/>
-                <a:ea typeface="+mj-ea"/>
-                <a:cs typeface="+mj-cs"/>
-              </a:defRPr>
-            </a:lvl1pPr>
-          </a:lstStyle>
-          <a:p>
-            <a:r>
-              <a:rPr lang="en-GB" sz="1400" i="1" dirty="0">
-                <a:solidFill>
-                  <a:schemeClr val="tx1">
-                    <a:lumMod val="75000"/>
-                    <a:lumOff val="25000"/>
-                  </a:schemeClr>
-                </a:solidFill>
-                <a:latin typeface="Segoe UI" panose="020B0502040204020203" pitchFamily="34" charset="0"/>
-                <a:cs typeface="Segoe UI" panose="020B0502040204020203" pitchFamily="34" charset="0"/>
-              </a:rPr>
-              <a:t>PLANT 2</a:t>
+              <a:t>PROJECT INSIGHTS</a:t>
             </a:r>
           </a:p>
         </p:txBody>
@@ -6379,7 +4968,7 @@
     </p:spTree>
     <p:extLst>
       <p:ext uri="{BB962C8B-B14F-4D97-AF65-F5344CB8AC3E}">
-        <p14:creationId xmlns:p14="http://schemas.microsoft.com/office/powerpoint/2010/main" val="1257313328"/>
+        <p14:creationId xmlns:p14="http://schemas.microsoft.com/office/powerpoint/2010/main" val="3193265053"/>
       </p:ext>
     </p:extLst>
   </p:cSld>
@@ -6406,12 +4995,86 @@
           <a:chExt cx="0" cy="0"/>
         </a:xfrm>
       </p:grpSpPr>
+      <p:sp>
+        <p:nvSpPr>
+          <p:cNvPr id="2" name="Title 1">
+            <a:extLst>
+              <a:ext uri="{FF2B5EF4-FFF2-40B4-BE49-F238E27FC236}">
+                <a16:creationId xmlns:a16="http://schemas.microsoft.com/office/drawing/2014/main" id="{6521176D-BB93-4C95-B00B-C99ACAD8017C}"/>
+              </a:ext>
+            </a:extLst>
+          </p:cNvPr>
+          <p:cNvSpPr>
+            <a:spLocks noGrp="1"/>
+          </p:cNvSpPr>
+          <p:nvPr>
+            <p:ph type="title"/>
+          </p:nvPr>
+        </p:nvSpPr>
+        <p:spPr>
+          <a:xfrm>
+            <a:off x="838200" y="258593"/>
+            <a:ext cx="10515600" cy="1037547"/>
+          </a:xfrm>
+        </p:spPr>
+        <p:txBody>
+          <a:bodyPr>
+            <a:noAutofit/>
+          </a:bodyPr>
+          <a:lstStyle/>
+          <a:p>
+            <a:r>
+              <a:rPr lang="en-GB" sz="2800" dirty="0">
+                <a:solidFill>
+                  <a:schemeClr val="tx1">
+                    <a:lumMod val="75000"/>
+                    <a:lumOff val="25000"/>
+                  </a:schemeClr>
+                </a:solidFill>
+                <a:latin typeface="Segoe UI" panose="020B0502040204020203" pitchFamily="34" charset="0"/>
+                <a:cs typeface="Segoe UI" panose="020B0502040204020203" pitchFamily="34" charset="0"/>
+              </a:rPr>
+              <a:t>There are important data quality issues that suggest treating the following statements as not conclusive </a:t>
+            </a:r>
+          </a:p>
+        </p:txBody>
+      </p:sp>
+      <p:sp>
+        <p:nvSpPr>
+          <p:cNvPr id="5" name="Slide Number Placeholder 4">
+            <a:extLst>
+              <a:ext uri="{FF2B5EF4-FFF2-40B4-BE49-F238E27FC236}">
+                <a16:creationId xmlns:a16="http://schemas.microsoft.com/office/drawing/2014/main" id="{C9986DD4-96D3-4165-8026-B6FC014C8709}"/>
+              </a:ext>
+            </a:extLst>
+          </p:cNvPr>
+          <p:cNvSpPr>
+            <a:spLocks noGrp="1"/>
+          </p:cNvSpPr>
+          <p:nvPr>
+            <p:ph type="sldNum" sz="quarter" idx="12"/>
+          </p:nvPr>
+        </p:nvSpPr>
+        <p:spPr/>
+        <p:txBody>
+          <a:bodyPr/>
+          <a:lstStyle/>
+          <a:p>
+            <a:fld id="{559BD186-C64B-4C7B-BA11-BDC68F4CA722}" type="slidenum">
+              <a:rPr lang="en-GB" smtClean="0"/>
+              <a:pPr/>
+              <a:t>5</a:t>
+            </a:fld>
+            <a:endParaRPr lang="en-GB" dirty="0"/>
+          </a:p>
+        </p:txBody>
+      </p:sp>
       <p:pic>
         <p:nvPicPr>
-          <p:cNvPr id="7" name="Picture 6">
-            <a:extLst>
-              <a:ext uri="{FF2B5EF4-FFF2-40B4-BE49-F238E27FC236}">
-                <a16:creationId xmlns:a16="http://schemas.microsoft.com/office/drawing/2014/main" id="{360DA466-BC01-40AB-9BAE-773C0EB7CF77}"/>
+          <p:cNvPr id="9" name="Picture 8">
+            <a:extLst>
+              <a:ext uri="{FF2B5EF4-FFF2-40B4-BE49-F238E27FC236}">
+                <a16:creationId xmlns:a16="http://schemas.microsoft.com/office/drawing/2014/main" id="{55D05968-7ED4-47A8-861A-2935458F8917}"/>
               </a:ext>
             </a:extLst>
           </p:cNvPr>
@@ -6434,124 +5097,14 @@
         </p:blipFill>
         <p:spPr>
           <a:xfrm>
-            <a:off x="952870" y="1857388"/>
-            <a:ext cx="4721088" cy="3121274"/>
+            <a:off x="642890" y="1930894"/>
+            <a:ext cx="4582074" cy="2996212"/>
           </a:xfrm>
           <a:prstGeom prst="rect">
             <a:avLst/>
           </a:prstGeom>
         </p:spPr>
       </p:pic>
-      <p:pic>
-        <p:nvPicPr>
-          <p:cNvPr id="4" name="Picture 3">
-            <a:extLst>
-              <a:ext uri="{FF2B5EF4-FFF2-40B4-BE49-F238E27FC236}">
-                <a16:creationId xmlns:a16="http://schemas.microsoft.com/office/drawing/2014/main" id="{5A6B8502-DABD-443B-A342-648E6FE9A2AA}"/>
-              </a:ext>
-            </a:extLst>
-          </p:cNvPr>
-          <p:cNvPicPr>
-            <a:picLocks noChangeAspect="1"/>
-          </p:cNvPicPr>
-          <p:nvPr/>
-        </p:nvPicPr>
-        <p:blipFill>
-          <a:blip r:embed="rId3">
-            <a:extLst>
-              <a:ext uri="{28A0092B-C50C-407E-A947-70E740481C1C}">
-                <a14:useLocalDpi xmlns:a14="http://schemas.microsoft.com/office/drawing/2010/main" val="0"/>
-              </a:ext>
-            </a:extLst>
-          </a:blip>
-          <a:stretch>
-            <a:fillRect/>
-          </a:stretch>
-        </p:blipFill>
-        <p:spPr>
-          <a:xfrm>
-            <a:off x="6579656" y="1590612"/>
-            <a:ext cx="4792144" cy="3744900"/>
-          </a:xfrm>
-          <a:prstGeom prst="rect">
-            <a:avLst/>
-          </a:prstGeom>
-        </p:spPr>
-      </p:pic>
-      <p:sp>
-        <p:nvSpPr>
-          <p:cNvPr id="2" name="Title 1">
-            <a:extLst>
-              <a:ext uri="{FF2B5EF4-FFF2-40B4-BE49-F238E27FC236}">
-                <a16:creationId xmlns:a16="http://schemas.microsoft.com/office/drawing/2014/main" id="{6521176D-BB93-4C95-B00B-C99ACAD8017C}"/>
-              </a:ext>
-            </a:extLst>
-          </p:cNvPr>
-          <p:cNvSpPr>
-            <a:spLocks noGrp="1"/>
-          </p:cNvSpPr>
-          <p:nvPr>
-            <p:ph type="title"/>
-          </p:nvPr>
-        </p:nvSpPr>
-        <p:spPr>
-          <a:xfrm>
-            <a:off x="838200" y="258593"/>
-            <a:ext cx="10515600" cy="1037547"/>
-          </a:xfrm>
-        </p:spPr>
-        <p:txBody>
-          <a:bodyPr>
-            <a:noAutofit/>
-          </a:bodyPr>
-          <a:lstStyle/>
-          <a:p>
-            <a:r>
-              <a:rPr lang="en-GB" sz="2800" dirty="0">
-                <a:solidFill>
-                  <a:schemeClr val="tx1">
-                    <a:lumMod val="75000"/>
-                    <a:lumOff val="25000"/>
-                  </a:schemeClr>
-                </a:solidFill>
-                <a:latin typeface="Segoe UI" panose="020B0502040204020203" pitchFamily="34" charset="0"/>
-                <a:cs typeface="Segoe UI" panose="020B0502040204020203" pitchFamily="34" charset="0"/>
-              </a:rPr>
-              <a:t>There are some inverters in plant 2 that do not produce DC power 30% of the time during irradiance peak hours</a:t>
-            </a:r>
-          </a:p>
-        </p:txBody>
-      </p:sp>
-      <p:sp>
-        <p:nvSpPr>
-          <p:cNvPr id="5" name="Slide Number Placeholder 4">
-            <a:extLst>
-              <a:ext uri="{FF2B5EF4-FFF2-40B4-BE49-F238E27FC236}">
-                <a16:creationId xmlns:a16="http://schemas.microsoft.com/office/drawing/2014/main" id="{C9986DD4-96D3-4165-8026-B6FC014C8709}"/>
-              </a:ext>
-            </a:extLst>
-          </p:cNvPr>
-          <p:cNvSpPr>
-            <a:spLocks noGrp="1"/>
-          </p:cNvSpPr>
-          <p:nvPr>
-            <p:ph type="sldNum" sz="quarter" idx="12"/>
-          </p:nvPr>
-        </p:nvSpPr>
-        <p:spPr/>
-        <p:txBody>
-          <a:bodyPr/>
-          <a:lstStyle/>
-          <a:p>
-            <a:fld id="{559BD186-C64B-4C7B-BA11-BDC68F4CA722}" type="slidenum">
-              <a:rPr lang="en-GB" smtClean="0"/>
-              <a:pPr/>
-              <a:t>5</a:t>
-            </a:fld>
-            <a:endParaRPr lang="en-GB" dirty="0"/>
-          </a:p>
-        </p:txBody>
-      </p:sp>
       <p:sp>
         <p:nvSpPr>
           <p:cNvPr id="11" name="Title 1">
@@ -6568,8 +5121,8 @@
         </p:nvSpPr>
         <p:spPr>
           <a:xfrm>
-            <a:off x="952870" y="5406501"/>
-            <a:ext cx="10286260" cy="807870"/>
+            <a:off x="1154097" y="5406501"/>
+            <a:ext cx="9883806" cy="807870"/>
           </a:xfrm>
           <a:prstGeom prst="rect">
             <a:avLst/>
@@ -6616,50 +5169,127 @@
                 <a:latin typeface="Segoe UI" panose="020B0502040204020203" pitchFamily="34" charset="0"/>
                 <a:cs typeface="Segoe UI" panose="020B0502040204020203" pitchFamily="34" charset="0"/>
               </a:rPr>
-              <a:t>It is highly suggested to check those inverters from plant 2 in the next maintenance check.</a:t>
-            </a:r>
-          </a:p>
-        </p:txBody>
-      </p:sp>
-      <p:sp>
-        <p:nvSpPr>
-          <p:cNvPr id="36" name="Footer Placeholder 3">
-            <a:extLst>
-              <a:ext uri="{FF2B5EF4-FFF2-40B4-BE49-F238E27FC236}">
-                <a16:creationId xmlns:a16="http://schemas.microsoft.com/office/drawing/2014/main" id="{92C304AB-2B9B-4CA1-99BE-25B3FC3D23DD}"/>
-              </a:ext>
-            </a:extLst>
-          </p:cNvPr>
-          <p:cNvSpPr>
-            <a:spLocks noGrp="1"/>
-          </p:cNvSpPr>
-          <p:nvPr>
-            <p:ph type="ftr" sz="quarter" idx="11"/>
-          </p:nvPr>
-        </p:nvSpPr>
-        <p:spPr>
-          <a:xfrm>
-            <a:off x="838199" y="6356349"/>
-            <a:ext cx="5097087" cy="365125"/>
-          </a:xfrm>
-        </p:spPr>
-        <p:txBody>
-          <a:bodyPr/>
+              <a:t>It has been required to review the data acquisition system to check if it has been a data quality issue. </a:t>
+            </a:r>
+          </a:p>
+        </p:txBody>
+      </p:sp>
+      <p:pic>
+        <p:nvPicPr>
+          <p:cNvPr id="6" name="Picture 5">
+            <a:extLst>
+              <a:ext uri="{FF2B5EF4-FFF2-40B4-BE49-F238E27FC236}">
+                <a16:creationId xmlns:a16="http://schemas.microsoft.com/office/drawing/2014/main" id="{350B4FB2-076C-4352-88C5-03F302AC6352}"/>
+              </a:ext>
+            </a:extLst>
+          </p:cNvPr>
+          <p:cNvPicPr>
+            <a:picLocks noChangeAspect="1"/>
+          </p:cNvPicPr>
+          <p:nvPr/>
+        </p:nvPicPr>
+        <p:blipFill>
+          <a:blip r:embed="rId3">
+            <a:extLst>
+              <a:ext uri="{28A0092B-C50C-407E-A947-70E740481C1C}">
+                <a14:useLocalDpi xmlns:a14="http://schemas.microsoft.com/office/drawing/2010/main" val="0"/>
+              </a:ext>
+            </a:extLst>
+          </a:blip>
+          <a:stretch>
+            <a:fillRect/>
+          </a:stretch>
+        </p:blipFill>
+        <p:spPr>
+          <a:xfrm>
+            <a:off x="6878838" y="1878730"/>
+            <a:ext cx="4670272" cy="3100540"/>
+          </a:xfrm>
+          <a:prstGeom prst="rect">
+            <a:avLst/>
+          </a:prstGeom>
+        </p:spPr>
+      </p:pic>
+      <p:sp>
+        <p:nvSpPr>
+          <p:cNvPr id="12" name="Globo: línea doblada con barra de énfasis 14">
+            <a:extLst>
+              <a:ext uri="{FF2B5EF4-FFF2-40B4-BE49-F238E27FC236}">
+                <a16:creationId xmlns:a16="http://schemas.microsoft.com/office/drawing/2014/main" id="{46783C2C-61DB-4168-8FCA-B484A3636E3E}"/>
+              </a:ext>
+            </a:extLst>
+          </p:cNvPr>
+          <p:cNvSpPr/>
+          <p:nvPr/>
+        </p:nvSpPr>
+        <p:spPr>
+          <a:xfrm>
+            <a:off x="4976015" y="3072163"/>
+            <a:ext cx="1492413" cy="944494"/>
+          </a:xfrm>
+          <a:prstGeom prst="accentCallout2">
+            <a:avLst>
+              <a:gd name="adj1" fmla="val 18750"/>
+              <a:gd name="adj2" fmla="val -8333"/>
+              <a:gd name="adj3" fmla="val 18750"/>
+              <a:gd name="adj4" fmla="val -16667"/>
+              <a:gd name="adj5" fmla="val 500"/>
+              <a:gd name="adj6" fmla="val -59341"/>
+            </a:avLst>
+          </a:prstGeom>
+          <a:ln w="28575">
+            <a:solidFill>
+              <a:schemeClr val="bg1">
+                <a:lumMod val="65000"/>
+              </a:schemeClr>
+            </a:solidFill>
+          </a:ln>
+        </p:spPr>
+        <p:style>
+          <a:lnRef idx="2">
+            <a:schemeClr val="dk1"/>
+          </a:lnRef>
+          <a:fillRef idx="1">
+            <a:schemeClr val="lt1"/>
+          </a:fillRef>
+          <a:effectRef idx="0">
+            <a:schemeClr val="dk1"/>
+          </a:effectRef>
+          <a:fontRef idx="minor">
+            <a:schemeClr val="dk1"/>
+          </a:fontRef>
+        </p:style>
+        <p:txBody>
+          <a:bodyPr rtlCol="0" anchor="ctr"/>
           <a:lstStyle/>
           <a:p>
-            <a:r>
-              <a:rPr lang="en-GB" dirty="0"/>
-              <a:t>Solar power plant – Data science project – Luis Castrillo</a:t>
-            </a:r>
-          </a:p>
-        </p:txBody>
-      </p:sp>
-      <p:sp>
-        <p:nvSpPr>
-          <p:cNvPr id="37" name="Title 1">
-            <a:extLst>
-              <a:ext uri="{FF2B5EF4-FFF2-40B4-BE49-F238E27FC236}">
-                <a16:creationId xmlns:a16="http://schemas.microsoft.com/office/drawing/2014/main" id="{C1D0EA0A-3103-4024-89C8-3C36989B39AD}"/>
+            <a:pPr algn="ctr"/>
+            <a:r>
+              <a:rPr lang="en-GB" sz="1050" dirty="0">
+                <a:solidFill>
+                  <a:schemeClr val="bg1">
+                    <a:lumMod val="50000"/>
+                  </a:schemeClr>
+                </a:solidFill>
+              </a:rPr>
+              <a:t>DC generation in power plant 1 is around 10 times higher than in plant 2</a:t>
+            </a:r>
+            <a:endParaRPr lang="en-GB" sz="1050" dirty="0">
+              <a:solidFill>
+                <a:schemeClr val="bg1">
+                  <a:lumMod val="75000"/>
+                </a:schemeClr>
+              </a:solidFill>
+            </a:endParaRPr>
+          </a:p>
+        </p:txBody>
+      </p:sp>
+      <p:sp>
+        <p:nvSpPr>
+          <p:cNvPr id="13" name="Title 1">
+            <a:extLst>
+              <a:ext uri="{FF2B5EF4-FFF2-40B4-BE49-F238E27FC236}">
+                <a16:creationId xmlns:a16="http://schemas.microsoft.com/office/drawing/2014/main" id="{9B2930EB-9C63-47B8-800C-20CA08B5481C}"/>
               </a:ext>
             </a:extLst>
           </p:cNvPr>
@@ -6670,8 +5300,8 @@
         </p:nvSpPr>
         <p:spPr>
           <a:xfrm>
-            <a:off x="1142916" y="1407458"/>
-            <a:ext cx="4650179" cy="511606"/>
+            <a:off x="943993" y="1435394"/>
+            <a:ext cx="4192772" cy="511606"/>
           </a:xfrm>
           <a:prstGeom prst="rect">
             <a:avLst/>
@@ -6712,17 +5342,147 @@
                 <a:latin typeface="Segoe UI" panose="020B0502040204020203" pitchFamily="34" charset="0"/>
                 <a:cs typeface="Segoe UI" panose="020B0502040204020203" pitchFamily="34" charset="0"/>
               </a:rPr>
-              <a:t>Mean inverters’ efficiency [%] distribution between 09:00 and 15:00 </a:t>
+              <a:t>DC power generated by plant [kW]</a:t>
+            </a:r>
+          </a:p>
+        </p:txBody>
+      </p:sp>
+      <p:sp>
+        <p:nvSpPr>
+          <p:cNvPr id="14" name="Elipse 24">
+            <a:extLst>
+              <a:ext uri="{FF2B5EF4-FFF2-40B4-BE49-F238E27FC236}">
+                <a16:creationId xmlns:a16="http://schemas.microsoft.com/office/drawing/2014/main" id="{67814B5E-CC6E-492C-9723-DDCA0869F741}"/>
+              </a:ext>
+            </a:extLst>
+          </p:cNvPr>
+          <p:cNvSpPr/>
+          <p:nvPr/>
+        </p:nvSpPr>
+        <p:spPr>
+          <a:xfrm>
+            <a:off x="8949954" y="2141701"/>
+            <a:ext cx="854015" cy="314231"/>
+          </a:xfrm>
+          <a:prstGeom prst="ellipse">
+            <a:avLst/>
+          </a:prstGeom>
+          <a:noFill/>
+          <a:ln w="9525" cap="flat" cmpd="sng" algn="ctr">
+            <a:solidFill>
+              <a:schemeClr val="bg1">
+                <a:lumMod val="50000"/>
+              </a:schemeClr>
+            </a:solidFill>
+            <a:prstDash val="solid"/>
+            <a:round/>
+            <a:headEnd type="none" w="med" len="med"/>
+            <a:tailEnd type="none" w="med" len="med"/>
+          </a:ln>
+        </p:spPr>
+        <p:style>
+          <a:lnRef idx="0">
+            <a:scrgbClr r="0" g="0" b="0"/>
+          </a:lnRef>
+          <a:fillRef idx="0">
+            <a:scrgbClr r="0" g="0" b="0"/>
+          </a:fillRef>
+          <a:effectRef idx="0">
+            <a:scrgbClr r="0" g="0" b="0"/>
+          </a:effectRef>
+          <a:fontRef idx="minor">
+            <a:schemeClr val="dk1"/>
+          </a:fontRef>
+        </p:style>
+        <p:txBody>
+          <a:bodyPr rtlCol="0" anchor="ctr"/>
+          <a:lstStyle/>
+          <a:p>
+            <a:pPr algn="ctr"/>
+            <a:r>
+              <a:rPr lang="es-ES" sz="1600" dirty="0">
+                <a:solidFill>
+                  <a:schemeClr val="bg1">
+                    <a:lumMod val="65000"/>
+                  </a:schemeClr>
+                </a:solidFill>
+              </a:rPr>
+              <a:t>95%</a:t>
+            </a:r>
+          </a:p>
+        </p:txBody>
+      </p:sp>
+      <p:sp>
+        <p:nvSpPr>
+          <p:cNvPr id="15" name="Elipse 25">
+            <a:extLst>
+              <a:ext uri="{FF2B5EF4-FFF2-40B4-BE49-F238E27FC236}">
+                <a16:creationId xmlns:a16="http://schemas.microsoft.com/office/drawing/2014/main" id="{28C63166-EE42-49DC-AC10-5CA376ABAC54}"/>
+              </a:ext>
+            </a:extLst>
+          </p:cNvPr>
+          <p:cNvSpPr/>
+          <p:nvPr/>
+        </p:nvSpPr>
+        <p:spPr>
+          <a:xfrm>
+            <a:off x="8949953" y="4016657"/>
+            <a:ext cx="854015" cy="314231"/>
+          </a:xfrm>
+          <a:prstGeom prst="ellipse">
+            <a:avLst/>
+          </a:prstGeom>
+          <a:noFill/>
+          <a:ln w="9525" cap="flat" cmpd="sng" algn="ctr">
+            <a:solidFill>
+              <a:schemeClr val="bg1">
+                <a:lumMod val="50000"/>
+              </a:schemeClr>
+            </a:solidFill>
+            <a:prstDash val="solid"/>
+            <a:round/>
+            <a:headEnd type="none" w="med" len="med"/>
+            <a:tailEnd type="none" w="med" len="med"/>
+          </a:ln>
+        </p:spPr>
+        <p:style>
+          <a:lnRef idx="0">
+            <a:scrgbClr r="0" g="0" b="0"/>
+          </a:lnRef>
+          <a:fillRef idx="0">
+            <a:scrgbClr r="0" g="0" b="0"/>
+          </a:fillRef>
+          <a:effectRef idx="0">
+            <a:scrgbClr r="0" g="0" b="0"/>
+          </a:effectRef>
+          <a:fontRef idx="minor">
+            <a:schemeClr val="dk1"/>
+          </a:fontRef>
+        </p:style>
+        <p:txBody>
+          <a:bodyPr rtlCol="0" anchor="ctr"/>
+          <a:lstStyle/>
+          <a:p>
+            <a:pPr algn="ctr"/>
+            <a:r>
+              <a:rPr lang="es-ES" sz="1600" dirty="0">
+                <a:solidFill>
+                  <a:schemeClr val="bg1">
+                    <a:lumMod val="65000"/>
+                  </a:schemeClr>
+                </a:solidFill>
+              </a:rPr>
+              <a:t>10%</a:t>
             </a:r>
           </a:p>
         </p:txBody>
       </p:sp>
       <p:cxnSp>
         <p:nvCxnSpPr>
-          <p:cNvPr id="38" name="Conector recto 17">
-            <a:extLst>
-              <a:ext uri="{FF2B5EF4-FFF2-40B4-BE49-F238E27FC236}">
-                <a16:creationId xmlns:a16="http://schemas.microsoft.com/office/drawing/2014/main" id="{3E02804A-6262-4C1A-9BCB-BE2825EC8B89}"/>
+          <p:cNvPr id="17" name="Conector recto 17">
+            <a:extLst>
+              <a:ext uri="{FF2B5EF4-FFF2-40B4-BE49-F238E27FC236}">
+                <a16:creationId xmlns:a16="http://schemas.microsoft.com/office/drawing/2014/main" id="{75296F54-8FEA-4EC9-9610-1FFFDB0A408E}"/>
               </a:ext>
             </a:extLst>
           </p:cNvPr>
@@ -6732,9 +5492,9 @@
           <p:nvPr/>
         </p:nvCxnSpPr>
         <p:spPr>
-          <a:xfrm>
-            <a:off x="1262054" y="1776627"/>
-            <a:ext cx="4411904" cy="9772"/>
+          <a:xfrm flipV="1">
+            <a:off x="1037095" y="1827740"/>
+            <a:ext cx="3186648" cy="1"/>
           </a:xfrm>
           <a:prstGeom prst="line">
             <a:avLst/>
@@ -6764,10 +5524,10 @@
       </p:cxnSp>
       <p:sp>
         <p:nvSpPr>
-          <p:cNvPr id="43" name="Title 1">
-            <a:extLst>
-              <a:ext uri="{FF2B5EF4-FFF2-40B4-BE49-F238E27FC236}">
-                <a16:creationId xmlns:a16="http://schemas.microsoft.com/office/drawing/2014/main" id="{F06DED19-D785-4B7D-840A-2A659D6053E9}"/>
+          <p:cNvPr id="18" name="Title 1">
+            <a:extLst>
+              <a:ext uri="{FF2B5EF4-FFF2-40B4-BE49-F238E27FC236}">
+                <a16:creationId xmlns:a16="http://schemas.microsoft.com/office/drawing/2014/main" id="{5287741C-F6B4-4058-8296-CDB06B527CA4}"/>
               </a:ext>
             </a:extLst>
           </p:cNvPr>
@@ -6778,8 +5538,8 @@
         </p:nvSpPr>
         <p:spPr>
           <a:xfrm>
-            <a:off x="1405235" y="1980526"/>
-            <a:ext cx="878341" cy="511606"/>
+            <a:off x="7161028" y="1416480"/>
+            <a:ext cx="4192772" cy="511606"/>
           </a:xfrm>
           <a:prstGeom prst="rect">
             <a:avLst/>
@@ -6810,7 +5570,7 @@
           </a:lstStyle>
           <a:p>
             <a:r>
-              <a:rPr lang="en-GB" sz="1400" i="1" dirty="0">
+              <a:rPr lang="en-GB" sz="1200" i="1" dirty="0">
                 <a:solidFill>
                   <a:schemeClr val="tx1">
                     <a:lumMod val="75000"/>
@@ -6820,17 +5580,17 @@
                 <a:latin typeface="Segoe UI" panose="020B0502040204020203" pitchFamily="34" charset="0"/>
                 <a:cs typeface="Segoe UI" panose="020B0502040204020203" pitchFamily="34" charset="0"/>
               </a:rPr>
-              <a:t>PLANT 2</a:t>
+              <a:t>Plant efficiency throughout the day [%]</a:t>
             </a:r>
           </a:p>
         </p:txBody>
       </p:sp>
       <p:cxnSp>
         <p:nvCxnSpPr>
-          <p:cNvPr id="15" name="Straight Arrow Connector 14">
-            <a:extLst>
-              <a:ext uri="{FF2B5EF4-FFF2-40B4-BE49-F238E27FC236}">
-                <a16:creationId xmlns:a16="http://schemas.microsoft.com/office/drawing/2014/main" id="{3A26EF93-01CE-454E-A7D2-52CD6D6E1957}"/>
+          <p:cNvPr id="19" name="Conector recto 17">
+            <a:extLst>
+              <a:ext uri="{FF2B5EF4-FFF2-40B4-BE49-F238E27FC236}">
+                <a16:creationId xmlns:a16="http://schemas.microsoft.com/office/drawing/2014/main" id="{30AAA155-55A8-4A84-8E03-74D8F9E9C2E2}"/>
               </a:ext>
             </a:extLst>
           </p:cNvPr>
@@ -6841,17 +5601,18 @@
         </p:nvCxnSpPr>
         <p:spPr>
           <a:xfrm flipV="1">
-            <a:off x="2823099" y="3232707"/>
-            <a:ext cx="3632188" cy="1010819"/>
-          </a:xfrm>
-          <a:prstGeom prst="straightConnector1">
+            <a:off x="7254130" y="1808826"/>
+            <a:ext cx="3186648" cy="1"/>
+          </a:xfrm>
+          <a:prstGeom prst="line">
             <a:avLst/>
           </a:prstGeom>
           <a:ln>
             <a:solidFill>
-              <a:srgbClr val="FF0000"/>
+              <a:schemeClr val="bg1">
+                <a:lumMod val="75000"/>
+              </a:schemeClr>
             </a:solidFill>
-            <a:tailEnd type="triangle"/>
           </a:ln>
         </p:spPr>
         <p:style>
@@ -6871,10 +5632,43 @@
       </p:cxnSp>
       <p:sp>
         <p:nvSpPr>
-          <p:cNvPr id="16" name="Oval 15">
-            <a:extLst>
-              <a:ext uri="{FF2B5EF4-FFF2-40B4-BE49-F238E27FC236}">
-                <a16:creationId xmlns:a16="http://schemas.microsoft.com/office/drawing/2014/main" id="{9CCD116A-B897-4102-858C-DB271C875C28}"/>
+          <p:cNvPr id="20" name="Footer Placeholder 3">
+            <a:extLst>
+              <a:ext uri="{FF2B5EF4-FFF2-40B4-BE49-F238E27FC236}">
+                <a16:creationId xmlns:a16="http://schemas.microsoft.com/office/drawing/2014/main" id="{9BEEF1C1-E64D-4154-BB63-23D4448CE2B8}"/>
+              </a:ext>
+            </a:extLst>
+          </p:cNvPr>
+          <p:cNvSpPr>
+            <a:spLocks noGrp="1"/>
+          </p:cNvSpPr>
+          <p:nvPr>
+            <p:ph type="ftr" sz="quarter" idx="11"/>
+          </p:nvPr>
+        </p:nvSpPr>
+        <p:spPr>
+          <a:xfrm>
+            <a:off x="838199" y="6356349"/>
+            <a:ext cx="5097087" cy="365125"/>
+          </a:xfrm>
+        </p:spPr>
+        <p:txBody>
+          <a:bodyPr/>
+          <a:lstStyle/>
+          <a:p>
+            <a:r>
+              <a:rPr lang="en-GB" dirty="0"/>
+              <a:t>Solar power plant – Data science project – Luis Castrillo</a:t>
+            </a:r>
+          </a:p>
+        </p:txBody>
+      </p:sp>
+      <p:sp>
+        <p:nvSpPr>
+          <p:cNvPr id="21" name="CustomShape 3">
+            <a:extLst>
+              <a:ext uri="{FF2B5EF4-FFF2-40B4-BE49-F238E27FC236}">
+                <a16:creationId xmlns:a16="http://schemas.microsoft.com/office/drawing/2014/main" id="{95FD85F9-A8C0-4866-A440-E8E92AA22998}"/>
               </a:ext>
             </a:extLst>
           </p:cNvPr>
@@ -6883,48 +5677,66 @@
         </p:nvSpPr>
         <p:spPr>
           <a:xfrm>
-            <a:off x="2059619" y="3941685"/>
-            <a:ext cx="763480" cy="736847"/>
-          </a:xfrm>
-          <a:prstGeom prst="ellipse">
+            <a:off x="5548475" y="1527998"/>
+            <a:ext cx="1242164" cy="829543"/>
+          </a:xfrm>
+          <a:prstGeom prst="rect">
             <a:avLst/>
           </a:prstGeom>
           <a:noFill/>
           <a:ln>
-            <a:solidFill>
-              <a:srgbClr val="FF0000"/>
-            </a:solidFill>
+            <a:noFill/>
           </a:ln>
         </p:spPr>
         <p:style>
-          <a:lnRef idx="2">
-            <a:schemeClr val="accent1">
-              <a:shade val="50000"/>
-            </a:schemeClr>
+          <a:lnRef idx="0">
+            <a:scrgbClr r="0" g="0" b="0"/>
           </a:lnRef>
-          <a:fillRef idx="1">
-            <a:schemeClr val="accent1"/>
+          <a:fillRef idx="0">
+            <a:scrgbClr r="0" g="0" b="0"/>
           </a:fillRef>
           <a:effectRef idx="0">
-            <a:schemeClr val="accent1"/>
+            <a:scrgbClr r="0" g="0" b="0"/>
           </a:effectRef>
-          <a:fontRef idx="minor">
-            <a:schemeClr val="lt1"/>
-          </a:fontRef>
+          <a:fontRef idx="minor"/>
         </p:style>
         <p:txBody>
-          <a:bodyPr rtlCol="0" anchor="ctr"/>
+          <a:bodyPr wrap="square" lIns="90000" tIns="45000" rIns="90000" bIns="45000">
+            <a:spAutoFit/>
+          </a:bodyPr>
           <a:lstStyle/>
           <a:p>
-            <a:pPr algn="ctr"/>
-            <a:endParaRPr lang="en-GB"/>
+            <a:pPr>
+              <a:lnSpc>
+                <a:spcPct val="100000"/>
+              </a:lnSpc>
+            </a:pPr>
+            <a:r>
+              <a:rPr lang="es-ES" sz="1600" i="1" spc="-1" dirty="0">
+                <a:solidFill>
+                  <a:schemeClr val="bg1">
+                    <a:lumMod val="65000"/>
+                  </a:schemeClr>
+                </a:solidFill>
+                <a:latin typeface="Calibri"/>
+              </a:rPr>
+              <a:t>PENDING A SECOND REVIEW</a:t>
+            </a:r>
+            <a:endParaRPr lang="es-ES" sz="1600" spc="-1" dirty="0">
+              <a:solidFill>
+                <a:schemeClr val="bg1">
+                  <a:lumMod val="65000"/>
+                </a:schemeClr>
+              </a:solidFill>
+              <a:latin typeface="Arial"/>
+            </a:endParaRPr>
           </a:p>
         </p:txBody>
       </p:sp>
     </p:spTree>
     <p:extLst>
       <p:ext uri="{BB962C8B-B14F-4D97-AF65-F5344CB8AC3E}">
-        <p14:creationId xmlns:p14="http://schemas.microsoft.com/office/powerpoint/2010/main" val="3011237564"/>
+        <p14:creationId xmlns:p14="http://schemas.microsoft.com/office/powerpoint/2010/main" val="2531046430"/>
       </p:ext>
     </p:extLst>
   </p:cSld>
@@ -6990,7 +5802,40 @@
                 <a:latin typeface="Segoe UI" panose="020B0502040204020203" pitchFamily="34" charset="0"/>
                 <a:cs typeface="Segoe UI" panose="020B0502040204020203" pitchFamily="34" charset="0"/>
               </a:rPr>
-              <a:t>After carrying out the data analysis, the following action plan is suggested:</a:t>
+              <a:t>Both power plants receive high and similar amount of irradiance, with no sign of power availability problems</a:t>
+            </a:r>
+          </a:p>
+        </p:txBody>
+      </p:sp>
+      <p:sp>
+        <p:nvSpPr>
+          <p:cNvPr id="4" name="Footer Placeholder 3">
+            <a:extLst>
+              <a:ext uri="{FF2B5EF4-FFF2-40B4-BE49-F238E27FC236}">
+                <a16:creationId xmlns:a16="http://schemas.microsoft.com/office/drawing/2014/main" id="{AFBB3818-D063-4710-BF72-D321C9691EE8}"/>
+              </a:ext>
+            </a:extLst>
+          </p:cNvPr>
+          <p:cNvSpPr>
+            <a:spLocks noGrp="1"/>
+          </p:cNvSpPr>
+          <p:nvPr>
+            <p:ph type="ftr" sz="quarter" idx="11"/>
+          </p:nvPr>
+        </p:nvSpPr>
+        <p:spPr>
+          <a:xfrm>
+            <a:off x="838199" y="6356349"/>
+            <a:ext cx="5097087" cy="365125"/>
+          </a:xfrm>
+        </p:spPr>
+        <p:txBody>
+          <a:bodyPr/>
+          <a:lstStyle/>
+          <a:p>
+            <a:r>
+              <a:rPr lang="en-GB" dirty="0"/>
+              <a:t>Solar power plant – Data science project – Luis Castrillo</a:t>
             </a:r>
           </a:p>
         </p:txBody>
@@ -7027,43 +5872,181 @@
       </p:sp>
       <p:sp>
         <p:nvSpPr>
-          <p:cNvPr id="36" name="Footer Placeholder 3">
-            <a:extLst>
-              <a:ext uri="{FF2B5EF4-FFF2-40B4-BE49-F238E27FC236}">
-                <a16:creationId xmlns:a16="http://schemas.microsoft.com/office/drawing/2014/main" id="{92C304AB-2B9B-4CA1-99BE-25B3FC3D23DD}"/>
-              </a:ext>
-            </a:extLst>
-          </p:cNvPr>
-          <p:cNvSpPr>
-            <a:spLocks noGrp="1"/>
-          </p:cNvSpPr>
-          <p:nvPr>
-            <p:ph type="ftr" sz="quarter" idx="11"/>
-          </p:nvPr>
-        </p:nvSpPr>
-        <p:spPr>
-          <a:xfrm>
-            <a:off x="838199" y="6356349"/>
-            <a:ext cx="5097087" cy="365125"/>
-          </a:xfrm>
-        </p:spPr>
-        <p:txBody>
-          <a:bodyPr/>
-          <a:lstStyle/>
-          <a:p>
-            <a:r>
-              <a:rPr lang="en-GB" dirty="0"/>
-              <a:t>Solar power plant – Data science project – Luis Castrillo</a:t>
+          <p:cNvPr id="11" name="Title 1">
+            <a:extLst>
+              <a:ext uri="{FF2B5EF4-FFF2-40B4-BE49-F238E27FC236}">
+                <a16:creationId xmlns:a16="http://schemas.microsoft.com/office/drawing/2014/main" id="{918C7622-6908-4E9D-B3FE-E905EE49F4E3}"/>
+              </a:ext>
+            </a:extLst>
+          </p:cNvPr>
+          <p:cNvSpPr txBox="1">
+            <a:spLocks/>
+          </p:cNvSpPr>
+          <p:nvPr/>
+        </p:nvSpPr>
+        <p:spPr>
+          <a:xfrm>
+            <a:off x="1154097" y="5406501"/>
+            <a:ext cx="9883806" cy="807870"/>
+          </a:xfrm>
+          <a:prstGeom prst="rect">
+            <a:avLst/>
+          </a:prstGeom>
+          <a:ln>
+            <a:solidFill>
+              <a:schemeClr val="tx1"/>
+            </a:solidFill>
+          </a:ln>
+        </p:spPr>
+        <p:txBody>
+          <a:bodyPr vert="horz" lIns="91440" tIns="45720" rIns="91440" bIns="45720" rtlCol="0" anchor="ctr">
+            <a:noAutofit/>
+          </a:bodyPr>
+          <a:lstStyle>
+            <a:lvl1pPr algn="l" defTabSz="914400" rtl="0" eaLnBrk="1" latinLnBrk="0" hangingPunct="1">
+              <a:lnSpc>
+                <a:spcPct val="90000"/>
+              </a:lnSpc>
+              <a:spcBef>
+                <a:spcPct val="0"/>
+              </a:spcBef>
+              <a:buNone/>
+              <a:defRPr sz="4400" kern="1200">
+                <a:solidFill>
+                  <a:schemeClr val="tx1"/>
+                </a:solidFill>
+                <a:latin typeface="+mj-lt"/>
+                <a:ea typeface="+mj-ea"/>
+                <a:cs typeface="+mj-cs"/>
+              </a:defRPr>
+            </a:lvl1pPr>
+          </a:lstStyle>
+          <a:p>
+            <a:pPr algn="ctr"/>
+            <a:r>
+              <a:rPr lang="en-GB" sz="1600" dirty="0">
+                <a:solidFill>
+                  <a:schemeClr val="tx1">
+                    <a:lumMod val="85000"/>
+                    <a:lumOff val="15000"/>
+                  </a:schemeClr>
+                </a:solidFill>
+                <a:latin typeface="Segoe UI" panose="020B0502040204020203" pitchFamily="34" charset="0"/>
+                <a:cs typeface="Segoe UI" panose="020B0502040204020203" pitchFamily="34" charset="0"/>
+              </a:rPr>
+              <a:t>The small difference found between both power plants suggest that they should have very similar DC power generation capabilities.</a:t>
+            </a:r>
+          </a:p>
+        </p:txBody>
+      </p:sp>
+      <p:sp>
+        <p:nvSpPr>
+          <p:cNvPr id="13" name="Title 1">
+            <a:extLst>
+              <a:ext uri="{FF2B5EF4-FFF2-40B4-BE49-F238E27FC236}">
+                <a16:creationId xmlns:a16="http://schemas.microsoft.com/office/drawing/2014/main" id="{9B2930EB-9C63-47B8-800C-20CA08B5481C}"/>
+              </a:ext>
+            </a:extLst>
+          </p:cNvPr>
+          <p:cNvSpPr txBox="1">
+            <a:spLocks/>
+          </p:cNvSpPr>
+          <p:nvPr/>
+        </p:nvSpPr>
+        <p:spPr>
+          <a:xfrm>
+            <a:off x="1811515" y="1675404"/>
+            <a:ext cx="2504762" cy="511606"/>
+          </a:xfrm>
+          <a:prstGeom prst="rect">
+            <a:avLst/>
+          </a:prstGeom>
+        </p:spPr>
+        <p:txBody>
+          <a:bodyPr vert="horz" lIns="91440" tIns="45720" rIns="91440" bIns="45720" rtlCol="0" anchor="ctr">
+            <a:noAutofit/>
+          </a:bodyPr>
+          <a:lstStyle>
+            <a:lvl1pPr algn="l" defTabSz="914400" rtl="0" eaLnBrk="1" latinLnBrk="0" hangingPunct="1">
+              <a:lnSpc>
+                <a:spcPct val="90000"/>
+              </a:lnSpc>
+              <a:spcBef>
+                <a:spcPct val="0"/>
+              </a:spcBef>
+              <a:buNone/>
+              <a:defRPr sz="4400" kern="1200">
+                <a:solidFill>
+                  <a:schemeClr val="tx1"/>
+                </a:solidFill>
+                <a:latin typeface="+mj-lt"/>
+                <a:ea typeface="+mj-ea"/>
+                <a:cs typeface="+mj-cs"/>
+              </a:defRPr>
+            </a:lvl1pPr>
+          </a:lstStyle>
+          <a:p>
+            <a:r>
+              <a:rPr lang="en-GB" sz="1200" b="1" i="1" dirty="0">
+                <a:solidFill>
+                  <a:schemeClr val="tx1">
+                    <a:lumMod val="75000"/>
+                    <a:lumOff val="25000"/>
+                  </a:schemeClr>
+                </a:solidFill>
+                <a:latin typeface="Segoe UI" panose="020B0502040204020203" pitchFamily="34" charset="0"/>
+                <a:cs typeface="Segoe UI" panose="020B0502040204020203" pitchFamily="34" charset="0"/>
+              </a:rPr>
+              <a:t>Total </a:t>
+            </a:r>
+            <a:r>
+              <a:rPr lang="en-GB" sz="1200" i="1" dirty="0">
+                <a:solidFill>
+                  <a:schemeClr val="tx1">
+                    <a:lumMod val="75000"/>
+                    <a:lumOff val="25000"/>
+                  </a:schemeClr>
+                </a:solidFill>
+                <a:latin typeface="Segoe UI" panose="020B0502040204020203" pitchFamily="34" charset="0"/>
+                <a:cs typeface="Segoe UI" panose="020B0502040204020203" pitchFamily="34" charset="0"/>
+              </a:rPr>
+              <a:t>irradiance by plant [kW/m</a:t>
+            </a:r>
+            <a:r>
+              <a:rPr lang="en-GB" sz="1200" i="1" baseline="30000" dirty="0">
+                <a:solidFill>
+                  <a:schemeClr val="tx1">
+                    <a:lumMod val="75000"/>
+                    <a:lumOff val="25000"/>
+                  </a:schemeClr>
+                </a:solidFill>
+                <a:latin typeface="Segoe UI" panose="020B0502040204020203" pitchFamily="34" charset="0"/>
+                <a:cs typeface="Segoe UI" panose="020B0502040204020203" pitchFamily="34" charset="0"/>
+              </a:rPr>
+              <a:t>2</a:t>
+            </a:r>
+            <a:r>
+              <a:rPr lang="en-GB" sz="1200" i="1" dirty="0">
+                <a:solidFill>
+                  <a:schemeClr val="tx1">
+                    <a:lumMod val="75000"/>
+                    <a:lumOff val="25000"/>
+                  </a:schemeClr>
+                </a:solidFill>
+                <a:latin typeface="Segoe UI" panose="020B0502040204020203" pitchFamily="34" charset="0"/>
+                <a:cs typeface="Segoe UI" panose="020B0502040204020203" pitchFamily="34" charset="0"/>
+              </a:rPr>
+              <a:t>]</a:t>
             </a:r>
           </a:p>
         </p:txBody>
       </p:sp>
       <p:cxnSp>
         <p:nvCxnSpPr>
-          <p:cNvPr id="13" name="Conector recto 4">
-            <a:extLst>
-              <a:ext uri="{FF2B5EF4-FFF2-40B4-BE49-F238E27FC236}">
-                <a16:creationId xmlns:a16="http://schemas.microsoft.com/office/drawing/2014/main" id="{BA06443C-B261-4820-B070-CC0025BB2F0A}"/>
+          <p:cNvPr id="17" name="Conector recto 17">
+            <a:extLst>
+              <a:ext uri="{FF2B5EF4-FFF2-40B4-BE49-F238E27FC236}">
+                <a16:creationId xmlns:a16="http://schemas.microsoft.com/office/drawing/2014/main" id="{75296F54-8FEA-4EC9-9610-1FFFDB0A408E}"/>
               </a:ext>
             </a:extLst>
           </p:cNvPr>
@@ -7074,8 +6057,8 @@
         </p:nvCxnSpPr>
         <p:spPr>
           <a:xfrm flipV="1">
-            <a:off x="1958310" y="1658391"/>
-            <a:ext cx="1406124" cy="2"/>
+            <a:off x="1904617" y="2054868"/>
+            <a:ext cx="2416788" cy="12884"/>
           </a:xfrm>
           <a:prstGeom prst="line">
             <a:avLst/>
@@ -7103,80 +6086,101 @@
           </a:fontRef>
         </p:style>
       </p:cxnSp>
-      <p:sp>
-        <p:nvSpPr>
-          <p:cNvPr id="14" name="CustomShape 3">
-            <a:extLst>
-              <a:ext uri="{FF2B5EF4-FFF2-40B4-BE49-F238E27FC236}">
-                <a16:creationId xmlns:a16="http://schemas.microsoft.com/office/drawing/2014/main" id="{FF003A83-852E-4FD0-BE26-39F53249939F}"/>
-              </a:ext>
-            </a:extLst>
-          </p:cNvPr>
-          <p:cNvSpPr/>
+      <p:pic>
+        <p:nvPicPr>
+          <p:cNvPr id="20" name="Imagen 3">
+            <a:extLst>
+              <a:ext uri="{FF2B5EF4-FFF2-40B4-BE49-F238E27FC236}">
+                <a16:creationId xmlns:a16="http://schemas.microsoft.com/office/drawing/2014/main" id="{DFF26B63-BC35-4A95-9B4D-5F55ECBD6935}"/>
+              </a:ext>
+            </a:extLst>
+          </p:cNvPr>
+          <p:cNvPicPr>
+            <a:picLocks noChangeAspect="1"/>
+          </p:cNvPicPr>
           <p:nvPr/>
-        </p:nvSpPr>
-        <p:spPr>
-          <a:xfrm>
-            <a:off x="2142996" y="1356817"/>
-            <a:ext cx="1099800" cy="275545"/>
+        </p:nvPicPr>
+        <p:blipFill rotWithShape="1">
+          <a:blip r:embed="rId2"/>
+          <a:srcRect l="10375"/>
+          <a:stretch/>
+        </p:blipFill>
+        <p:spPr>
+          <a:xfrm rot="5400000">
+            <a:off x="1778747" y="2419416"/>
+            <a:ext cx="2646082" cy="2504762"/>
           </a:xfrm>
           <a:prstGeom prst="rect">
             <a:avLst/>
           </a:prstGeom>
-          <a:noFill/>
-          <a:ln>
-            <a:noFill/>
-          </a:ln>
-        </p:spPr>
-        <p:style>
-          <a:lnRef idx="0">
-            <a:scrgbClr r="0" g="0" b="0"/>
-          </a:lnRef>
-          <a:fillRef idx="0">
-            <a:scrgbClr r="0" g="0" b="0"/>
-          </a:fillRef>
-          <a:effectRef idx="0">
-            <a:scrgbClr r="0" g="0" b="0"/>
-          </a:effectRef>
-          <a:fontRef idx="minor"/>
-        </p:style>
-        <p:txBody>
-          <a:bodyPr wrap="square" lIns="90000" tIns="45000" rIns="90000" bIns="45000">
-            <a:spAutoFit/>
-          </a:bodyPr>
-          <a:lstStyle/>
-          <a:p>
-            <a:pPr>
-              <a:lnSpc>
-                <a:spcPct val="100000"/>
-              </a:lnSpc>
-            </a:pPr>
-            <a:r>
-              <a:rPr lang="es-ES" sz="1200" i="1" spc="-1" dirty="0">
-                <a:solidFill>
-                  <a:srgbClr val="000000"/>
-                </a:solidFill>
-              </a:rPr>
-              <a:t>Data </a:t>
-            </a:r>
-            <a:r>
-              <a:rPr lang="es-ES" sz="1200" i="1" spc="-1" dirty="0" err="1">
-                <a:solidFill>
-                  <a:srgbClr val="000000"/>
-                </a:solidFill>
-              </a:rPr>
-              <a:t>quality</a:t>
-            </a:r>
-            <a:endParaRPr lang="es-ES" sz="1200" spc="-1" dirty="0"/>
-          </a:p>
-        </p:txBody>
-      </p:sp>
+        </p:spPr>
+      </p:pic>
+      <p:pic>
+        <p:nvPicPr>
+          <p:cNvPr id="21" name="Imagen 12">
+            <a:extLst>
+              <a:ext uri="{FF2B5EF4-FFF2-40B4-BE49-F238E27FC236}">
+                <a16:creationId xmlns:a16="http://schemas.microsoft.com/office/drawing/2014/main" id="{F5670139-D9C0-4AF3-AFDD-11B9D7CB2567}"/>
+              </a:ext>
+            </a:extLst>
+          </p:cNvPr>
+          <p:cNvPicPr>
+            <a:picLocks noChangeAspect="1"/>
+          </p:cNvPicPr>
+          <p:nvPr/>
+        </p:nvPicPr>
+        <p:blipFill>
+          <a:blip r:embed="rId3"/>
+          <a:stretch>
+            <a:fillRect/>
+          </a:stretch>
+        </p:blipFill>
+        <p:spPr>
+          <a:xfrm rot="5400000">
+            <a:off x="4962310" y="2442457"/>
+            <a:ext cx="2647619" cy="2457143"/>
+          </a:xfrm>
+          <a:prstGeom prst="rect">
+            <a:avLst/>
+          </a:prstGeom>
+        </p:spPr>
+      </p:pic>
+      <p:pic>
+        <p:nvPicPr>
+          <p:cNvPr id="22" name="Imagen 14">
+            <a:extLst>
+              <a:ext uri="{FF2B5EF4-FFF2-40B4-BE49-F238E27FC236}">
+                <a16:creationId xmlns:a16="http://schemas.microsoft.com/office/drawing/2014/main" id="{7B15C935-C255-4AE4-B926-B3A334D92BBA}"/>
+              </a:ext>
+            </a:extLst>
+          </p:cNvPr>
+          <p:cNvPicPr>
+            <a:picLocks noChangeAspect="1"/>
+          </p:cNvPicPr>
+          <p:nvPr/>
+        </p:nvPicPr>
+        <p:blipFill>
+          <a:blip r:embed="rId4"/>
+          <a:stretch>
+            <a:fillRect/>
+          </a:stretch>
+        </p:blipFill>
+        <p:spPr>
+          <a:xfrm rot="5400000">
+            <a:off x="8222868" y="2420185"/>
+            <a:ext cx="2609524" cy="2466667"/>
+          </a:xfrm>
+          <a:prstGeom prst="rect">
+            <a:avLst/>
+          </a:prstGeom>
+        </p:spPr>
+      </p:pic>
       <p:cxnSp>
         <p:nvCxnSpPr>
-          <p:cNvPr id="17" name="Conector recto 12">
-            <a:extLst>
-              <a:ext uri="{FF2B5EF4-FFF2-40B4-BE49-F238E27FC236}">
-                <a16:creationId xmlns:a16="http://schemas.microsoft.com/office/drawing/2014/main" id="{C25E758F-3183-41AC-9305-7A9345A6DCB0}"/>
+          <p:cNvPr id="23" name="Conector recto 15">
+            <a:extLst>
+              <a:ext uri="{FF2B5EF4-FFF2-40B4-BE49-F238E27FC236}">
+                <a16:creationId xmlns:a16="http://schemas.microsoft.com/office/drawing/2014/main" id="{75DF7007-0F03-4345-BD31-044AED86515B}"/>
               </a:ext>
             </a:extLst>
           </p:cNvPr>
@@ -7187,8 +6191,8 @@
         </p:nvCxnSpPr>
         <p:spPr>
           <a:xfrm flipV="1">
-            <a:off x="452239" y="3226262"/>
-            <a:ext cx="9791244" cy="14383"/>
+            <a:off x="364829" y="3653518"/>
+            <a:ext cx="10666425" cy="12915"/>
           </a:xfrm>
           <a:prstGeom prst="line">
             <a:avLst/>
@@ -7218,27 +6222,378 @@
       </p:cxnSp>
       <p:sp>
         <p:nvSpPr>
-          <p:cNvPr id="18" name="CustomShape 3">
-            <a:extLst>
-              <a:ext uri="{FF2B5EF4-FFF2-40B4-BE49-F238E27FC236}">
-                <a16:creationId xmlns:a16="http://schemas.microsoft.com/office/drawing/2014/main" id="{351FF2C9-53C5-4396-B843-2892A04EB364}"/>
-              </a:ext>
-            </a:extLst>
-          </p:cNvPr>
-          <p:cNvSpPr/>
+          <p:cNvPr id="24" name="Title 1">
+            <a:extLst>
+              <a:ext uri="{FF2B5EF4-FFF2-40B4-BE49-F238E27FC236}">
+                <a16:creationId xmlns:a16="http://schemas.microsoft.com/office/drawing/2014/main" id="{6FCF53AD-B8EB-4DCB-8B21-7C725D0BC266}"/>
+              </a:ext>
+            </a:extLst>
+          </p:cNvPr>
+          <p:cNvSpPr txBox="1">
+            <a:spLocks/>
+          </p:cNvSpPr>
           <p:nvPr/>
         </p:nvSpPr>
         <p:spPr>
           <a:xfrm>
-            <a:off x="589736" y="2370035"/>
-            <a:ext cx="1368574" cy="306323"/>
+            <a:off x="552694" y="2780352"/>
+            <a:ext cx="878341" cy="511606"/>
           </a:xfrm>
           <a:prstGeom prst="rect">
             <a:avLst/>
           </a:prstGeom>
+        </p:spPr>
+        <p:txBody>
+          <a:bodyPr vert="horz" lIns="91440" tIns="45720" rIns="91440" bIns="45720" rtlCol="0" anchor="ctr">
+            <a:noAutofit/>
+          </a:bodyPr>
+          <a:lstStyle>
+            <a:lvl1pPr algn="l" defTabSz="914400" rtl="0" eaLnBrk="1" latinLnBrk="0" hangingPunct="1">
+              <a:lnSpc>
+                <a:spcPct val="90000"/>
+              </a:lnSpc>
+              <a:spcBef>
+                <a:spcPct val="0"/>
+              </a:spcBef>
+              <a:buNone/>
+              <a:defRPr sz="4400" kern="1200">
+                <a:solidFill>
+                  <a:schemeClr val="tx1"/>
+                </a:solidFill>
+                <a:latin typeface="+mj-lt"/>
+                <a:ea typeface="+mj-ea"/>
+                <a:cs typeface="+mj-cs"/>
+              </a:defRPr>
+            </a:lvl1pPr>
+          </a:lstStyle>
+          <a:p>
+            <a:r>
+              <a:rPr lang="en-GB" sz="1200" i="1" dirty="0">
+                <a:solidFill>
+                  <a:schemeClr val="tx1">
+                    <a:lumMod val="75000"/>
+                    <a:lumOff val="25000"/>
+                  </a:schemeClr>
+                </a:solidFill>
+                <a:latin typeface="Segoe UI" panose="020B0502040204020203" pitchFamily="34" charset="0"/>
+                <a:cs typeface="Segoe UI" panose="020B0502040204020203" pitchFamily="34" charset="0"/>
+              </a:rPr>
+              <a:t>PLANT 1</a:t>
+            </a:r>
+          </a:p>
+        </p:txBody>
+      </p:sp>
+      <p:sp>
+        <p:nvSpPr>
+          <p:cNvPr id="25" name="Title 1">
+            <a:extLst>
+              <a:ext uri="{FF2B5EF4-FFF2-40B4-BE49-F238E27FC236}">
+                <a16:creationId xmlns:a16="http://schemas.microsoft.com/office/drawing/2014/main" id="{F1D217FD-10D1-4AD0-A70B-AE972A8A0154}"/>
+              </a:ext>
+            </a:extLst>
+          </p:cNvPr>
+          <p:cNvSpPr txBox="1">
+            <a:spLocks/>
+          </p:cNvSpPr>
+          <p:nvPr/>
+        </p:nvSpPr>
+        <p:spPr>
+          <a:xfrm>
+            <a:off x="552694" y="4125310"/>
+            <a:ext cx="878341" cy="511606"/>
+          </a:xfrm>
+          <a:prstGeom prst="rect">
+            <a:avLst/>
+          </a:prstGeom>
+        </p:spPr>
+        <p:txBody>
+          <a:bodyPr vert="horz" lIns="91440" tIns="45720" rIns="91440" bIns="45720" rtlCol="0" anchor="ctr">
+            <a:noAutofit/>
+          </a:bodyPr>
+          <a:lstStyle>
+            <a:lvl1pPr algn="l" defTabSz="914400" rtl="0" eaLnBrk="1" latinLnBrk="0" hangingPunct="1">
+              <a:lnSpc>
+                <a:spcPct val="90000"/>
+              </a:lnSpc>
+              <a:spcBef>
+                <a:spcPct val="0"/>
+              </a:spcBef>
+              <a:buNone/>
+              <a:defRPr sz="4400" kern="1200">
+                <a:solidFill>
+                  <a:schemeClr val="tx1"/>
+                </a:solidFill>
+                <a:latin typeface="+mj-lt"/>
+                <a:ea typeface="+mj-ea"/>
+                <a:cs typeface="+mj-cs"/>
+              </a:defRPr>
+            </a:lvl1pPr>
+          </a:lstStyle>
+          <a:p>
+            <a:r>
+              <a:rPr lang="en-GB" sz="1200" i="1" dirty="0">
+                <a:solidFill>
+                  <a:schemeClr val="tx1">
+                    <a:lumMod val="75000"/>
+                    <a:lumOff val="25000"/>
+                  </a:schemeClr>
+                </a:solidFill>
+                <a:latin typeface="Segoe UI" panose="020B0502040204020203" pitchFamily="34" charset="0"/>
+                <a:cs typeface="Segoe UI" panose="020B0502040204020203" pitchFamily="34" charset="0"/>
+              </a:rPr>
+              <a:t>PLANT 2</a:t>
+            </a:r>
+          </a:p>
+        </p:txBody>
+      </p:sp>
+      <p:sp>
+        <p:nvSpPr>
+          <p:cNvPr id="26" name="Title 1">
+            <a:extLst>
+              <a:ext uri="{FF2B5EF4-FFF2-40B4-BE49-F238E27FC236}">
+                <a16:creationId xmlns:a16="http://schemas.microsoft.com/office/drawing/2014/main" id="{AF2E0F77-4F52-4147-BF3A-91871D8ECE6B}"/>
+              </a:ext>
+            </a:extLst>
+          </p:cNvPr>
+          <p:cNvSpPr txBox="1">
+            <a:spLocks/>
+          </p:cNvSpPr>
+          <p:nvPr/>
+        </p:nvSpPr>
+        <p:spPr>
+          <a:xfrm>
+            <a:off x="5004801" y="1679819"/>
+            <a:ext cx="2416788" cy="511606"/>
+          </a:xfrm>
+          <a:prstGeom prst="rect">
+            <a:avLst/>
+          </a:prstGeom>
+        </p:spPr>
+        <p:txBody>
+          <a:bodyPr vert="horz" lIns="91440" tIns="45720" rIns="91440" bIns="45720" rtlCol="0" anchor="ctr">
+            <a:noAutofit/>
+          </a:bodyPr>
+          <a:lstStyle>
+            <a:lvl1pPr algn="l" defTabSz="914400" rtl="0" eaLnBrk="1" latinLnBrk="0" hangingPunct="1">
+              <a:lnSpc>
+                <a:spcPct val="90000"/>
+              </a:lnSpc>
+              <a:spcBef>
+                <a:spcPct val="0"/>
+              </a:spcBef>
+              <a:buNone/>
+              <a:defRPr sz="4400" kern="1200">
+                <a:solidFill>
+                  <a:schemeClr val="tx1"/>
+                </a:solidFill>
+                <a:latin typeface="+mj-lt"/>
+                <a:ea typeface="+mj-ea"/>
+                <a:cs typeface="+mj-cs"/>
+              </a:defRPr>
+            </a:lvl1pPr>
+          </a:lstStyle>
+          <a:p>
+            <a:r>
+              <a:rPr lang="en-GB" sz="1200" i="1" dirty="0">
+                <a:solidFill>
+                  <a:schemeClr val="tx1">
+                    <a:lumMod val="75000"/>
+                    <a:lumOff val="25000"/>
+                  </a:schemeClr>
+                </a:solidFill>
+                <a:latin typeface="Segoe UI" panose="020B0502040204020203" pitchFamily="34" charset="0"/>
+                <a:cs typeface="Segoe UI" panose="020B0502040204020203" pitchFamily="34" charset="0"/>
+              </a:rPr>
+              <a:t>Mean ambient temperature [ºC]</a:t>
+            </a:r>
+          </a:p>
+        </p:txBody>
+      </p:sp>
+      <p:cxnSp>
+        <p:nvCxnSpPr>
+          <p:cNvPr id="27" name="Conector recto 17">
+            <a:extLst>
+              <a:ext uri="{FF2B5EF4-FFF2-40B4-BE49-F238E27FC236}">
+                <a16:creationId xmlns:a16="http://schemas.microsoft.com/office/drawing/2014/main" id="{61A24EFF-E4C4-4388-A0A7-3288A82FC199}"/>
+              </a:ext>
+            </a:extLst>
+          </p:cNvPr>
+          <p:cNvCxnSpPr>
+            <a:cxnSpLocks/>
+          </p:cNvCxnSpPr>
+          <p:nvPr/>
+        </p:nvCxnSpPr>
+        <p:spPr>
+          <a:xfrm flipV="1">
+            <a:off x="5097903" y="2059283"/>
+            <a:ext cx="2416788" cy="12884"/>
+          </a:xfrm>
+          <a:prstGeom prst="line">
+            <a:avLst/>
+          </a:prstGeom>
+          <a:ln>
+            <a:solidFill>
+              <a:schemeClr val="bg1">
+                <a:lumMod val="75000"/>
+              </a:schemeClr>
+            </a:solidFill>
+          </a:ln>
+        </p:spPr>
+        <p:style>
+          <a:lnRef idx="1">
+            <a:schemeClr val="accent1"/>
+          </a:lnRef>
+          <a:fillRef idx="0">
+            <a:schemeClr val="accent1"/>
+          </a:fillRef>
+          <a:effectRef idx="0">
+            <a:schemeClr val="accent1"/>
+          </a:effectRef>
+          <a:fontRef idx="minor">
+            <a:schemeClr val="tx1"/>
+          </a:fontRef>
+        </p:style>
+      </p:cxnSp>
+      <p:sp>
+        <p:nvSpPr>
+          <p:cNvPr id="28" name="Title 1">
+            <a:extLst>
+              <a:ext uri="{FF2B5EF4-FFF2-40B4-BE49-F238E27FC236}">
+                <a16:creationId xmlns:a16="http://schemas.microsoft.com/office/drawing/2014/main" id="{28CD7135-8CD9-474B-B5DF-0AE3E679817E}"/>
+              </a:ext>
+            </a:extLst>
+          </p:cNvPr>
+          <p:cNvSpPr txBox="1">
+            <a:spLocks/>
+          </p:cNvSpPr>
+          <p:nvPr/>
+        </p:nvSpPr>
+        <p:spPr>
+          <a:xfrm>
+            <a:off x="8198087" y="1681806"/>
+            <a:ext cx="2416788" cy="511606"/>
+          </a:xfrm>
+          <a:prstGeom prst="rect">
+            <a:avLst/>
+          </a:prstGeom>
+        </p:spPr>
+        <p:txBody>
+          <a:bodyPr vert="horz" lIns="91440" tIns="45720" rIns="91440" bIns="45720" rtlCol="0" anchor="ctr">
+            <a:noAutofit/>
+          </a:bodyPr>
+          <a:lstStyle>
+            <a:lvl1pPr algn="l" defTabSz="914400" rtl="0" eaLnBrk="1" latinLnBrk="0" hangingPunct="1">
+              <a:lnSpc>
+                <a:spcPct val="90000"/>
+              </a:lnSpc>
+              <a:spcBef>
+                <a:spcPct val="0"/>
+              </a:spcBef>
+              <a:buNone/>
+              <a:defRPr sz="4400" kern="1200">
+                <a:solidFill>
+                  <a:schemeClr val="tx1"/>
+                </a:solidFill>
+                <a:latin typeface="+mj-lt"/>
+                <a:ea typeface="+mj-ea"/>
+                <a:cs typeface="+mj-cs"/>
+              </a:defRPr>
+            </a:lvl1pPr>
+          </a:lstStyle>
+          <a:p>
+            <a:r>
+              <a:rPr lang="en-GB" sz="1200" i="1" dirty="0">
+                <a:solidFill>
+                  <a:schemeClr val="tx1">
+                    <a:lumMod val="75000"/>
+                    <a:lumOff val="25000"/>
+                  </a:schemeClr>
+                </a:solidFill>
+                <a:latin typeface="Segoe UI" panose="020B0502040204020203" pitchFamily="34" charset="0"/>
+                <a:cs typeface="Segoe UI" panose="020B0502040204020203" pitchFamily="34" charset="0"/>
+              </a:rPr>
+              <a:t>Mean modules’ temperature [ºC]</a:t>
+            </a:r>
+          </a:p>
+        </p:txBody>
+      </p:sp>
+      <p:cxnSp>
+        <p:nvCxnSpPr>
+          <p:cNvPr id="29" name="Conector recto 17">
+            <a:extLst>
+              <a:ext uri="{FF2B5EF4-FFF2-40B4-BE49-F238E27FC236}">
+                <a16:creationId xmlns:a16="http://schemas.microsoft.com/office/drawing/2014/main" id="{1F79DC55-CDF7-4F35-9B0E-4F2A8F5263AB}"/>
+              </a:ext>
+            </a:extLst>
+          </p:cNvPr>
+          <p:cNvCxnSpPr>
+            <a:cxnSpLocks/>
+          </p:cNvCxnSpPr>
+          <p:nvPr/>
+        </p:nvCxnSpPr>
+        <p:spPr>
+          <a:xfrm flipV="1">
+            <a:off x="8291189" y="2061270"/>
+            <a:ext cx="2416788" cy="12884"/>
+          </a:xfrm>
+          <a:prstGeom prst="line">
+            <a:avLst/>
+          </a:prstGeom>
+          <a:ln>
+            <a:solidFill>
+              <a:schemeClr val="bg1">
+                <a:lumMod val="75000"/>
+              </a:schemeClr>
+            </a:solidFill>
+          </a:ln>
+        </p:spPr>
+        <p:style>
+          <a:lnRef idx="1">
+            <a:schemeClr val="accent1"/>
+          </a:lnRef>
+          <a:fillRef idx="0">
+            <a:schemeClr val="accent1"/>
+          </a:fillRef>
+          <a:effectRef idx="0">
+            <a:schemeClr val="accent1"/>
+          </a:effectRef>
+          <a:fontRef idx="minor">
+            <a:schemeClr val="tx1"/>
+          </a:fontRef>
+        </p:style>
+      </p:cxnSp>
+      <p:sp>
+        <p:nvSpPr>
+          <p:cNvPr id="30" name="Elipse 24">
+            <a:extLst>
+              <a:ext uri="{FF2B5EF4-FFF2-40B4-BE49-F238E27FC236}">
+                <a16:creationId xmlns:a16="http://schemas.microsoft.com/office/drawing/2014/main" id="{DCB5AFCE-22FC-4690-9113-63B1A249CBB0}"/>
+              </a:ext>
+            </a:extLst>
+          </p:cNvPr>
+          <p:cNvSpPr/>
+          <p:nvPr/>
+        </p:nvSpPr>
+        <p:spPr>
+          <a:xfrm>
+            <a:off x="2674780" y="4173520"/>
+            <a:ext cx="854015" cy="314231"/>
+          </a:xfrm>
+          <a:prstGeom prst="ellipse">
+            <a:avLst/>
+          </a:prstGeom>
           <a:noFill/>
-          <a:ln>
-            <a:noFill/>
+          <a:ln w="9525" cap="flat" cmpd="sng" algn="ctr">
+            <a:solidFill>
+              <a:schemeClr val="tx1">
+                <a:lumMod val="75000"/>
+                <a:lumOff val="25000"/>
+              </a:schemeClr>
+            </a:solidFill>
+            <a:prstDash val="solid"/>
+            <a:round/>
+            <a:headEnd type="none" w="med" len="med"/>
+            <a:tailEnd type="none" w="med" len="med"/>
           </a:ln>
         </p:spPr>
         <p:style>
@@ -7251,37 +6606,35 @@
           <a:effectRef idx="0">
             <a:scrgbClr r="0" g="0" b="0"/>
           </a:effectRef>
-          <a:fontRef idx="minor"/>
+          <a:fontRef idx="minor">
+            <a:schemeClr val="dk1"/>
+          </a:fontRef>
         </p:style>
         <p:txBody>
-          <a:bodyPr wrap="square" lIns="90000" tIns="45000" rIns="90000" bIns="45000">
-            <a:spAutoFit/>
-          </a:bodyPr>
+          <a:bodyPr rtlCol="0" anchor="ctr"/>
           <a:lstStyle/>
           <a:p>
-            <a:pPr>
-              <a:lnSpc>
-                <a:spcPct val="100000"/>
-              </a:lnSpc>
-            </a:pPr>
-            <a:r>
-              <a:rPr lang="es-ES" sz="1400" b="1" i="1" spc="-1" dirty="0">
-                <a:solidFill>
-                  <a:srgbClr val="000000"/>
+            <a:pPr algn="ctr"/>
+            <a:r>
+              <a:rPr lang="es-ES" sz="1600" dirty="0">
+                <a:solidFill>
+                  <a:schemeClr val="tx1">
+                    <a:lumMod val="75000"/>
+                    <a:lumOff val="25000"/>
+                  </a:schemeClr>
                 </a:solidFill>
               </a:rPr>
-              <a:t>PLANT 1</a:t>
-            </a:r>
-            <a:endParaRPr lang="es-ES" sz="1400" b="1" spc="-1" dirty="0"/>
-          </a:p>
-        </p:txBody>
-      </p:sp>
-      <p:sp>
-        <p:nvSpPr>
-          <p:cNvPr id="19" name="CustomShape 3">
-            <a:extLst>
-              <a:ext uri="{FF2B5EF4-FFF2-40B4-BE49-F238E27FC236}">
-                <a16:creationId xmlns:a16="http://schemas.microsoft.com/office/drawing/2014/main" id="{8F5C000B-1DE6-478B-A279-500BFE0C0FFD}"/>
+              <a:t>758</a:t>
+            </a:r>
+          </a:p>
+        </p:txBody>
+      </p:sp>
+      <p:sp>
+        <p:nvSpPr>
+          <p:cNvPr id="31" name="Elipse 24">
+            <a:extLst>
+              <a:ext uri="{FF2B5EF4-FFF2-40B4-BE49-F238E27FC236}">
+                <a16:creationId xmlns:a16="http://schemas.microsoft.com/office/drawing/2014/main" id="{155AF32E-C538-456F-83BD-8E64AFFC3548}"/>
               </a:ext>
             </a:extLst>
           </p:cNvPr>
@@ -7290,15 +6643,24 @@
         </p:nvSpPr>
         <p:spPr>
           <a:xfrm>
-            <a:off x="589736" y="3638853"/>
-            <a:ext cx="1368574" cy="306323"/>
-          </a:xfrm>
-          <a:prstGeom prst="rect">
+            <a:off x="2674780" y="2858457"/>
+            <a:ext cx="854015" cy="314231"/>
+          </a:xfrm>
+          <a:prstGeom prst="ellipse">
             <a:avLst/>
           </a:prstGeom>
           <a:noFill/>
-          <a:ln>
-            <a:noFill/>
+          <a:ln w="9525" cap="flat" cmpd="sng" algn="ctr">
+            <a:solidFill>
+              <a:schemeClr val="tx1">
+                <a:lumMod val="75000"/>
+                <a:lumOff val="25000"/>
+              </a:schemeClr>
+            </a:solidFill>
+            <a:prstDash val="solid"/>
+            <a:round/>
+            <a:headEnd type="none" w="med" len="med"/>
+            <a:tailEnd type="none" w="med" len="med"/>
           </a:ln>
         </p:spPr>
         <p:style>
@@ -7311,58 +6673,1448 @@
           <a:effectRef idx="0">
             <a:scrgbClr r="0" g="0" b="0"/>
           </a:effectRef>
-          <a:fontRef idx="minor"/>
+          <a:fontRef idx="minor">
+            <a:schemeClr val="dk1"/>
+          </a:fontRef>
         </p:style>
         <p:txBody>
-          <a:bodyPr wrap="square" lIns="90000" tIns="45000" rIns="90000" bIns="45000">
-            <a:spAutoFit/>
+          <a:bodyPr rtlCol="0" anchor="ctr"/>
+          <a:lstStyle/>
+          <a:p>
+            <a:pPr algn="ctr"/>
+            <a:r>
+              <a:rPr lang="es-ES" sz="1600" dirty="0">
+                <a:solidFill>
+                  <a:schemeClr val="tx1">
+                    <a:lumMod val="75000"/>
+                    <a:lumOff val="25000"/>
+                  </a:schemeClr>
+                </a:solidFill>
+              </a:rPr>
+              <a:t>726</a:t>
+            </a:r>
+          </a:p>
+        </p:txBody>
+      </p:sp>
+      <p:sp>
+        <p:nvSpPr>
+          <p:cNvPr id="32" name="Elipse 24">
+            <a:extLst>
+              <a:ext uri="{FF2B5EF4-FFF2-40B4-BE49-F238E27FC236}">
+                <a16:creationId xmlns:a16="http://schemas.microsoft.com/office/drawing/2014/main" id="{ED6C37A1-C891-42FE-9FD4-CC5A847D11E4}"/>
+              </a:ext>
+            </a:extLst>
+          </p:cNvPr>
+          <p:cNvSpPr/>
+          <p:nvPr/>
+        </p:nvSpPr>
+        <p:spPr>
+          <a:xfrm>
+            <a:off x="5838747" y="4173520"/>
+            <a:ext cx="854015" cy="314231"/>
+          </a:xfrm>
+          <a:prstGeom prst="ellipse">
+            <a:avLst/>
+          </a:prstGeom>
+          <a:noFill/>
+          <a:ln w="9525" cap="flat" cmpd="sng" algn="ctr">
+            <a:solidFill>
+              <a:schemeClr val="tx1">
+                <a:lumMod val="75000"/>
+                <a:lumOff val="25000"/>
+              </a:schemeClr>
+            </a:solidFill>
+            <a:prstDash val="solid"/>
+            <a:round/>
+            <a:headEnd type="none" w="med" len="med"/>
+            <a:tailEnd type="none" w="med" len="med"/>
+          </a:ln>
+        </p:spPr>
+        <p:style>
+          <a:lnRef idx="0">
+            <a:scrgbClr r="0" g="0" b="0"/>
+          </a:lnRef>
+          <a:fillRef idx="0">
+            <a:scrgbClr r="0" g="0" b="0"/>
+          </a:fillRef>
+          <a:effectRef idx="0">
+            <a:scrgbClr r="0" g="0" b="0"/>
+          </a:effectRef>
+          <a:fontRef idx="minor">
+            <a:schemeClr val="dk1"/>
+          </a:fontRef>
+        </p:style>
+        <p:txBody>
+          <a:bodyPr rtlCol="0" anchor="ctr"/>
+          <a:lstStyle/>
+          <a:p>
+            <a:pPr algn="ctr"/>
+            <a:r>
+              <a:rPr lang="es-ES" sz="1600" dirty="0">
+                <a:solidFill>
+                  <a:schemeClr val="tx1">
+                    <a:lumMod val="75000"/>
+                    <a:lumOff val="25000"/>
+                  </a:schemeClr>
+                </a:solidFill>
+              </a:rPr>
+              <a:t>28</a:t>
+            </a:r>
+          </a:p>
+        </p:txBody>
+      </p:sp>
+      <p:sp>
+        <p:nvSpPr>
+          <p:cNvPr id="33" name="Elipse 24">
+            <a:extLst>
+              <a:ext uri="{FF2B5EF4-FFF2-40B4-BE49-F238E27FC236}">
+                <a16:creationId xmlns:a16="http://schemas.microsoft.com/office/drawing/2014/main" id="{3B35CBD5-297B-4CE5-9554-563D67AE6110}"/>
+              </a:ext>
+            </a:extLst>
+          </p:cNvPr>
+          <p:cNvSpPr/>
+          <p:nvPr/>
+        </p:nvSpPr>
+        <p:spPr>
+          <a:xfrm>
+            <a:off x="5838747" y="2858457"/>
+            <a:ext cx="854015" cy="314231"/>
+          </a:xfrm>
+          <a:prstGeom prst="ellipse">
+            <a:avLst/>
+          </a:prstGeom>
+          <a:noFill/>
+          <a:ln w="9525" cap="flat" cmpd="sng" algn="ctr">
+            <a:solidFill>
+              <a:schemeClr val="tx1">
+                <a:lumMod val="75000"/>
+                <a:lumOff val="25000"/>
+              </a:schemeClr>
+            </a:solidFill>
+            <a:prstDash val="solid"/>
+            <a:round/>
+            <a:headEnd type="none" w="med" len="med"/>
+            <a:tailEnd type="none" w="med" len="med"/>
+          </a:ln>
+        </p:spPr>
+        <p:style>
+          <a:lnRef idx="0">
+            <a:scrgbClr r="0" g="0" b="0"/>
+          </a:lnRef>
+          <a:fillRef idx="0">
+            <a:scrgbClr r="0" g="0" b="0"/>
+          </a:fillRef>
+          <a:effectRef idx="0">
+            <a:scrgbClr r="0" g="0" b="0"/>
+          </a:effectRef>
+          <a:fontRef idx="minor">
+            <a:schemeClr val="dk1"/>
+          </a:fontRef>
+        </p:style>
+        <p:txBody>
+          <a:bodyPr rtlCol="0" anchor="ctr"/>
+          <a:lstStyle/>
+          <a:p>
+            <a:pPr algn="ctr"/>
+            <a:r>
+              <a:rPr lang="es-ES" sz="1600" dirty="0">
+                <a:solidFill>
+                  <a:schemeClr val="tx1">
+                    <a:lumMod val="75000"/>
+                    <a:lumOff val="25000"/>
+                  </a:schemeClr>
+                </a:solidFill>
+              </a:rPr>
+              <a:t>26</a:t>
+            </a:r>
+          </a:p>
+        </p:txBody>
+      </p:sp>
+      <p:sp>
+        <p:nvSpPr>
+          <p:cNvPr id="34" name="Elipse 24">
+            <a:extLst>
+              <a:ext uri="{FF2B5EF4-FFF2-40B4-BE49-F238E27FC236}">
+                <a16:creationId xmlns:a16="http://schemas.microsoft.com/office/drawing/2014/main" id="{5B56BA08-49DF-4BAC-B20C-FAEBDA331664}"/>
+              </a:ext>
+            </a:extLst>
+          </p:cNvPr>
+          <p:cNvSpPr/>
+          <p:nvPr/>
+        </p:nvSpPr>
+        <p:spPr>
+          <a:xfrm>
+            <a:off x="9090212" y="4173520"/>
+            <a:ext cx="854015" cy="314231"/>
+          </a:xfrm>
+          <a:prstGeom prst="ellipse">
+            <a:avLst/>
+          </a:prstGeom>
+          <a:noFill/>
+          <a:ln w="9525" cap="flat" cmpd="sng" algn="ctr">
+            <a:solidFill>
+              <a:schemeClr val="tx1">
+                <a:lumMod val="75000"/>
+                <a:lumOff val="25000"/>
+              </a:schemeClr>
+            </a:solidFill>
+            <a:prstDash val="solid"/>
+            <a:round/>
+            <a:headEnd type="none" w="med" len="med"/>
+            <a:tailEnd type="none" w="med" len="med"/>
+          </a:ln>
+        </p:spPr>
+        <p:style>
+          <a:lnRef idx="0">
+            <a:scrgbClr r="0" g="0" b="0"/>
+          </a:lnRef>
+          <a:fillRef idx="0">
+            <a:scrgbClr r="0" g="0" b="0"/>
+          </a:fillRef>
+          <a:effectRef idx="0">
+            <a:scrgbClr r="0" g="0" b="0"/>
+          </a:effectRef>
+          <a:fontRef idx="minor">
+            <a:schemeClr val="dk1"/>
+          </a:fontRef>
+        </p:style>
+        <p:txBody>
+          <a:bodyPr rtlCol="0" anchor="ctr"/>
+          <a:lstStyle/>
+          <a:p>
+            <a:pPr algn="ctr"/>
+            <a:r>
+              <a:rPr lang="es-ES" sz="1600" dirty="0">
+                <a:solidFill>
+                  <a:schemeClr val="tx1">
+                    <a:lumMod val="75000"/>
+                    <a:lumOff val="25000"/>
+                  </a:schemeClr>
+                </a:solidFill>
+              </a:rPr>
+              <a:t>32.7</a:t>
+            </a:r>
+          </a:p>
+        </p:txBody>
+      </p:sp>
+      <p:sp>
+        <p:nvSpPr>
+          <p:cNvPr id="35" name="Elipse 24">
+            <a:extLst>
+              <a:ext uri="{FF2B5EF4-FFF2-40B4-BE49-F238E27FC236}">
+                <a16:creationId xmlns:a16="http://schemas.microsoft.com/office/drawing/2014/main" id="{89B66F0A-6AC5-478E-B0CC-8B5634D32B9B}"/>
+              </a:ext>
+            </a:extLst>
+          </p:cNvPr>
+          <p:cNvSpPr/>
+          <p:nvPr/>
+        </p:nvSpPr>
+        <p:spPr>
+          <a:xfrm>
+            <a:off x="9090212" y="2858457"/>
+            <a:ext cx="854015" cy="314231"/>
+          </a:xfrm>
+          <a:prstGeom prst="ellipse">
+            <a:avLst/>
+          </a:prstGeom>
+          <a:noFill/>
+          <a:ln w="9525" cap="flat" cmpd="sng" algn="ctr">
+            <a:solidFill>
+              <a:schemeClr val="tx1">
+                <a:lumMod val="75000"/>
+                <a:lumOff val="25000"/>
+              </a:schemeClr>
+            </a:solidFill>
+            <a:prstDash val="solid"/>
+            <a:round/>
+            <a:headEnd type="none" w="med" len="med"/>
+            <a:tailEnd type="none" w="med" len="med"/>
+          </a:ln>
+        </p:spPr>
+        <p:style>
+          <a:lnRef idx="0">
+            <a:scrgbClr r="0" g="0" b="0"/>
+          </a:lnRef>
+          <a:fillRef idx="0">
+            <a:scrgbClr r="0" g="0" b="0"/>
+          </a:fillRef>
+          <a:effectRef idx="0">
+            <a:scrgbClr r="0" g="0" b="0"/>
+          </a:effectRef>
+          <a:fontRef idx="minor">
+            <a:schemeClr val="dk1"/>
+          </a:fontRef>
+        </p:style>
+        <p:txBody>
+          <a:bodyPr rtlCol="0" anchor="ctr"/>
+          <a:lstStyle/>
+          <a:p>
+            <a:pPr algn="ctr"/>
+            <a:r>
+              <a:rPr lang="es-ES" sz="1600" dirty="0">
+                <a:solidFill>
+                  <a:schemeClr val="tx1">
+                    <a:lumMod val="75000"/>
+                    <a:lumOff val="25000"/>
+                  </a:schemeClr>
+                </a:solidFill>
+              </a:rPr>
+              <a:t>31.1</a:t>
+            </a:r>
+          </a:p>
+        </p:txBody>
+      </p:sp>
+    </p:spTree>
+    <p:extLst>
+      <p:ext uri="{BB962C8B-B14F-4D97-AF65-F5344CB8AC3E}">
+        <p14:creationId xmlns:p14="http://schemas.microsoft.com/office/powerpoint/2010/main" val="2261204297"/>
+      </p:ext>
+    </p:extLst>
+  </p:cSld>
+  <p:clrMapOvr>
+    <a:masterClrMapping/>
+  </p:clrMapOvr>
+</p:sld>
+</file>
+
+<file path=ppt/slides/slide7.xml><?xml version="1.0" encoding="utf-8"?>
+<p:sld xmlns:a="http://schemas.openxmlformats.org/drawingml/2006/main" xmlns:r="http://schemas.openxmlformats.org/officeDocument/2006/relationships" xmlns:p="http://schemas.openxmlformats.org/presentationml/2006/main">
+  <p:cSld>
+    <p:spTree>
+      <p:nvGrpSpPr>
+        <p:cNvPr id="1" name=""/>
+        <p:cNvGrpSpPr/>
+        <p:nvPr/>
+      </p:nvGrpSpPr>
+      <p:grpSpPr>
+        <a:xfrm>
+          <a:off x="0" y="0"/>
+          <a:ext cx="0" cy="0"/>
+          <a:chOff x="0" y="0"/>
+          <a:chExt cx="0" cy="0"/>
+        </a:xfrm>
+      </p:grpSpPr>
+      <p:sp>
+        <p:nvSpPr>
+          <p:cNvPr id="2" name="Title 1">
+            <a:extLst>
+              <a:ext uri="{FF2B5EF4-FFF2-40B4-BE49-F238E27FC236}">
+                <a16:creationId xmlns:a16="http://schemas.microsoft.com/office/drawing/2014/main" id="{6521176D-BB93-4C95-B00B-C99ACAD8017C}"/>
+              </a:ext>
+            </a:extLst>
+          </p:cNvPr>
+          <p:cNvSpPr>
+            <a:spLocks noGrp="1"/>
+          </p:cNvSpPr>
+          <p:nvPr>
+            <p:ph type="title"/>
+          </p:nvPr>
+        </p:nvSpPr>
+        <p:spPr>
+          <a:xfrm>
+            <a:off x="838200" y="258593"/>
+            <a:ext cx="10515600" cy="1037547"/>
+          </a:xfrm>
+        </p:spPr>
+        <p:txBody>
+          <a:bodyPr>
+            <a:noAutofit/>
           </a:bodyPr>
           <a:lstStyle/>
           <a:p>
-            <a:pPr>
-              <a:lnSpc>
-                <a:spcPct val="100000"/>
-              </a:lnSpc>
-            </a:pPr>
-            <a:r>
-              <a:rPr lang="es-ES" sz="1400" b="1" i="1" spc="-1" dirty="0">
-                <a:solidFill>
-                  <a:srgbClr val="000000"/>
-                </a:solidFill>
+            <a:r>
+              <a:rPr lang="en-GB" sz="2800" dirty="0">
+                <a:solidFill>
+                  <a:schemeClr val="tx1">
+                    <a:lumMod val="75000"/>
+                    <a:lumOff val="25000"/>
+                  </a:schemeClr>
+                </a:solidFill>
+                <a:latin typeface="Segoe UI" panose="020B0502040204020203" pitchFamily="34" charset="0"/>
+                <a:cs typeface="Segoe UI" panose="020B0502040204020203" pitchFamily="34" charset="0"/>
               </a:rPr>
-              <a:t>PLANT 2</a:t>
-            </a:r>
-            <a:endParaRPr lang="es-ES" sz="1400" b="1" spc="-1" dirty="0"/>
-          </a:p>
-        </p:txBody>
-      </p:sp>
-      <p:sp>
-        <p:nvSpPr>
-          <p:cNvPr id="20" name="Rectángulo 21">
-            <a:extLst>
-              <a:ext uri="{FF2B5EF4-FFF2-40B4-BE49-F238E27FC236}">
-                <a16:creationId xmlns:a16="http://schemas.microsoft.com/office/drawing/2014/main" id="{A765D7C0-87E0-4A27-B3EB-0EFA6F54849B}"/>
-              </a:ext>
-            </a:extLst>
-          </p:cNvPr>
-          <p:cNvSpPr/>
+              <a:t>DC power generation in plant 1 is very high, on the scale of 10 MW daily generation</a:t>
+            </a:r>
+          </a:p>
+        </p:txBody>
+      </p:sp>
+      <p:sp>
+        <p:nvSpPr>
+          <p:cNvPr id="5" name="Slide Number Placeholder 4">
+            <a:extLst>
+              <a:ext uri="{FF2B5EF4-FFF2-40B4-BE49-F238E27FC236}">
+                <a16:creationId xmlns:a16="http://schemas.microsoft.com/office/drawing/2014/main" id="{C9986DD4-96D3-4165-8026-B6FC014C8709}"/>
+              </a:ext>
+            </a:extLst>
+          </p:cNvPr>
+          <p:cNvSpPr>
+            <a:spLocks noGrp="1"/>
+          </p:cNvSpPr>
+          <p:nvPr>
+            <p:ph type="sldNum" sz="quarter" idx="12"/>
+          </p:nvPr>
+        </p:nvSpPr>
+        <p:spPr/>
+        <p:txBody>
+          <a:bodyPr/>
+          <a:lstStyle/>
+          <a:p>
+            <a:fld id="{559BD186-C64B-4C7B-BA11-BDC68F4CA722}" type="slidenum">
+              <a:rPr lang="en-GB" smtClean="0"/>
+              <a:pPr/>
+              <a:t>7</a:t>
+            </a:fld>
+            <a:endParaRPr lang="en-GB" dirty="0"/>
+          </a:p>
+        </p:txBody>
+      </p:sp>
+      <p:sp>
+        <p:nvSpPr>
+          <p:cNvPr id="11" name="Title 1">
+            <a:extLst>
+              <a:ext uri="{FF2B5EF4-FFF2-40B4-BE49-F238E27FC236}">
+                <a16:creationId xmlns:a16="http://schemas.microsoft.com/office/drawing/2014/main" id="{918C7622-6908-4E9D-B3FE-E905EE49F4E3}"/>
+              </a:ext>
+            </a:extLst>
+          </p:cNvPr>
+          <p:cNvSpPr txBox="1">
+            <a:spLocks/>
+          </p:cNvSpPr>
           <p:nvPr/>
         </p:nvSpPr>
         <p:spPr>
           <a:xfrm>
-            <a:off x="1624776" y="4775697"/>
-            <a:ext cx="2136241" cy="1294689"/>
+            <a:off x="952870" y="5406501"/>
+            <a:ext cx="10286260" cy="807870"/>
           </a:xfrm>
           <a:prstGeom prst="rect">
             <a:avLst/>
           </a:prstGeom>
+          <a:ln>
+            <a:solidFill>
+              <a:schemeClr val="tx1"/>
+            </a:solidFill>
+          </a:ln>
+        </p:spPr>
+        <p:txBody>
+          <a:bodyPr vert="horz" lIns="91440" tIns="45720" rIns="91440" bIns="45720" rtlCol="0" anchor="ctr">
+            <a:noAutofit/>
+          </a:bodyPr>
+          <a:lstStyle>
+            <a:lvl1pPr algn="l" defTabSz="914400" rtl="0" eaLnBrk="1" latinLnBrk="0" hangingPunct="1">
+              <a:lnSpc>
+                <a:spcPct val="90000"/>
+              </a:lnSpc>
+              <a:spcBef>
+                <a:spcPct val="0"/>
+              </a:spcBef>
+              <a:buNone/>
+              <a:defRPr sz="4400" kern="1200">
+                <a:solidFill>
+                  <a:schemeClr val="tx1"/>
+                </a:solidFill>
+                <a:latin typeface="+mj-lt"/>
+                <a:ea typeface="+mj-ea"/>
+                <a:cs typeface="+mj-cs"/>
+              </a:defRPr>
+            </a:lvl1pPr>
+          </a:lstStyle>
+          <a:p>
+            <a:pPr algn="ctr"/>
+            <a:r>
+              <a:rPr lang="en-GB" sz="1600" dirty="0">
+                <a:solidFill>
+                  <a:schemeClr val="tx1">
+                    <a:lumMod val="85000"/>
+                    <a:lumOff val="15000"/>
+                  </a:schemeClr>
+                </a:solidFill>
+                <a:latin typeface="Segoe UI" panose="020B0502040204020203" pitchFamily="34" charset="0"/>
+                <a:cs typeface="Segoe UI" panose="020B0502040204020203" pitchFamily="34" charset="0"/>
+              </a:rPr>
+              <a:t>Plant 1 and plant 2 have the same number of inverters but the DC power produced is around 10 times higher for plant 1. It is suspected that DC power generation in plant 1 is not measured correctly or artificially scaled up.</a:t>
+            </a:r>
+          </a:p>
+        </p:txBody>
+      </p:sp>
+      <p:sp>
+        <p:nvSpPr>
+          <p:cNvPr id="36" name="Footer Placeholder 3">
+            <a:extLst>
+              <a:ext uri="{FF2B5EF4-FFF2-40B4-BE49-F238E27FC236}">
+                <a16:creationId xmlns:a16="http://schemas.microsoft.com/office/drawing/2014/main" id="{92C304AB-2B9B-4CA1-99BE-25B3FC3D23DD}"/>
+              </a:ext>
+            </a:extLst>
+          </p:cNvPr>
+          <p:cNvSpPr>
+            <a:spLocks noGrp="1"/>
+          </p:cNvSpPr>
+          <p:nvPr>
+            <p:ph type="ftr" sz="quarter" idx="11"/>
+          </p:nvPr>
+        </p:nvSpPr>
+        <p:spPr>
+          <a:xfrm>
+            <a:off x="838199" y="6356349"/>
+            <a:ext cx="5097087" cy="365125"/>
+          </a:xfrm>
+        </p:spPr>
+        <p:txBody>
+          <a:bodyPr/>
+          <a:lstStyle/>
+          <a:p>
+            <a:r>
+              <a:rPr lang="en-GB" dirty="0"/>
+              <a:t>Solar power plant – Data science project – Luis Castrillo</a:t>
+            </a:r>
+          </a:p>
+        </p:txBody>
+      </p:sp>
+      <p:pic>
+        <p:nvPicPr>
+          <p:cNvPr id="8" name="Picture 7">
+            <a:extLst>
+              <a:ext uri="{FF2B5EF4-FFF2-40B4-BE49-F238E27FC236}">
+                <a16:creationId xmlns:a16="http://schemas.microsoft.com/office/drawing/2014/main" id="{03748C54-2BAF-43C5-B861-6A43351EAF97}"/>
+              </a:ext>
+            </a:extLst>
+          </p:cNvPr>
+          <p:cNvPicPr>
+            <a:picLocks noChangeAspect="1"/>
+          </p:cNvPicPr>
+          <p:nvPr/>
+        </p:nvPicPr>
+        <p:blipFill>
+          <a:blip r:embed="rId2"/>
+          <a:stretch>
+            <a:fillRect/>
+          </a:stretch>
+        </p:blipFill>
+        <p:spPr>
+          <a:xfrm>
+            <a:off x="952870" y="1688486"/>
+            <a:ext cx="10037686" cy="3577446"/>
+          </a:xfrm>
+          <a:prstGeom prst="rect">
+            <a:avLst/>
+          </a:prstGeom>
+        </p:spPr>
+      </p:pic>
+      <p:sp>
+        <p:nvSpPr>
+          <p:cNvPr id="37" name="Title 1">
+            <a:extLst>
+              <a:ext uri="{FF2B5EF4-FFF2-40B4-BE49-F238E27FC236}">
+                <a16:creationId xmlns:a16="http://schemas.microsoft.com/office/drawing/2014/main" id="{C1D0EA0A-3103-4024-89C8-3C36989B39AD}"/>
+              </a:ext>
+            </a:extLst>
+          </p:cNvPr>
+          <p:cNvSpPr txBox="1">
+            <a:spLocks/>
+          </p:cNvSpPr>
+          <p:nvPr/>
+        </p:nvSpPr>
+        <p:spPr>
+          <a:xfrm>
+            <a:off x="4510930" y="1299528"/>
+            <a:ext cx="4192772" cy="511606"/>
+          </a:xfrm>
+          <a:prstGeom prst="rect">
+            <a:avLst/>
+          </a:prstGeom>
+        </p:spPr>
+        <p:txBody>
+          <a:bodyPr vert="horz" lIns="91440" tIns="45720" rIns="91440" bIns="45720" rtlCol="0" anchor="ctr">
+            <a:noAutofit/>
+          </a:bodyPr>
+          <a:lstStyle>
+            <a:lvl1pPr algn="l" defTabSz="914400" rtl="0" eaLnBrk="1" latinLnBrk="0" hangingPunct="1">
+              <a:lnSpc>
+                <a:spcPct val="90000"/>
+              </a:lnSpc>
+              <a:spcBef>
+                <a:spcPct val="0"/>
+              </a:spcBef>
+              <a:buNone/>
+              <a:defRPr sz="4400" kern="1200">
+                <a:solidFill>
+                  <a:schemeClr val="tx1"/>
+                </a:solidFill>
+                <a:latin typeface="+mj-lt"/>
+                <a:ea typeface="+mj-ea"/>
+                <a:cs typeface="+mj-cs"/>
+              </a:defRPr>
+            </a:lvl1pPr>
+          </a:lstStyle>
+          <a:p>
+            <a:r>
+              <a:rPr lang="en-GB" sz="1200" i="1" dirty="0">
+                <a:solidFill>
+                  <a:schemeClr val="tx1">
+                    <a:lumMod val="75000"/>
+                    <a:lumOff val="25000"/>
+                  </a:schemeClr>
+                </a:solidFill>
+                <a:latin typeface="Segoe UI" panose="020B0502040204020203" pitchFamily="34" charset="0"/>
+                <a:cs typeface="Segoe UI" panose="020B0502040204020203" pitchFamily="34" charset="0"/>
+              </a:rPr>
+              <a:t>Mean hourly DC power generation by day [kW]</a:t>
+            </a:r>
+          </a:p>
+        </p:txBody>
+      </p:sp>
+      <p:cxnSp>
+        <p:nvCxnSpPr>
+          <p:cNvPr id="38" name="Conector recto 17">
+            <a:extLst>
+              <a:ext uri="{FF2B5EF4-FFF2-40B4-BE49-F238E27FC236}">
+                <a16:creationId xmlns:a16="http://schemas.microsoft.com/office/drawing/2014/main" id="{3E02804A-6262-4C1A-9BCB-BE2825EC8B89}"/>
+              </a:ext>
+            </a:extLst>
+          </p:cNvPr>
+          <p:cNvCxnSpPr>
+            <a:cxnSpLocks/>
+          </p:cNvCxnSpPr>
+          <p:nvPr/>
+        </p:nvCxnSpPr>
+        <p:spPr>
+          <a:xfrm flipV="1">
+            <a:off x="4510930" y="1688486"/>
+            <a:ext cx="3186648" cy="1"/>
+          </a:xfrm>
+          <a:prstGeom prst="line">
+            <a:avLst/>
+          </a:prstGeom>
+          <a:ln>
+            <a:solidFill>
+              <a:schemeClr val="bg1">
+                <a:lumMod val="75000"/>
+              </a:schemeClr>
+            </a:solidFill>
+          </a:ln>
+        </p:spPr>
+        <p:style>
+          <a:lnRef idx="1">
+            <a:schemeClr val="accent1"/>
+          </a:lnRef>
+          <a:fillRef idx="0">
+            <a:schemeClr val="accent1"/>
+          </a:fillRef>
+          <a:effectRef idx="0">
+            <a:schemeClr val="accent1"/>
+          </a:effectRef>
+          <a:fontRef idx="minor">
+            <a:schemeClr val="tx1"/>
+          </a:fontRef>
+        </p:style>
+      </p:cxnSp>
+      <p:sp>
+        <p:nvSpPr>
+          <p:cNvPr id="39" name="Elipse 24">
+            <a:extLst>
+              <a:ext uri="{FF2B5EF4-FFF2-40B4-BE49-F238E27FC236}">
+                <a16:creationId xmlns:a16="http://schemas.microsoft.com/office/drawing/2014/main" id="{5B158318-3B62-4AD7-A27D-773003F4A10A}"/>
+              </a:ext>
+            </a:extLst>
+          </p:cNvPr>
+          <p:cNvSpPr/>
+          <p:nvPr/>
+        </p:nvSpPr>
+        <p:spPr>
+          <a:xfrm>
+            <a:off x="1283783" y="1763213"/>
+            <a:ext cx="1700864" cy="314231"/>
+          </a:xfrm>
+          <a:prstGeom prst="ellipse">
+            <a:avLst/>
+          </a:prstGeom>
           <a:noFill/>
-          <a:ln w="3175">
+          <a:ln w="9525" cap="flat" cmpd="sng" algn="ctr">
             <a:solidFill>
               <a:schemeClr val="tx1">
-                <a:lumMod val="50000"/>
-                <a:lumOff val="50000"/>
+                <a:lumMod val="75000"/>
+                <a:lumOff val="25000"/>
               </a:schemeClr>
+            </a:solidFill>
+            <a:prstDash val="solid"/>
+            <a:round/>
+            <a:headEnd type="none" w="med" len="med"/>
+            <a:tailEnd type="none" w="med" len="med"/>
+          </a:ln>
+        </p:spPr>
+        <p:style>
+          <a:lnRef idx="0">
+            <a:scrgbClr r="0" g="0" b="0"/>
+          </a:lnRef>
+          <a:fillRef idx="0">
+            <a:scrgbClr r="0" g="0" b="0"/>
+          </a:fillRef>
+          <a:effectRef idx="0">
+            <a:scrgbClr r="0" g="0" b="0"/>
+          </a:effectRef>
+          <a:fontRef idx="minor">
+            <a:schemeClr val="dk1"/>
+          </a:fontRef>
+        </p:style>
+        <p:txBody>
+          <a:bodyPr rtlCol="0" anchor="ctr"/>
+          <a:lstStyle/>
+          <a:p>
+            <a:pPr algn="ctr"/>
+            <a:r>
+              <a:rPr lang="es-ES" sz="1600" dirty="0">
+                <a:solidFill>
+                  <a:schemeClr val="tx1">
+                    <a:lumMod val="75000"/>
+                    <a:lumOff val="25000"/>
+                  </a:schemeClr>
+                </a:solidFill>
+              </a:rPr>
+              <a:t>10,000 kW</a:t>
+            </a:r>
+          </a:p>
+        </p:txBody>
+      </p:sp>
+      <p:pic>
+        <p:nvPicPr>
+          <p:cNvPr id="10" name="Picture 9">
+            <a:extLst>
+              <a:ext uri="{FF2B5EF4-FFF2-40B4-BE49-F238E27FC236}">
+                <a16:creationId xmlns:a16="http://schemas.microsoft.com/office/drawing/2014/main" id="{937A9EFA-B805-4239-B90D-3CF3D10930A7}"/>
+              </a:ext>
+            </a:extLst>
+          </p:cNvPr>
+          <p:cNvPicPr>
+            <a:picLocks noChangeAspect="1"/>
+          </p:cNvPicPr>
+          <p:nvPr/>
+        </p:nvPicPr>
+        <p:blipFill>
+          <a:blip r:embed="rId3"/>
+          <a:stretch>
+            <a:fillRect/>
+          </a:stretch>
+        </p:blipFill>
+        <p:spPr>
+          <a:xfrm>
+            <a:off x="6222798" y="1699437"/>
+            <a:ext cx="4759912" cy="3544066"/>
+          </a:xfrm>
+          <a:prstGeom prst="rect">
+            <a:avLst/>
+          </a:prstGeom>
+        </p:spPr>
+      </p:pic>
+      <p:sp>
+        <p:nvSpPr>
+          <p:cNvPr id="42" name="Elipse 24">
+            <a:extLst>
+              <a:ext uri="{FF2B5EF4-FFF2-40B4-BE49-F238E27FC236}">
+                <a16:creationId xmlns:a16="http://schemas.microsoft.com/office/drawing/2014/main" id="{BA1BE6F5-E274-4382-8A3A-1B307F63BA79}"/>
+              </a:ext>
+            </a:extLst>
+          </p:cNvPr>
+          <p:cNvSpPr/>
+          <p:nvPr/>
+        </p:nvSpPr>
+        <p:spPr>
+          <a:xfrm>
+            <a:off x="6607316" y="1920329"/>
+            <a:ext cx="1279264" cy="314231"/>
+          </a:xfrm>
+          <a:prstGeom prst="ellipse">
+            <a:avLst/>
+          </a:prstGeom>
+          <a:noFill/>
+          <a:ln w="9525" cap="flat" cmpd="sng" algn="ctr">
+            <a:solidFill>
+              <a:schemeClr val="tx1">
+                <a:lumMod val="75000"/>
+                <a:lumOff val="25000"/>
+              </a:schemeClr>
+            </a:solidFill>
+            <a:prstDash val="solid"/>
+            <a:round/>
+            <a:headEnd type="none" w="med" len="med"/>
+            <a:tailEnd type="none" w="med" len="med"/>
+          </a:ln>
+        </p:spPr>
+        <p:style>
+          <a:lnRef idx="0">
+            <a:scrgbClr r="0" g="0" b="0"/>
+          </a:lnRef>
+          <a:fillRef idx="0">
+            <a:scrgbClr r="0" g="0" b="0"/>
+          </a:fillRef>
+          <a:effectRef idx="0">
+            <a:scrgbClr r="0" g="0" b="0"/>
+          </a:effectRef>
+          <a:fontRef idx="minor">
+            <a:schemeClr val="dk1"/>
+          </a:fontRef>
+        </p:style>
+        <p:txBody>
+          <a:bodyPr rtlCol="0" anchor="ctr"/>
+          <a:lstStyle/>
+          <a:p>
+            <a:pPr algn="ctr"/>
+            <a:r>
+              <a:rPr lang="es-ES" sz="1600" dirty="0">
+                <a:solidFill>
+                  <a:schemeClr val="tx1">
+                    <a:lumMod val="75000"/>
+                    <a:lumOff val="25000"/>
+                  </a:schemeClr>
+                </a:solidFill>
+              </a:rPr>
+              <a:t>600 kW</a:t>
+            </a:r>
+          </a:p>
+        </p:txBody>
+      </p:sp>
+      <p:sp>
+        <p:nvSpPr>
+          <p:cNvPr id="43" name="Title 1">
+            <a:extLst>
+              <a:ext uri="{FF2B5EF4-FFF2-40B4-BE49-F238E27FC236}">
+                <a16:creationId xmlns:a16="http://schemas.microsoft.com/office/drawing/2014/main" id="{F06DED19-D785-4B7D-840A-2A659D6053E9}"/>
+              </a:ext>
+            </a:extLst>
+          </p:cNvPr>
+          <p:cNvSpPr txBox="1">
+            <a:spLocks/>
+          </p:cNvSpPr>
+          <p:nvPr/>
+        </p:nvSpPr>
+        <p:spPr>
+          <a:xfrm>
+            <a:off x="1288442" y="1296140"/>
+            <a:ext cx="878341" cy="511606"/>
+          </a:xfrm>
+          <a:prstGeom prst="rect">
+            <a:avLst/>
+          </a:prstGeom>
+        </p:spPr>
+        <p:txBody>
+          <a:bodyPr vert="horz" lIns="91440" tIns="45720" rIns="91440" bIns="45720" rtlCol="0" anchor="ctr">
+            <a:noAutofit/>
+          </a:bodyPr>
+          <a:lstStyle>
+            <a:lvl1pPr algn="l" defTabSz="914400" rtl="0" eaLnBrk="1" latinLnBrk="0" hangingPunct="1">
+              <a:lnSpc>
+                <a:spcPct val="90000"/>
+              </a:lnSpc>
+              <a:spcBef>
+                <a:spcPct val="0"/>
+              </a:spcBef>
+              <a:buNone/>
+              <a:defRPr sz="4400" kern="1200">
+                <a:solidFill>
+                  <a:schemeClr val="tx1"/>
+                </a:solidFill>
+                <a:latin typeface="+mj-lt"/>
+                <a:ea typeface="+mj-ea"/>
+                <a:cs typeface="+mj-cs"/>
+              </a:defRPr>
+            </a:lvl1pPr>
+          </a:lstStyle>
+          <a:p>
+            <a:r>
+              <a:rPr lang="en-GB" sz="1400" i="1" dirty="0">
+                <a:solidFill>
+                  <a:schemeClr val="tx1">
+                    <a:lumMod val="75000"/>
+                    <a:lumOff val="25000"/>
+                  </a:schemeClr>
+                </a:solidFill>
+                <a:latin typeface="Segoe UI" panose="020B0502040204020203" pitchFamily="34" charset="0"/>
+                <a:cs typeface="Segoe UI" panose="020B0502040204020203" pitchFamily="34" charset="0"/>
+              </a:rPr>
+              <a:t>PLANT 1</a:t>
+            </a:r>
+          </a:p>
+        </p:txBody>
+      </p:sp>
+      <p:sp>
+        <p:nvSpPr>
+          <p:cNvPr id="44" name="Title 1">
+            <a:extLst>
+              <a:ext uri="{FF2B5EF4-FFF2-40B4-BE49-F238E27FC236}">
+                <a16:creationId xmlns:a16="http://schemas.microsoft.com/office/drawing/2014/main" id="{8413B3CF-A93D-48E7-8D07-7A45C4AE97F2}"/>
+              </a:ext>
+            </a:extLst>
+          </p:cNvPr>
+          <p:cNvSpPr txBox="1">
+            <a:spLocks/>
+          </p:cNvSpPr>
+          <p:nvPr/>
+        </p:nvSpPr>
+        <p:spPr>
+          <a:xfrm>
+            <a:off x="9676968" y="1290704"/>
+            <a:ext cx="878341" cy="511606"/>
+          </a:xfrm>
+          <a:prstGeom prst="rect">
+            <a:avLst/>
+          </a:prstGeom>
+        </p:spPr>
+        <p:txBody>
+          <a:bodyPr vert="horz" lIns="91440" tIns="45720" rIns="91440" bIns="45720" rtlCol="0" anchor="ctr">
+            <a:noAutofit/>
+          </a:bodyPr>
+          <a:lstStyle>
+            <a:lvl1pPr algn="l" defTabSz="914400" rtl="0" eaLnBrk="1" latinLnBrk="0" hangingPunct="1">
+              <a:lnSpc>
+                <a:spcPct val="90000"/>
+              </a:lnSpc>
+              <a:spcBef>
+                <a:spcPct val="0"/>
+              </a:spcBef>
+              <a:buNone/>
+              <a:defRPr sz="4400" kern="1200">
+                <a:solidFill>
+                  <a:schemeClr val="tx1"/>
+                </a:solidFill>
+                <a:latin typeface="+mj-lt"/>
+                <a:ea typeface="+mj-ea"/>
+                <a:cs typeface="+mj-cs"/>
+              </a:defRPr>
+            </a:lvl1pPr>
+          </a:lstStyle>
+          <a:p>
+            <a:r>
+              <a:rPr lang="en-GB" sz="1400" i="1" dirty="0">
+                <a:solidFill>
+                  <a:schemeClr val="tx1">
+                    <a:lumMod val="75000"/>
+                    <a:lumOff val="25000"/>
+                  </a:schemeClr>
+                </a:solidFill>
+                <a:latin typeface="Segoe UI" panose="020B0502040204020203" pitchFamily="34" charset="0"/>
+                <a:cs typeface="Segoe UI" panose="020B0502040204020203" pitchFamily="34" charset="0"/>
+              </a:rPr>
+              <a:t>PLANT 2</a:t>
+            </a:r>
+          </a:p>
+        </p:txBody>
+      </p:sp>
+    </p:spTree>
+    <p:extLst>
+      <p:ext uri="{BB962C8B-B14F-4D97-AF65-F5344CB8AC3E}">
+        <p14:creationId xmlns:p14="http://schemas.microsoft.com/office/powerpoint/2010/main" val="1257313328"/>
+      </p:ext>
+    </p:extLst>
+  </p:cSld>
+  <p:clrMapOvr>
+    <a:masterClrMapping/>
+  </p:clrMapOvr>
+</p:sld>
+</file>
+
+<file path=ppt/slides/slide8.xml><?xml version="1.0" encoding="utf-8"?>
+<p:sld xmlns:a="http://schemas.openxmlformats.org/drawingml/2006/main" xmlns:r="http://schemas.openxmlformats.org/officeDocument/2006/relationships" xmlns:p="http://schemas.openxmlformats.org/presentationml/2006/main">
+  <p:cSld>
+    <p:spTree>
+      <p:nvGrpSpPr>
+        <p:cNvPr id="1" name=""/>
+        <p:cNvGrpSpPr/>
+        <p:nvPr/>
+      </p:nvGrpSpPr>
+      <p:grpSpPr>
+        <a:xfrm>
+          <a:off x="0" y="0"/>
+          <a:ext cx="0" cy="0"/>
+          <a:chOff x="0" y="0"/>
+          <a:chExt cx="0" cy="0"/>
+        </a:xfrm>
+      </p:grpSpPr>
+      <p:pic>
+        <p:nvPicPr>
+          <p:cNvPr id="7" name="Picture 6">
+            <a:extLst>
+              <a:ext uri="{FF2B5EF4-FFF2-40B4-BE49-F238E27FC236}">
+                <a16:creationId xmlns:a16="http://schemas.microsoft.com/office/drawing/2014/main" id="{360DA466-BC01-40AB-9BAE-773C0EB7CF77}"/>
+              </a:ext>
+            </a:extLst>
+          </p:cNvPr>
+          <p:cNvPicPr>
+            <a:picLocks noChangeAspect="1"/>
+          </p:cNvPicPr>
+          <p:nvPr/>
+        </p:nvPicPr>
+        <p:blipFill>
+          <a:blip r:embed="rId2">
+            <a:extLst>
+              <a:ext uri="{28A0092B-C50C-407E-A947-70E740481C1C}">
+                <a14:useLocalDpi xmlns:a14="http://schemas.microsoft.com/office/drawing/2010/main" val="0"/>
+              </a:ext>
+            </a:extLst>
+          </a:blip>
+          <a:stretch>
+            <a:fillRect/>
+          </a:stretch>
+        </p:blipFill>
+        <p:spPr>
+          <a:xfrm>
+            <a:off x="952870" y="1857388"/>
+            <a:ext cx="4721088" cy="3121274"/>
+          </a:xfrm>
+          <a:prstGeom prst="rect">
+            <a:avLst/>
+          </a:prstGeom>
+        </p:spPr>
+      </p:pic>
+      <p:pic>
+        <p:nvPicPr>
+          <p:cNvPr id="4" name="Picture 3">
+            <a:extLst>
+              <a:ext uri="{FF2B5EF4-FFF2-40B4-BE49-F238E27FC236}">
+                <a16:creationId xmlns:a16="http://schemas.microsoft.com/office/drawing/2014/main" id="{5A6B8502-DABD-443B-A342-648E6FE9A2AA}"/>
+              </a:ext>
+            </a:extLst>
+          </p:cNvPr>
+          <p:cNvPicPr>
+            <a:picLocks noChangeAspect="1"/>
+          </p:cNvPicPr>
+          <p:nvPr/>
+        </p:nvPicPr>
+        <p:blipFill>
+          <a:blip r:embed="rId3">
+            <a:extLst>
+              <a:ext uri="{28A0092B-C50C-407E-A947-70E740481C1C}">
+                <a14:useLocalDpi xmlns:a14="http://schemas.microsoft.com/office/drawing/2010/main" val="0"/>
+              </a:ext>
+            </a:extLst>
+          </a:blip>
+          <a:stretch>
+            <a:fillRect/>
+          </a:stretch>
+        </p:blipFill>
+        <p:spPr>
+          <a:xfrm>
+            <a:off x="6579656" y="1590612"/>
+            <a:ext cx="4792144" cy="3744900"/>
+          </a:xfrm>
+          <a:prstGeom prst="rect">
+            <a:avLst/>
+          </a:prstGeom>
+        </p:spPr>
+      </p:pic>
+      <p:sp>
+        <p:nvSpPr>
+          <p:cNvPr id="2" name="Title 1">
+            <a:extLst>
+              <a:ext uri="{FF2B5EF4-FFF2-40B4-BE49-F238E27FC236}">
+                <a16:creationId xmlns:a16="http://schemas.microsoft.com/office/drawing/2014/main" id="{6521176D-BB93-4C95-B00B-C99ACAD8017C}"/>
+              </a:ext>
+            </a:extLst>
+          </p:cNvPr>
+          <p:cNvSpPr>
+            <a:spLocks noGrp="1"/>
+          </p:cNvSpPr>
+          <p:nvPr>
+            <p:ph type="title"/>
+          </p:nvPr>
+        </p:nvSpPr>
+        <p:spPr>
+          <a:xfrm>
+            <a:off x="838200" y="258593"/>
+            <a:ext cx="10515600" cy="1037547"/>
+          </a:xfrm>
+        </p:spPr>
+        <p:txBody>
+          <a:bodyPr>
+            <a:noAutofit/>
+          </a:bodyPr>
+          <a:lstStyle/>
+          <a:p>
+            <a:r>
+              <a:rPr lang="en-GB" sz="2800" dirty="0">
+                <a:solidFill>
+                  <a:schemeClr val="tx1">
+                    <a:lumMod val="75000"/>
+                    <a:lumOff val="25000"/>
+                  </a:schemeClr>
+                </a:solidFill>
+                <a:latin typeface="Segoe UI" panose="020B0502040204020203" pitchFamily="34" charset="0"/>
+                <a:cs typeface="Segoe UI" panose="020B0502040204020203" pitchFamily="34" charset="0"/>
+              </a:rPr>
+              <a:t>There are some inverters in plant 2 that do not produce DC power 30% of the time during irradiance peak hours</a:t>
+            </a:r>
+          </a:p>
+        </p:txBody>
+      </p:sp>
+      <p:sp>
+        <p:nvSpPr>
+          <p:cNvPr id="5" name="Slide Number Placeholder 4">
+            <a:extLst>
+              <a:ext uri="{FF2B5EF4-FFF2-40B4-BE49-F238E27FC236}">
+                <a16:creationId xmlns:a16="http://schemas.microsoft.com/office/drawing/2014/main" id="{C9986DD4-96D3-4165-8026-B6FC014C8709}"/>
+              </a:ext>
+            </a:extLst>
+          </p:cNvPr>
+          <p:cNvSpPr>
+            <a:spLocks noGrp="1"/>
+          </p:cNvSpPr>
+          <p:nvPr>
+            <p:ph type="sldNum" sz="quarter" idx="12"/>
+          </p:nvPr>
+        </p:nvSpPr>
+        <p:spPr/>
+        <p:txBody>
+          <a:bodyPr/>
+          <a:lstStyle/>
+          <a:p>
+            <a:fld id="{559BD186-C64B-4C7B-BA11-BDC68F4CA722}" type="slidenum">
+              <a:rPr lang="en-GB" smtClean="0"/>
+              <a:pPr/>
+              <a:t>8</a:t>
+            </a:fld>
+            <a:endParaRPr lang="en-GB" dirty="0"/>
+          </a:p>
+        </p:txBody>
+      </p:sp>
+      <p:sp>
+        <p:nvSpPr>
+          <p:cNvPr id="11" name="Title 1">
+            <a:extLst>
+              <a:ext uri="{FF2B5EF4-FFF2-40B4-BE49-F238E27FC236}">
+                <a16:creationId xmlns:a16="http://schemas.microsoft.com/office/drawing/2014/main" id="{918C7622-6908-4E9D-B3FE-E905EE49F4E3}"/>
+              </a:ext>
+            </a:extLst>
+          </p:cNvPr>
+          <p:cNvSpPr txBox="1">
+            <a:spLocks/>
+          </p:cNvSpPr>
+          <p:nvPr/>
+        </p:nvSpPr>
+        <p:spPr>
+          <a:xfrm>
+            <a:off x="952870" y="5406501"/>
+            <a:ext cx="10286260" cy="807870"/>
+          </a:xfrm>
+          <a:prstGeom prst="rect">
+            <a:avLst/>
+          </a:prstGeom>
+          <a:ln>
+            <a:solidFill>
+              <a:schemeClr val="tx1"/>
+            </a:solidFill>
+          </a:ln>
+        </p:spPr>
+        <p:txBody>
+          <a:bodyPr vert="horz" lIns="91440" tIns="45720" rIns="91440" bIns="45720" rtlCol="0" anchor="ctr">
+            <a:noAutofit/>
+          </a:bodyPr>
+          <a:lstStyle>
+            <a:lvl1pPr algn="l" defTabSz="914400" rtl="0" eaLnBrk="1" latinLnBrk="0" hangingPunct="1">
+              <a:lnSpc>
+                <a:spcPct val="90000"/>
+              </a:lnSpc>
+              <a:spcBef>
+                <a:spcPct val="0"/>
+              </a:spcBef>
+              <a:buNone/>
+              <a:defRPr sz="4400" kern="1200">
+                <a:solidFill>
+                  <a:schemeClr val="tx1"/>
+                </a:solidFill>
+                <a:latin typeface="+mj-lt"/>
+                <a:ea typeface="+mj-ea"/>
+                <a:cs typeface="+mj-cs"/>
+              </a:defRPr>
+            </a:lvl1pPr>
+          </a:lstStyle>
+          <a:p>
+            <a:pPr algn="ctr"/>
+            <a:r>
+              <a:rPr lang="en-GB" sz="1600" dirty="0">
+                <a:solidFill>
+                  <a:schemeClr val="tx1">
+                    <a:lumMod val="85000"/>
+                    <a:lumOff val="15000"/>
+                  </a:schemeClr>
+                </a:solidFill>
+                <a:latin typeface="Segoe UI" panose="020B0502040204020203" pitchFamily="34" charset="0"/>
+                <a:cs typeface="Segoe UI" panose="020B0502040204020203" pitchFamily="34" charset="0"/>
+              </a:rPr>
+              <a:t>It is highly suggested to check those inverters from plant 2 in the next maintenance check.</a:t>
+            </a:r>
+          </a:p>
+        </p:txBody>
+      </p:sp>
+      <p:sp>
+        <p:nvSpPr>
+          <p:cNvPr id="36" name="Footer Placeholder 3">
+            <a:extLst>
+              <a:ext uri="{FF2B5EF4-FFF2-40B4-BE49-F238E27FC236}">
+                <a16:creationId xmlns:a16="http://schemas.microsoft.com/office/drawing/2014/main" id="{92C304AB-2B9B-4CA1-99BE-25B3FC3D23DD}"/>
+              </a:ext>
+            </a:extLst>
+          </p:cNvPr>
+          <p:cNvSpPr>
+            <a:spLocks noGrp="1"/>
+          </p:cNvSpPr>
+          <p:nvPr>
+            <p:ph type="ftr" sz="quarter" idx="11"/>
+          </p:nvPr>
+        </p:nvSpPr>
+        <p:spPr>
+          <a:xfrm>
+            <a:off x="838199" y="6356349"/>
+            <a:ext cx="5097087" cy="365125"/>
+          </a:xfrm>
+        </p:spPr>
+        <p:txBody>
+          <a:bodyPr/>
+          <a:lstStyle/>
+          <a:p>
+            <a:r>
+              <a:rPr lang="en-GB" dirty="0"/>
+              <a:t>Solar power plant – Data science project – Luis Castrillo</a:t>
+            </a:r>
+          </a:p>
+        </p:txBody>
+      </p:sp>
+      <p:sp>
+        <p:nvSpPr>
+          <p:cNvPr id="37" name="Title 1">
+            <a:extLst>
+              <a:ext uri="{FF2B5EF4-FFF2-40B4-BE49-F238E27FC236}">
+                <a16:creationId xmlns:a16="http://schemas.microsoft.com/office/drawing/2014/main" id="{C1D0EA0A-3103-4024-89C8-3C36989B39AD}"/>
+              </a:ext>
+            </a:extLst>
+          </p:cNvPr>
+          <p:cNvSpPr txBox="1">
+            <a:spLocks/>
+          </p:cNvSpPr>
+          <p:nvPr/>
+        </p:nvSpPr>
+        <p:spPr>
+          <a:xfrm>
+            <a:off x="1142916" y="1407458"/>
+            <a:ext cx="4650179" cy="511606"/>
+          </a:xfrm>
+          <a:prstGeom prst="rect">
+            <a:avLst/>
+          </a:prstGeom>
+        </p:spPr>
+        <p:txBody>
+          <a:bodyPr vert="horz" lIns="91440" tIns="45720" rIns="91440" bIns="45720" rtlCol="0" anchor="ctr">
+            <a:noAutofit/>
+          </a:bodyPr>
+          <a:lstStyle>
+            <a:lvl1pPr algn="l" defTabSz="914400" rtl="0" eaLnBrk="1" latinLnBrk="0" hangingPunct="1">
+              <a:lnSpc>
+                <a:spcPct val="90000"/>
+              </a:lnSpc>
+              <a:spcBef>
+                <a:spcPct val="0"/>
+              </a:spcBef>
+              <a:buNone/>
+              <a:defRPr sz="4400" kern="1200">
+                <a:solidFill>
+                  <a:schemeClr val="tx1"/>
+                </a:solidFill>
+                <a:latin typeface="+mj-lt"/>
+                <a:ea typeface="+mj-ea"/>
+                <a:cs typeface="+mj-cs"/>
+              </a:defRPr>
+            </a:lvl1pPr>
+          </a:lstStyle>
+          <a:p>
+            <a:r>
+              <a:rPr lang="en-GB" sz="1200" i="1" dirty="0">
+                <a:solidFill>
+                  <a:schemeClr val="tx1">
+                    <a:lumMod val="75000"/>
+                    <a:lumOff val="25000"/>
+                  </a:schemeClr>
+                </a:solidFill>
+                <a:latin typeface="Segoe UI" panose="020B0502040204020203" pitchFamily="34" charset="0"/>
+                <a:cs typeface="Segoe UI" panose="020B0502040204020203" pitchFamily="34" charset="0"/>
+              </a:rPr>
+              <a:t>Mean inverters’ efficiency [%] distribution between 09:00 and 15:00 </a:t>
+            </a:r>
+          </a:p>
+        </p:txBody>
+      </p:sp>
+      <p:cxnSp>
+        <p:nvCxnSpPr>
+          <p:cNvPr id="38" name="Conector recto 17">
+            <a:extLst>
+              <a:ext uri="{FF2B5EF4-FFF2-40B4-BE49-F238E27FC236}">
+                <a16:creationId xmlns:a16="http://schemas.microsoft.com/office/drawing/2014/main" id="{3E02804A-6262-4C1A-9BCB-BE2825EC8B89}"/>
+              </a:ext>
+            </a:extLst>
+          </p:cNvPr>
+          <p:cNvCxnSpPr>
+            <a:cxnSpLocks/>
+          </p:cNvCxnSpPr>
+          <p:nvPr/>
+        </p:nvCxnSpPr>
+        <p:spPr>
+          <a:xfrm>
+            <a:off x="1262054" y="1776627"/>
+            <a:ext cx="4411904" cy="9772"/>
+          </a:xfrm>
+          <a:prstGeom prst="line">
+            <a:avLst/>
+          </a:prstGeom>
+          <a:ln>
+            <a:solidFill>
+              <a:schemeClr val="bg1">
+                <a:lumMod val="75000"/>
+              </a:schemeClr>
+            </a:solidFill>
+          </a:ln>
+        </p:spPr>
+        <p:style>
+          <a:lnRef idx="1">
+            <a:schemeClr val="accent1"/>
+          </a:lnRef>
+          <a:fillRef idx="0">
+            <a:schemeClr val="accent1"/>
+          </a:fillRef>
+          <a:effectRef idx="0">
+            <a:schemeClr val="accent1"/>
+          </a:effectRef>
+          <a:fontRef idx="minor">
+            <a:schemeClr val="tx1"/>
+          </a:fontRef>
+        </p:style>
+      </p:cxnSp>
+      <p:sp>
+        <p:nvSpPr>
+          <p:cNvPr id="43" name="Title 1">
+            <a:extLst>
+              <a:ext uri="{FF2B5EF4-FFF2-40B4-BE49-F238E27FC236}">
+                <a16:creationId xmlns:a16="http://schemas.microsoft.com/office/drawing/2014/main" id="{F06DED19-D785-4B7D-840A-2A659D6053E9}"/>
+              </a:ext>
+            </a:extLst>
+          </p:cNvPr>
+          <p:cNvSpPr txBox="1">
+            <a:spLocks/>
+          </p:cNvSpPr>
+          <p:nvPr/>
+        </p:nvSpPr>
+        <p:spPr>
+          <a:xfrm>
+            <a:off x="1405235" y="1980526"/>
+            <a:ext cx="878341" cy="511606"/>
+          </a:xfrm>
+          <a:prstGeom prst="rect">
+            <a:avLst/>
+          </a:prstGeom>
+        </p:spPr>
+        <p:txBody>
+          <a:bodyPr vert="horz" lIns="91440" tIns="45720" rIns="91440" bIns="45720" rtlCol="0" anchor="ctr">
+            <a:noAutofit/>
+          </a:bodyPr>
+          <a:lstStyle>
+            <a:lvl1pPr algn="l" defTabSz="914400" rtl="0" eaLnBrk="1" latinLnBrk="0" hangingPunct="1">
+              <a:lnSpc>
+                <a:spcPct val="90000"/>
+              </a:lnSpc>
+              <a:spcBef>
+                <a:spcPct val="0"/>
+              </a:spcBef>
+              <a:buNone/>
+              <a:defRPr sz="4400" kern="1200">
+                <a:solidFill>
+                  <a:schemeClr val="tx1"/>
+                </a:solidFill>
+                <a:latin typeface="+mj-lt"/>
+                <a:ea typeface="+mj-ea"/>
+                <a:cs typeface="+mj-cs"/>
+              </a:defRPr>
+            </a:lvl1pPr>
+          </a:lstStyle>
+          <a:p>
+            <a:r>
+              <a:rPr lang="en-GB" sz="1400" i="1" dirty="0">
+                <a:solidFill>
+                  <a:schemeClr val="tx1">
+                    <a:lumMod val="75000"/>
+                    <a:lumOff val="25000"/>
+                  </a:schemeClr>
+                </a:solidFill>
+                <a:latin typeface="Segoe UI" panose="020B0502040204020203" pitchFamily="34" charset="0"/>
+                <a:cs typeface="Segoe UI" panose="020B0502040204020203" pitchFamily="34" charset="0"/>
+              </a:rPr>
+              <a:t>PLANT 2</a:t>
+            </a:r>
+          </a:p>
+        </p:txBody>
+      </p:sp>
+      <p:cxnSp>
+        <p:nvCxnSpPr>
+          <p:cNvPr id="15" name="Straight Arrow Connector 14">
+            <a:extLst>
+              <a:ext uri="{FF2B5EF4-FFF2-40B4-BE49-F238E27FC236}">
+                <a16:creationId xmlns:a16="http://schemas.microsoft.com/office/drawing/2014/main" id="{3A26EF93-01CE-454E-A7D2-52CD6D6E1957}"/>
+              </a:ext>
+            </a:extLst>
+          </p:cNvPr>
+          <p:cNvCxnSpPr>
+            <a:cxnSpLocks/>
+          </p:cNvCxnSpPr>
+          <p:nvPr/>
+        </p:nvCxnSpPr>
+        <p:spPr>
+          <a:xfrm flipV="1">
+            <a:off x="2823099" y="3232707"/>
+            <a:ext cx="3632188" cy="1010819"/>
+          </a:xfrm>
+          <a:prstGeom prst="straightConnector1">
+            <a:avLst/>
+          </a:prstGeom>
+          <a:ln>
+            <a:solidFill>
+              <a:srgbClr val="FF0000"/>
+            </a:solidFill>
+            <a:tailEnd type="triangle"/>
+          </a:ln>
+        </p:spPr>
+        <p:style>
+          <a:lnRef idx="1">
+            <a:schemeClr val="accent1"/>
+          </a:lnRef>
+          <a:fillRef idx="0">
+            <a:schemeClr val="accent1"/>
+          </a:fillRef>
+          <a:effectRef idx="0">
+            <a:schemeClr val="accent1"/>
+          </a:effectRef>
+          <a:fontRef idx="minor">
+            <a:schemeClr val="tx1"/>
+          </a:fontRef>
+        </p:style>
+      </p:cxnSp>
+      <p:sp>
+        <p:nvSpPr>
+          <p:cNvPr id="16" name="Oval 15">
+            <a:extLst>
+              <a:ext uri="{FF2B5EF4-FFF2-40B4-BE49-F238E27FC236}">
+                <a16:creationId xmlns:a16="http://schemas.microsoft.com/office/drawing/2014/main" id="{9CCD116A-B897-4102-858C-DB271C875C28}"/>
+              </a:ext>
+            </a:extLst>
+          </p:cNvPr>
+          <p:cNvSpPr/>
+          <p:nvPr/>
+        </p:nvSpPr>
+        <p:spPr>
+          <a:xfrm>
+            <a:off x="2059619" y="3941685"/>
+            <a:ext cx="763480" cy="736847"/>
+          </a:xfrm>
+          <a:prstGeom prst="ellipse">
+            <a:avLst/>
+          </a:prstGeom>
+          <a:noFill/>
+          <a:ln>
+            <a:solidFill>
+              <a:srgbClr val="FF0000"/>
             </a:solidFill>
           </a:ln>
         </p:spPr>
@@ -7387,84 +8139,153 @@
           <a:lstStyle/>
           <a:p>
             <a:pPr algn="ctr"/>
-            <a:r>
-              <a:rPr lang="es-ES" sz="1200" b="1" dirty="0">
-                <a:solidFill>
-                  <a:schemeClr val="tx1"/>
-                </a:solidFill>
+            <a:endParaRPr lang="en-GB"/>
+          </a:p>
+        </p:txBody>
+      </p:sp>
+    </p:spTree>
+    <p:extLst>
+      <p:ext uri="{BB962C8B-B14F-4D97-AF65-F5344CB8AC3E}">
+        <p14:creationId xmlns:p14="http://schemas.microsoft.com/office/powerpoint/2010/main" val="3011237564"/>
+      </p:ext>
+    </p:extLst>
+  </p:cSld>
+  <p:clrMapOvr>
+    <a:masterClrMapping/>
+  </p:clrMapOvr>
+</p:sld>
+</file>
+
+<file path=ppt/slides/slide9.xml><?xml version="1.0" encoding="utf-8"?>
+<p:sld xmlns:a="http://schemas.openxmlformats.org/drawingml/2006/main" xmlns:r="http://schemas.openxmlformats.org/officeDocument/2006/relationships" xmlns:p="http://schemas.openxmlformats.org/presentationml/2006/main">
+  <p:cSld>
+    <p:spTree>
+      <p:nvGrpSpPr>
+        <p:cNvPr id="1" name=""/>
+        <p:cNvGrpSpPr/>
+        <p:nvPr/>
+      </p:nvGrpSpPr>
+      <p:grpSpPr>
+        <a:xfrm>
+          <a:off x="0" y="0"/>
+          <a:ext cx="0" cy="0"/>
+          <a:chOff x="0" y="0"/>
+          <a:chExt cx="0" cy="0"/>
+        </a:xfrm>
+      </p:grpSpPr>
+      <p:sp>
+        <p:nvSpPr>
+          <p:cNvPr id="2" name="Title 1">
+            <a:extLst>
+              <a:ext uri="{FF2B5EF4-FFF2-40B4-BE49-F238E27FC236}">
+                <a16:creationId xmlns:a16="http://schemas.microsoft.com/office/drawing/2014/main" id="{6521176D-BB93-4C95-B00B-C99ACAD8017C}"/>
+              </a:ext>
+            </a:extLst>
+          </p:cNvPr>
+          <p:cNvSpPr>
+            <a:spLocks noGrp="1"/>
+          </p:cNvSpPr>
+          <p:nvPr>
+            <p:ph type="title"/>
+          </p:nvPr>
+        </p:nvSpPr>
+        <p:spPr>
+          <a:xfrm>
+            <a:off x="838200" y="258593"/>
+            <a:ext cx="10515600" cy="1037547"/>
+          </a:xfrm>
+        </p:spPr>
+        <p:txBody>
+          <a:bodyPr>
+            <a:noAutofit/>
+          </a:bodyPr>
+          <a:lstStyle/>
+          <a:p>
+            <a:r>
+              <a:rPr lang="en-GB" sz="2800" dirty="0">
+                <a:solidFill>
+                  <a:schemeClr val="tx1">
+                    <a:lumMod val="75000"/>
+                    <a:lumOff val="25000"/>
+                  </a:schemeClr>
+                </a:solidFill>
+                <a:latin typeface="Segoe UI" panose="020B0502040204020203" pitchFamily="34" charset="0"/>
+                <a:cs typeface="Segoe UI" panose="020B0502040204020203" pitchFamily="34" charset="0"/>
               </a:rPr>
-              <a:t>ACTION #1: </a:t>
-            </a:r>
-            <a:r>
-              <a:rPr lang="es-ES" sz="1200" dirty="0" err="1">
-                <a:solidFill>
-                  <a:schemeClr val="tx1"/>
-                </a:solidFill>
-              </a:rPr>
-              <a:t>Overall</a:t>
-            </a:r>
-            <a:r>
-              <a:rPr lang="es-ES" sz="1200" dirty="0">
-                <a:solidFill>
-                  <a:schemeClr val="tx1"/>
-                </a:solidFill>
-              </a:rPr>
-              <a:t> data </a:t>
-            </a:r>
-            <a:r>
-              <a:rPr lang="es-ES" sz="1200" dirty="0" err="1">
-                <a:solidFill>
-                  <a:schemeClr val="tx1"/>
-                </a:solidFill>
-              </a:rPr>
-              <a:t>acquisition</a:t>
-            </a:r>
-            <a:r>
-              <a:rPr lang="es-ES" sz="1200" dirty="0">
-                <a:solidFill>
-                  <a:schemeClr val="tx1"/>
-                </a:solidFill>
-              </a:rPr>
-              <a:t> </a:t>
-            </a:r>
-            <a:r>
-              <a:rPr lang="es-ES" sz="1200" dirty="0" err="1">
-                <a:solidFill>
-                  <a:schemeClr val="tx1"/>
-                </a:solidFill>
-              </a:rPr>
-              <a:t>process</a:t>
-            </a:r>
-            <a:r>
-              <a:rPr lang="es-ES" sz="1200" dirty="0">
-                <a:solidFill>
-                  <a:schemeClr val="tx1"/>
-                </a:solidFill>
-              </a:rPr>
-              <a:t> </a:t>
-            </a:r>
-            <a:r>
-              <a:rPr lang="es-ES" sz="1200" dirty="0" err="1">
-                <a:solidFill>
-                  <a:schemeClr val="tx1"/>
-                </a:solidFill>
-              </a:rPr>
-              <a:t>check</a:t>
-            </a:r>
-            <a:endParaRPr lang="es-ES" sz="1200" dirty="0">
-              <a:solidFill>
-                <a:schemeClr val="tx1"/>
-              </a:solidFill>
-            </a:endParaRPr>
+              <a:t>After carrying out the data analysis, the following action plan is suggested:</a:t>
+            </a:r>
+          </a:p>
+        </p:txBody>
+      </p:sp>
+      <p:sp>
+        <p:nvSpPr>
+          <p:cNvPr id="5" name="Slide Number Placeholder 4">
+            <a:extLst>
+              <a:ext uri="{FF2B5EF4-FFF2-40B4-BE49-F238E27FC236}">
+                <a16:creationId xmlns:a16="http://schemas.microsoft.com/office/drawing/2014/main" id="{C9986DD4-96D3-4165-8026-B6FC014C8709}"/>
+              </a:ext>
+            </a:extLst>
+          </p:cNvPr>
+          <p:cNvSpPr>
+            <a:spLocks noGrp="1"/>
+          </p:cNvSpPr>
+          <p:nvPr>
+            <p:ph type="sldNum" sz="quarter" idx="12"/>
+          </p:nvPr>
+        </p:nvSpPr>
+        <p:spPr/>
+        <p:txBody>
+          <a:bodyPr/>
+          <a:lstStyle/>
+          <a:p>
+            <a:fld id="{559BD186-C64B-4C7B-BA11-BDC68F4CA722}" type="slidenum">
+              <a:rPr lang="en-GB" smtClean="0"/>
+              <a:pPr/>
+              <a:t>9</a:t>
+            </a:fld>
+            <a:endParaRPr lang="en-GB" dirty="0"/>
+          </a:p>
+        </p:txBody>
+      </p:sp>
+      <p:sp>
+        <p:nvSpPr>
+          <p:cNvPr id="36" name="Footer Placeholder 3">
+            <a:extLst>
+              <a:ext uri="{FF2B5EF4-FFF2-40B4-BE49-F238E27FC236}">
+                <a16:creationId xmlns:a16="http://schemas.microsoft.com/office/drawing/2014/main" id="{92C304AB-2B9B-4CA1-99BE-25B3FC3D23DD}"/>
+              </a:ext>
+            </a:extLst>
+          </p:cNvPr>
+          <p:cNvSpPr>
+            <a:spLocks noGrp="1"/>
+          </p:cNvSpPr>
+          <p:nvPr>
+            <p:ph type="ftr" sz="quarter" idx="11"/>
+          </p:nvPr>
+        </p:nvSpPr>
+        <p:spPr>
+          <a:xfrm>
+            <a:off x="838199" y="6356349"/>
+            <a:ext cx="5097087" cy="365125"/>
+          </a:xfrm>
+        </p:spPr>
+        <p:txBody>
+          <a:bodyPr/>
+          <a:lstStyle/>
+          <a:p>
+            <a:r>
+              <a:rPr lang="en-GB" dirty="0"/>
+              <a:t>Solar power plant – Data science project – Luis Castrillo</a:t>
+            </a:r>
           </a:p>
         </p:txBody>
       </p:sp>
       <p:cxnSp>
         <p:nvCxnSpPr>
-          <p:cNvPr id="21" name="Conector recto 24">
-            <a:extLst>
-              <a:ext uri="{FF2B5EF4-FFF2-40B4-BE49-F238E27FC236}">
-                <a16:creationId xmlns:a16="http://schemas.microsoft.com/office/drawing/2014/main" id="{99C1AA27-F45E-4024-B527-F633D05E98D5}"/>
+          <p:cNvPr id="13" name="Conector recto 4">
+            <a:extLst>
+              <a:ext uri="{FF2B5EF4-FFF2-40B4-BE49-F238E27FC236}">
+                <a16:creationId xmlns:a16="http://schemas.microsoft.com/office/drawing/2014/main" id="{BA06443C-B261-4820-B070-CC0025BB2F0A}"/>
               </a:ext>
             </a:extLst>
           </p:cNvPr>
@@ -7475,7 +8296,7 @@
         </p:nvCxnSpPr>
         <p:spPr>
           <a:xfrm flipV="1">
-            <a:off x="4079113" y="1677553"/>
+            <a:off x="1958310" y="1658391"/>
             <a:ext cx="1406124" cy="2"/>
           </a:xfrm>
           <a:prstGeom prst="line">
@@ -7506,10 +8327,10 @@
       </p:cxnSp>
       <p:sp>
         <p:nvSpPr>
-          <p:cNvPr id="22" name="CustomShape 3">
-            <a:extLst>
-              <a:ext uri="{FF2B5EF4-FFF2-40B4-BE49-F238E27FC236}">
-                <a16:creationId xmlns:a16="http://schemas.microsoft.com/office/drawing/2014/main" id="{10C649A7-F468-4D42-997A-B78BB988E4AD}"/>
+          <p:cNvPr id="14" name="CustomShape 3">
+            <a:extLst>
+              <a:ext uri="{FF2B5EF4-FFF2-40B4-BE49-F238E27FC236}">
+                <a16:creationId xmlns:a16="http://schemas.microsoft.com/office/drawing/2014/main" id="{FF003A83-852E-4FD0-BE26-39F53249939F}"/>
               </a:ext>
             </a:extLst>
           </p:cNvPr>
@@ -7518,8 +8339,8 @@
         </p:nvSpPr>
         <p:spPr>
           <a:xfrm>
-            <a:off x="4347685" y="1350621"/>
-            <a:ext cx="1334153" cy="275545"/>
+            <a:off x="2142996" y="1356817"/>
+            <a:ext cx="1099800" cy="275545"/>
           </a:xfrm>
           <a:prstGeom prst="rect">
             <a:avLst/>
@@ -7553,12 +8374,20 @@
               </a:lnSpc>
             </a:pPr>
             <a:r>
+              <a:rPr lang="es-ES" sz="1200" i="1" spc="-1" dirty="0">
+                <a:solidFill>
+                  <a:srgbClr val="000000"/>
+                </a:solidFill>
+              </a:rPr>
+              <a:t>Data </a:t>
+            </a:r>
+            <a:r>
               <a:rPr lang="es-ES" sz="1200" i="1" spc="-1" dirty="0" err="1">
                 <a:solidFill>
                   <a:srgbClr val="000000"/>
                 </a:solidFill>
               </a:rPr>
-              <a:t>Irradiance</a:t>
+              <a:t>quality</a:t>
             </a:r>
             <a:endParaRPr lang="es-ES" sz="1200" spc="-1" dirty="0"/>
           </a:p>
@@ -7566,10 +8395,10 @@
       </p:sp>
       <p:cxnSp>
         <p:nvCxnSpPr>
-          <p:cNvPr id="23" name="Conector recto 26">
-            <a:extLst>
-              <a:ext uri="{FF2B5EF4-FFF2-40B4-BE49-F238E27FC236}">
-                <a16:creationId xmlns:a16="http://schemas.microsoft.com/office/drawing/2014/main" id="{223AABC5-2679-4E10-A911-192FE634D328}"/>
+          <p:cNvPr id="17" name="Conector recto 12">
+            <a:extLst>
+              <a:ext uri="{FF2B5EF4-FFF2-40B4-BE49-F238E27FC236}">
+                <a16:creationId xmlns:a16="http://schemas.microsoft.com/office/drawing/2014/main" id="{C25E758F-3183-41AC-9305-7A9345A6DCB0}"/>
               </a:ext>
             </a:extLst>
           </p:cNvPr>
@@ -7580,8 +8409,8 @@
         </p:nvCxnSpPr>
         <p:spPr>
           <a:xfrm flipV="1">
-            <a:off x="6234928" y="1692674"/>
-            <a:ext cx="1406124" cy="2"/>
+            <a:off x="452239" y="3226262"/>
+            <a:ext cx="9791244" cy="14383"/>
           </a:xfrm>
           <a:prstGeom prst="line">
             <a:avLst/>
@@ -7611,10 +8440,10 @@
       </p:cxnSp>
       <p:sp>
         <p:nvSpPr>
-          <p:cNvPr id="24" name="CustomShape 3">
-            <a:extLst>
-              <a:ext uri="{FF2B5EF4-FFF2-40B4-BE49-F238E27FC236}">
-                <a16:creationId xmlns:a16="http://schemas.microsoft.com/office/drawing/2014/main" id="{D66A8531-9BD4-4B3E-9172-883FB1DC9E77}"/>
+          <p:cNvPr id="18" name="CustomShape 3">
+            <a:extLst>
+              <a:ext uri="{FF2B5EF4-FFF2-40B4-BE49-F238E27FC236}">
+                <a16:creationId xmlns:a16="http://schemas.microsoft.com/office/drawing/2014/main" id="{351FF2C9-53C5-4396-B843-2892A04EB364}"/>
               </a:ext>
             </a:extLst>
           </p:cNvPr>
@@ -7623,8 +8452,8 @@
         </p:nvSpPr>
         <p:spPr>
           <a:xfrm>
-            <a:off x="6461626" y="1365742"/>
-            <a:ext cx="1334153" cy="275545"/>
+            <a:off x="589736" y="2370035"/>
+            <a:ext cx="1368574" cy="306323"/>
           </a:xfrm>
           <a:prstGeom prst="rect">
             <a:avLst/>
@@ -7658,76 +8487,23 @@
               </a:lnSpc>
             </a:pPr>
             <a:r>
-              <a:rPr lang="es-ES" sz="1200" i="1" spc="-1" dirty="0">
+              <a:rPr lang="es-ES" sz="1400" b="1" i="1" spc="-1" dirty="0">
                 <a:solidFill>
                   <a:srgbClr val="000000"/>
                 </a:solidFill>
               </a:rPr>
-              <a:t>DC </a:t>
-            </a:r>
-            <a:r>
-              <a:rPr lang="es-ES" sz="1200" i="1" spc="-1" dirty="0" err="1">
-                <a:solidFill>
-                  <a:srgbClr val="000000"/>
-                </a:solidFill>
-              </a:rPr>
-              <a:t>Production</a:t>
-            </a:r>
-            <a:endParaRPr lang="es-ES" sz="1200" spc="-1" dirty="0"/>
-          </a:p>
-        </p:txBody>
-      </p:sp>
-      <p:cxnSp>
-        <p:nvCxnSpPr>
-          <p:cNvPr id="25" name="Conector recto 28">
-            <a:extLst>
-              <a:ext uri="{FF2B5EF4-FFF2-40B4-BE49-F238E27FC236}">
-                <a16:creationId xmlns:a16="http://schemas.microsoft.com/office/drawing/2014/main" id="{FE3AA214-F818-4081-9115-73BD63036D78}"/>
-              </a:ext>
-            </a:extLst>
-          </p:cNvPr>
-          <p:cNvCxnSpPr>
-            <a:cxnSpLocks/>
-          </p:cNvCxnSpPr>
-          <p:nvPr/>
-        </p:nvCxnSpPr>
-        <p:spPr>
-          <a:xfrm flipV="1">
-            <a:off x="8355731" y="1711836"/>
-            <a:ext cx="1406124" cy="2"/>
-          </a:xfrm>
-          <a:prstGeom prst="line">
-            <a:avLst/>
-          </a:prstGeom>
-          <a:ln>
-            <a:solidFill>
-              <a:schemeClr val="bg1">
-                <a:lumMod val="75000"/>
-              </a:schemeClr>
-            </a:solidFill>
-          </a:ln>
-        </p:spPr>
-        <p:style>
-          <a:lnRef idx="1">
-            <a:schemeClr val="accent1"/>
-          </a:lnRef>
-          <a:fillRef idx="0">
-            <a:schemeClr val="accent1"/>
-          </a:fillRef>
-          <a:effectRef idx="0">
-            <a:schemeClr val="accent1"/>
-          </a:effectRef>
-          <a:fontRef idx="minor">
-            <a:schemeClr val="tx1"/>
-          </a:fontRef>
-        </p:style>
-      </p:cxnSp>
-      <p:sp>
-        <p:nvSpPr>
-          <p:cNvPr id="26" name="CustomShape 3">
-            <a:extLst>
-              <a:ext uri="{FF2B5EF4-FFF2-40B4-BE49-F238E27FC236}">
-                <a16:creationId xmlns:a16="http://schemas.microsoft.com/office/drawing/2014/main" id="{0B61DB0C-9B80-4C64-804C-70437E3DFE9A}"/>
+              <a:t>PLANT 1</a:t>
+            </a:r>
+            <a:endParaRPr lang="es-ES" sz="1400" b="1" spc="-1" dirty="0"/>
+          </a:p>
+        </p:txBody>
+      </p:sp>
+      <p:sp>
+        <p:nvSpPr>
+          <p:cNvPr id="19" name="CustomShape 3">
+            <a:extLst>
+              <a:ext uri="{FF2B5EF4-FFF2-40B4-BE49-F238E27FC236}">
+                <a16:creationId xmlns:a16="http://schemas.microsoft.com/office/drawing/2014/main" id="{8F5C000B-1DE6-478B-A279-500BFE0C0FFD}"/>
               </a:ext>
             </a:extLst>
           </p:cNvPr>
@@ -7736,8 +8512,8 @@
         </p:nvSpPr>
         <p:spPr>
           <a:xfrm>
-            <a:off x="8456783" y="1384904"/>
-            <a:ext cx="1786700" cy="275545"/>
+            <a:off x="589736" y="3638853"/>
+            <a:ext cx="1368574" cy="306323"/>
           </a:xfrm>
           <a:prstGeom prst="rect">
             <a:avLst/>
@@ -7771,415 +8547,23 @@
               </a:lnSpc>
             </a:pPr>
             <a:r>
-              <a:rPr lang="es-ES" sz="1200" i="1" spc="-1" dirty="0" err="1">
+              <a:rPr lang="es-ES" sz="1400" b="1" i="1" spc="-1" dirty="0">
                 <a:solidFill>
                   <a:srgbClr val="000000"/>
                 </a:solidFill>
               </a:rPr>
-              <a:t>Inverters</a:t>
-            </a:r>
-            <a:r>
-              <a:rPr lang="es-ES" sz="1200" i="1" spc="-1" dirty="0">
-                <a:solidFill>
-                  <a:srgbClr val="000000"/>
-                </a:solidFill>
-              </a:rPr>
-              <a:t>’ </a:t>
-            </a:r>
-            <a:r>
-              <a:rPr lang="es-ES" sz="1200" i="1" spc="-1" dirty="0" err="1">
-                <a:solidFill>
-                  <a:srgbClr val="000000"/>
-                </a:solidFill>
-              </a:rPr>
-              <a:t>efficiency</a:t>
-            </a:r>
-            <a:endParaRPr lang="es-ES" sz="1200" spc="-1" dirty="0"/>
-          </a:p>
-        </p:txBody>
-      </p:sp>
-      <p:pic>
-        <p:nvPicPr>
-          <p:cNvPr id="27" name="Picture 2" descr="Check Mark Verified GIF - Check Mark Verified Correct - Descubre &amp; Comparte  GIFs">
-            <a:extLst>
-              <a:ext uri="{FF2B5EF4-FFF2-40B4-BE49-F238E27FC236}">
-                <a16:creationId xmlns:a16="http://schemas.microsoft.com/office/drawing/2014/main" id="{E6F2C776-075C-4478-995E-E7A619BD8F8F}"/>
-              </a:ext>
-            </a:extLst>
-          </p:cNvPr>
-          <p:cNvPicPr>
-            <a:picLocks noChangeAspect="1" noChangeArrowheads="1"/>
-          </p:cNvPicPr>
-          <p:nvPr/>
-        </p:nvPicPr>
-        <p:blipFill>
-          <a:blip r:embed="rId2" cstate="email">
-            <a:extLst>
-              <a:ext uri="{28A0092B-C50C-407E-A947-70E740481C1C}">
-                <a14:useLocalDpi xmlns:a14="http://schemas.microsoft.com/office/drawing/2010/main" val="0"/>
-              </a:ext>
-            </a:extLst>
-          </a:blip>
-          <a:srcRect/>
-          <a:stretch>
-            <a:fillRect/>
-          </a:stretch>
-        </p:blipFill>
-        <p:spPr bwMode="auto">
-          <a:xfrm>
-            <a:off x="4347685" y="2061273"/>
-            <a:ext cx="881062" cy="862012"/>
-          </a:xfrm>
-          <a:prstGeom prst="rect">
-            <a:avLst/>
-          </a:prstGeom>
-          <a:noFill/>
-          <a:extLst>
-            <a:ext uri="{909E8E84-426E-40DD-AFC4-6F175D3DCCD1}">
-              <a14:hiddenFill xmlns:a14="http://schemas.microsoft.com/office/drawing/2010/main">
-                <a:solidFill>
-                  <a:srgbClr val="FFFFFF"/>
-                </a:solidFill>
-              </a14:hiddenFill>
-            </a:ext>
-          </a:extLst>
-        </p:spPr>
-      </p:pic>
-      <p:pic>
-        <p:nvPicPr>
-          <p:cNvPr id="28" name="Picture 2" descr="Check Mark Verified GIF - Check Mark Verified Correct - Descubre &amp; Comparte  GIFs">
-            <a:extLst>
-              <a:ext uri="{FF2B5EF4-FFF2-40B4-BE49-F238E27FC236}">
-                <a16:creationId xmlns:a16="http://schemas.microsoft.com/office/drawing/2014/main" id="{AA0EB07B-301F-4921-B0C8-5A6ECCADD5F3}"/>
-              </a:ext>
-            </a:extLst>
-          </p:cNvPr>
-          <p:cNvPicPr>
-            <a:picLocks noChangeAspect="1" noChangeArrowheads="1"/>
-          </p:cNvPicPr>
-          <p:nvPr/>
-        </p:nvPicPr>
-        <p:blipFill>
-          <a:blip r:embed="rId2" cstate="email">
-            <a:extLst>
-              <a:ext uri="{28A0092B-C50C-407E-A947-70E740481C1C}">
-                <a14:useLocalDpi xmlns:a14="http://schemas.microsoft.com/office/drawing/2010/main" val="0"/>
-              </a:ext>
-            </a:extLst>
-          </a:blip>
-          <a:srcRect/>
-          <a:stretch>
-            <a:fillRect/>
-          </a:stretch>
-        </p:blipFill>
-        <p:spPr bwMode="auto">
-          <a:xfrm>
-            <a:off x="4347685" y="3429000"/>
-            <a:ext cx="881062" cy="862012"/>
-          </a:xfrm>
-          <a:prstGeom prst="rect">
-            <a:avLst/>
-          </a:prstGeom>
-          <a:noFill/>
-          <a:extLst>
-            <a:ext uri="{909E8E84-426E-40DD-AFC4-6F175D3DCCD1}">
-              <a14:hiddenFill xmlns:a14="http://schemas.microsoft.com/office/drawing/2010/main">
-                <a:solidFill>
-                  <a:srgbClr val="FFFFFF"/>
-                </a:solidFill>
-              </a14:hiddenFill>
-            </a:ext>
-          </a:extLst>
-        </p:spPr>
-      </p:pic>
-      <p:pic>
-        <p:nvPicPr>
-          <p:cNvPr id="29" name="Picture 4" descr="Wrong Icon Gif">
-            <a:extLst>
-              <a:ext uri="{FF2B5EF4-FFF2-40B4-BE49-F238E27FC236}">
-                <a16:creationId xmlns:a16="http://schemas.microsoft.com/office/drawing/2014/main" id="{AED95D02-CCFA-445A-B4E1-4840FDEE357C}"/>
-              </a:ext>
-            </a:extLst>
-          </p:cNvPr>
-          <p:cNvPicPr>
-            <a:picLocks noChangeAspect="1" noChangeArrowheads="1"/>
-          </p:cNvPicPr>
-          <p:nvPr/>
-        </p:nvPicPr>
-        <p:blipFill>
-          <a:blip r:embed="rId3" cstate="email">
-            <a:extLst>
-              <a:ext uri="{28A0092B-C50C-407E-A947-70E740481C1C}">
-                <a14:useLocalDpi xmlns:a14="http://schemas.microsoft.com/office/drawing/2010/main" val="0"/>
-              </a:ext>
-            </a:extLst>
-          </a:blip>
-          <a:srcRect/>
-          <a:stretch>
-            <a:fillRect/>
-          </a:stretch>
-        </p:blipFill>
-        <p:spPr bwMode="auto">
-          <a:xfrm>
-            <a:off x="2275791" y="2093512"/>
-            <a:ext cx="771161" cy="771161"/>
-          </a:xfrm>
-          <a:prstGeom prst="rect">
-            <a:avLst/>
-          </a:prstGeom>
-          <a:noFill/>
-          <a:extLst>
-            <a:ext uri="{909E8E84-426E-40DD-AFC4-6F175D3DCCD1}">
-              <a14:hiddenFill xmlns:a14="http://schemas.microsoft.com/office/drawing/2010/main">
-                <a:solidFill>
-                  <a:srgbClr val="FFFFFF"/>
-                </a:solidFill>
-              </a14:hiddenFill>
-            </a:ext>
-          </a:extLst>
-        </p:spPr>
-      </p:pic>
-      <p:pic>
-        <p:nvPicPr>
-          <p:cNvPr id="30" name="Picture 4" descr="Wrong Icon Gif">
-            <a:extLst>
-              <a:ext uri="{FF2B5EF4-FFF2-40B4-BE49-F238E27FC236}">
-                <a16:creationId xmlns:a16="http://schemas.microsoft.com/office/drawing/2014/main" id="{EC691B94-52D0-487F-BECC-4E3100C537A0}"/>
-              </a:ext>
-            </a:extLst>
-          </p:cNvPr>
-          <p:cNvPicPr>
-            <a:picLocks noChangeAspect="1" noChangeArrowheads="1"/>
-          </p:cNvPicPr>
-          <p:nvPr/>
-        </p:nvPicPr>
-        <p:blipFill>
-          <a:blip r:embed="rId3" cstate="email">
-            <a:extLst>
-              <a:ext uri="{28A0092B-C50C-407E-A947-70E740481C1C}">
-                <a14:useLocalDpi xmlns:a14="http://schemas.microsoft.com/office/drawing/2010/main" val="0"/>
-              </a:ext>
-            </a:extLst>
-          </a:blip>
-          <a:srcRect/>
-          <a:stretch>
-            <a:fillRect/>
-          </a:stretch>
-        </p:blipFill>
-        <p:spPr bwMode="auto">
-          <a:xfrm>
-            <a:off x="2307317" y="3483542"/>
-            <a:ext cx="771161" cy="771161"/>
-          </a:xfrm>
-          <a:prstGeom prst="rect">
-            <a:avLst/>
-          </a:prstGeom>
-          <a:noFill/>
-          <a:extLst>
-            <a:ext uri="{909E8E84-426E-40DD-AFC4-6F175D3DCCD1}">
-              <a14:hiddenFill xmlns:a14="http://schemas.microsoft.com/office/drawing/2010/main">
-                <a:solidFill>
-                  <a:srgbClr val="FFFFFF"/>
-                </a:solidFill>
-              </a14:hiddenFill>
-            </a:ext>
-          </a:extLst>
-        </p:spPr>
-      </p:pic>
-      <p:pic>
-        <p:nvPicPr>
-          <p:cNvPr id="31" name="Picture 2" descr="Check Mark Verified GIF - Check Mark Verified Correct - Descubre &amp; Comparte  GIFs">
-            <a:extLst>
-              <a:ext uri="{FF2B5EF4-FFF2-40B4-BE49-F238E27FC236}">
-                <a16:creationId xmlns:a16="http://schemas.microsoft.com/office/drawing/2014/main" id="{2E1E8B99-4E95-4821-87BE-FBBC504A1B1A}"/>
-              </a:ext>
-            </a:extLst>
-          </p:cNvPr>
-          <p:cNvPicPr>
-            <a:picLocks noChangeAspect="1" noChangeArrowheads="1"/>
-          </p:cNvPicPr>
-          <p:nvPr/>
-        </p:nvPicPr>
-        <p:blipFill>
-          <a:blip r:embed="rId2" cstate="email">
-            <a:extLst>
-              <a:ext uri="{28A0092B-C50C-407E-A947-70E740481C1C}">
-                <a14:useLocalDpi xmlns:a14="http://schemas.microsoft.com/office/drawing/2010/main" val="0"/>
-              </a:ext>
-            </a:extLst>
-          </a:blip>
-          <a:srcRect/>
-          <a:stretch>
-            <a:fillRect/>
-          </a:stretch>
-        </p:blipFill>
-        <p:spPr bwMode="auto">
-          <a:xfrm>
-            <a:off x="6461626" y="2022862"/>
-            <a:ext cx="881062" cy="862012"/>
-          </a:xfrm>
-          <a:prstGeom prst="rect">
-            <a:avLst/>
-          </a:prstGeom>
-          <a:noFill/>
-          <a:extLst>
-            <a:ext uri="{909E8E84-426E-40DD-AFC4-6F175D3DCCD1}">
-              <a14:hiddenFill xmlns:a14="http://schemas.microsoft.com/office/drawing/2010/main">
-                <a:solidFill>
-                  <a:srgbClr val="FFFFFF"/>
-                </a:solidFill>
-              </a14:hiddenFill>
-            </a:ext>
-          </a:extLst>
-        </p:spPr>
-      </p:pic>
-      <p:pic>
-        <p:nvPicPr>
-          <p:cNvPr id="32" name="Picture 2" descr="Check Mark Verified GIF - Check Mark Verified Correct - Descubre &amp; Comparte  GIFs">
-            <a:extLst>
-              <a:ext uri="{FF2B5EF4-FFF2-40B4-BE49-F238E27FC236}">
-                <a16:creationId xmlns:a16="http://schemas.microsoft.com/office/drawing/2014/main" id="{9F25654C-30F2-4257-B06B-36840584209B}"/>
-              </a:ext>
-            </a:extLst>
-          </p:cNvPr>
-          <p:cNvPicPr>
-            <a:picLocks noChangeAspect="1" noChangeArrowheads="1"/>
-          </p:cNvPicPr>
-          <p:nvPr/>
-        </p:nvPicPr>
-        <p:blipFill>
-          <a:blip r:embed="rId2" cstate="email">
-            <a:extLst>
-              <a:ext uri="{28A0092B-C50C-407E-A947-70E740481C1C}">
-                <a14:useLocalDpi xmlns:a14="http://schemas.microsoft.com/office/drawing/2010/main" val="0"/>
-              </a:ext>
-            </a:extLst>
-          </a:blip>
-          <a:srcRect/>
-          <a:stretch>
-            <a:fillRect/>
-          </a:stretch>
-        </p:blipFill>
-        <p:spPr bwMode="auto">
-          <a:xfrm>
-            <a:off x="8750998" y="3398694"/>
-            <a:ext cx="881062" cy="862012"/>
-          </a:xfrm>
-          <a:prstGeom prst="rect">
-            <a:avLst/>
-          </a:prstGeom>
-          <a:noFill/>
-          <a:extLst>
-            <a:ext uri="{909E8E84-426E-40DD-AFC4-6F175D3DCCD1}">
-              <a14:hiddenFill xmlns:a14="http://schemas.microsoft.com/office/drawing/2010/main">
-                <a:solidFill>
-                  <a:srgbClr val="FFFFFF"/>
-                </a:solidFill>
-              </a14:hiddenFill>
-            </a:ext>
-          </a:extLst>
-        </p:spPr>
-      </p:pic>
-      <p:pic>
-        <p:nvPicPr>
-          <p:cNvPr id="33" name="Picture 4" descr="Wrong Icon Gif">
-            <a:extLst>
-              <a:ext uri="{FF2B5EF4-FFF2-40B4-BE49-F238E27FC236}">
-                <a16:creationId xmlns:a16="http://schemas.microsoft.com/office/drawing/2014/main" id="{9558A184-A26E-4A9D-B206-0540EFA5E291}"/>
-              </a:ext>
-            </a:extLst>
-          </p:cNvPr>
-          <p:cNvPicPr>
-            <a:picLocks noChangeAspect="1" noChangeArrowheads="1"/>
-          </p:cNvPicPr>
-          <p:nvPr/>
-        </p:nvPicPr>
-        <p:blipFill>
-          <a:blip r:embed="rId3" cstate="email">
-            <a:extLst>
-              <a:ext uri="{28A0092B-C50C-407E-A947-70E740481C1C}">
-                <a14:useLocalDpi xmlns:a14="http://schemas.microsoft.com/office/drawing/2010/main" val="0"/>
-              </a:ext>
-            </a:extLst>
-          </a:blip>
-          <a:srcRect/>
-          <a:stretch>
-            <a:fillRect/>
-          </a:stretch>
-        </p:blipFill>
-        <p:spPr bwMode="auto">
-          <a:xfrm>
-            <a:off x="6552409" y="3429000"/>
-            <a:ext cx="771161" cy="771161"/>
-          </a:xfrm>
-          <a:prstGeom prst="rect">
-            <a:avLst/>
-          </a:prstGeom>
-          <a:noFill/>
-          <a:extLst>
-            <a:ext uri="{909E8E84-426E-40DD-AFC4-6F175D3DCCD1}">
-              <a14:hiddenFill xmlns:a14="http://schemas.microsoft.com/office/drawing/2010/main">
-                <a:solidFill>
-                  <a:srgbClr val="FFFFFF"/>
-                </a:solidFill>
-              </a14:hiddenFill>
-            </a:ext>
-          </a:extLst>
-        </p:spPr>
-      </p:pic>
-      <p:pic>
-        <p:nvPicPr>
-          <p:cNvPr id="34" name="Picture 4" descr="Wrong Icon Gif">
-            <a:extLst>
-              <a:ext uri="{FF2B5EF4-FFF2-40B4-BE49-F238E27FC236}">
-                <a16:creationId xmlns:a16="http://schemas.microsoft.com/office/drawing/2014/main" id="{554A9C62-CCF4-49CB-A977-2B2F0351DF65}"/>
-              </a:ext>
-            </a:extLst>
-          </p:cNvPr>
-          <p:cNvPicPr>
-            <a:picLocks noChangeAspect="1" noChangeArrowheads="1"/>
-          </p:cNvPicPr>
-          <p:nvPr/>
-        </p:nvPicPr>
-        <p:blipFill>
-          <a:blip r:embed="rId3" cstate="email">
-            <a:extLst>
-              <a:ext uri="{28A0092B-C50C-407E-A947-70E740481C1C}">
-                <a14:useLocalDpi xmlns:a14="http://schemas.microsoft.com/office/drawing/2010/main" val="0"/>
-              </a:ext>
-            </a:extLst>
-          </a:blip>
-          <a:srcRect/>
-          <a:stretch>
-            <a:fillRect/>
-          </a:stretch>
-        </p:blipFill>
-        <p:spPr bwMode="auto">
-          <a:xfrm>
-            <a:off x="8826229" y="2074622"/>
-            <a:ext cx="771161" cy="771161"/>
-          </a:xfrm>
-          <a:prstGeom prst="rect">
-            <a:avLst/>
-          </a:prstGeom>
-          <a:noFill/>
-          <a:extLst>
-            <a:ext uri="{909E8E84-426E-40DD-AFC4-6F175D3DCCD1}">
-              <a14:hiddenFill xmlns:a14="http://schemas.microsoft.com/office/drawing/2010/main">
-                <a:solidFill>
-                  <a:srgbClr val="FFFFFF"/>
-                </a:solidFill>
-              </a14:hiddenFill>
-            </a:ext>
-          </a:extLst>
-        </p:spPr>
-      </p:pic>
-      <p:sp>
-        <p:nvSpPr>
-          <p:cNvPr id="35" name="Rectángulo 38">
-            <a:extLst>
-              <a:ext uri="{FF2B5EF4-FFF2-40B4-BE49-F238E27FC236}">
-                <a16:creationId xmlns:a16="http://schemas.microsoft.com/office/drawing/2014/main" id="{7AA489FE-966F-491B-82A7-EA7EB6DC740B}"/>
+              <a:t>PLANT 2</a:t>
+            </a:r>
+            <a:endParaRPr lang="es-ES" sz="1400" b="1" spc="-1" dirty="0"/>
+          </a:p>
+        </p:txBody>
+      </p:sp>
+      <p:sp>
+        <p:nvSpPr>
+          <p:cNvPr id="20" name="Rectángulo 21">
+            <a:extLst>
+              <a:ext uri="{FF2B5EF4-FFF2-40B4-BE49-F238E27FC236}">
+                <a16:creationId xmlns:a16="http://schemas.microsoft.com/office/drawing/2014/main" id="{A765D7C0-87E0-4A27-B3EB-0EFA6F54849B}"/>
               </a:ext>
             </a:extLst>
           </p:cNvPr>
@@ -8188,7 +8572,7 @@
         </p:nvSpPr>
         <p:spPr>
           <a:xfrm>
-            <a:off x="5862888" y="4742684"/>
+            <a:off x="1624776" y="4775697"/>
             <a:ext cx="2136241" cy="1294689"/>
           </a:xfrm>
           <a:prstGeom prst="rect">
@@ -8231,15 +8615,1000 @@
                   <a:schemeClr val="tx1"/>
                 </a:solidFill>
               </a:rPr>
-              <a:t>ACTION #2</a:t>
-            </a:r>
-            <a:r>
-              <a:rPr lang="es-ES" sz="1200" b="1">
+              <a:t>ACTION #1: </a:t>
+            </a:r>
+            <a:r>
+              <a:rPr lang="es-ES" sz="1200" dirty="0" err="1">
                 <a:solidFill>
                   <a:schemeClr val="tx1"/>
                 </a:solidFill>
               </a:rPr>
-              <a:t>: </a:t>
+              <a:t>Overall</a:t>
+            </a:r>
+            <a:r>
+              <a:rPr lang="es-ES" sz="1200" dirty="0">
+                <a:solidFill>
+                  <a:schemeClr val="tx1"/>
+                </a:solidFill>
+              </a:rPr>
+              <a:t> data </a:t>
+            </a:r>
+            <a:r>
+              <a:rPr lang="es-ES" sz="1200" dirty="0" err="1">
+                <a:solidFill>
+                  <a:schemeClr val="tx1"/>
+                </a:solidFill>
+              </a:rPr>
+              <a:t>acquisition</a:t>
+            </a:r>
+            <a:r>
+              <a:rPr lang="es-ES" sz="1200" dirty="0">
+                <a:solidFill>
+                  <a:schemeClr val="tx1"/>
+                </a:solidFill>
+              </a:rPr>
+              <a:t> </a:t>
+            </a:r>
+            <a:r>
+              <a:rPr lang="es-ES" sz="1200" dirty="0" err="1">
+                <a:solidFill>
+                  <a:schemeClr val="tx1"/>
+                </a:solidFill>
+              </a:rPr>
+              <a:t>process</a:t>
+            </a:r>
+            <a:r>
+              <a:rPr lang="es-ES" sz="1200" dirty="0">
+                <a:solidFill>
+                  <a:schemeClr val="tx1"/>
+                </a:solidFill>
+              </a:rPr>
+              <a:t> </a:t>
+            </a:r>
+            <a:r>
+              <a:rPr lang="es-ES" sz="1200" dirty="0" err="1">
+                <a:solidFill>
+                  <a:schemeClr val="tx1"/>
+                </a:solidFill>
+              </a:rPr>
+              <a:t>check</a:t>
+            </a:r>
+            <a:r>
+              <a:rPr lang="es-ES" sz="1200" dirty="0">
+                <a:solidFill>
+                  <a:schemeClr val="tx1"/>
+                </a:solidFill>
+              </a:rPr>
+              <a:t>.</a:t>
+            </a:r>
+          </a:p>
+        </p:txBody>
+      </p:sp>
+      <p:cxnSp>
+        <p:nvCxnSpPr>
+          <p:cNvPr id="21" name="Conector recto 24">
+            <a:extLst>
+              <a:ext uri="{FF2B5EF4-FFF2-40B4-BE49-F238E27FC236}">
+                <a16:creationId xmlns:a16="http://schemas.microsoft.com/office/drawing/2014/main" id="{99C1AA27-F45E-4024-B527-F633D05E98D5}"/>
+              </a:ext>
+            </a:extLst>
+          </p:cNvPr>
+          <p:cNvCxnSpPr>
+            <a:cxnSpLocks/>
+          </p:cNvCxnSpPr>
+          <p:nvPr/>
+        </p:nvCxnSpPr>
+        <p:spPr>
+          <a:xfrm flipV="1">
+            <a:off x="4079113" y="1677553"/>
+            <a:ext cx="1406124" cy="2"/>
+          </a:xfrm>
+          <a:prstGeom prst="line">
+            <a:avLst/>
+          </a:prstGeom>
+          <a:ln>
+            <a:solidFill>
+              <a:schemeClr val="bg1">
+                <a:lumMod val="75000"/>
+              </a:schemeClr>
+            </a:solidFill>
+          </a:ln>
+        </p:spPr>
+        <p:style>
+          <a:lnRef idx="1">
+            <a:schemeClr val="accent1"/>
+          </a:lnRef>
+          <a:fillRef idx="0">
+            <a:schemeClr val="accent1"/>
+          </a:fillRef>
+          <a:effectRef idx="0">
+            <a:schemeClr val="accent1"/>
+          </a:effectRef>
+          <a:fontRef idx="minor">
+            <a:schemeClr val="tx1"/>
+          </a:fontRef>
+        </p:style>
+      </p:cxnSp>
+      <p:sp>
+        <p:nvSpPr>
+          <p:cNvPr id="22" name="CustomShape 3">
+            <a:extLst>
+              <a:ext uri="{FF2B5EF4-FFF2-40B4-BE49-F238E27FC236}">
+                <a16:creationId xmlns:a16="http://schemas.microsoft.com/office/drawing/2014/main" id="{10C649A7-F468-4D42-997A-B78BB988E4AD}"/>
+              </a:ext>
+            </a:extLst>
+          </p:cNvPr>
+          <p:cNvSpPr/>
+          <p:nvPr/>
+        </p:nvSpPr>
+        <p:spPr>
+          <a:xfrm>
+            <a:off x="4347685" y="1350621"/>
+            <a:ext cx="1334153" cy="275545"/>
+          </a:xfrm>
+          <a:prstGeom prst="rect">
+            <a:avLst/>
+          </a:prstGeom>
+          <a:noFill/>
+          <a:ln>
+            <a:noFill/>
+          </a:ln>
+        </p:spPr>
+        <p:style>
+          <a:lnRef idx="0">
+            <a:scrgbClr r="0" g="0" b="0"/>
+          </a:lnRef>
+          <a:fillRef idx="0">
+            <a:scrgbClr r="0" g="0" b="0"/>
+          </a:fillRef>
+          <a:effectRef idx="0">
+            <a:scrgbClr r="0" g="0" b="0"/>
+          </a:effectRef>
+          <a:fontRef idx="minor"/>
+        </p:style>
+        <p:txBody>
+          <a:bodyPr wrap="square" lIns="90000" tIns="45000" rIns="90000" bIns="45000">
+            <a:spAutoFit/>
+          </a:bodyPr>
+          <a:lstStyle/>
+          <a:p>
+            <a:pPr>
+              <a:lnSpc>
+                <a:spcPct val="100000"/>
+              </a:lnSpc>
+            </a:pPr>
+            <a:r>
+              <a:rPr lang="es-ES" sz="1200" i="1" spc="-1" dirty="0" err="1">
+                <a:solidFill>
+                  <a:srgbClr val="000000"/>
+                </a:solidFill>
+              </a:rPr>
+              <a:t>Irradiance</a:t>
+            </a:r>
+            <a:endParaRPr lang="es-ES" sz="1200" spc="-1" dirty="0"/>
+          </a:p>
+        </p:txBody>
+      </p:sp>
+      <p:cxnSp>
+        <p:nvCxnSpPr>
+          <p:cNvPr id="23" name="Conector recto 26">
+            <a:extLst>
+              <a:ext uri="{FF2B5EF4-FFF2-40B4-BE49-F238E27FC236}">
+                <a16:creationId xmlns:a16="http://schemas.microsoft.com/office/drawing/2014/main" id="{223AABC5-2679-4E10-A911-192FE634D328}"/>
+              </a:ext>
+            </a:extLst>
+          </p:cNvPr>
+          <p:cNvCxnSpPr>
+            <a:cxnSpLocks/>
+          </p:cNvCxnSpPr>
+          <p:nvPr/>
+        </p:nvCxnSpPr>
+        <p:spPr>
+          <a:xfrm flipV="1">
+            <a:off x="6234928" y="1692674"/>
+            <a:ext cx="1406124" cy="2"/>
+          </a:xfrm>
+          <a:prstGeom prst="line">
+            <a:avLst/>
+          </a:prstGeom>
+          <a:ln>
+            <a:solidFill>
+              <a:schemeClr val="bg1">
+                <a:lumMod val="75000"/>
+              </a:schemeClr>
+            </a:solidFill>
+          </a:ln>
+        </p:spPr>
+        <p:style>
+          <a:lnRef idx="1">
+            <a:schemeClr val="accent1"/>
+          </a:lnRef>
+          <a:fillRef idx="0">
+            <a:schemeClr val="accent1"/>
+          </a:fillRef>
+          <a:effectRef idx="0">
+            <a:schemeClr val="accent1"/>
+          </a:effectRef>
+          <a:fontRef idx="minor">
+            <a:schemeClr val="tx1"/>
+          </a:fontRef>
+        </p:style>
+      </p:cxnSp>
+      <p:sp>
+        <p:nvSpPr>
+          <p:cNvPr id="24" name="CustomShape 3">
+            <a:extLst>
+              <a:ext uri="{FF2B5EF4-FFF2-40B4-BE49-F238E27FC236}">
+                <a16:creationId xmlns:a16="http://schemas.microsoft.com/office/drawing/2014/main" id="{D66A8531-9BD4-4B3E-9172-883FB1DC9E77}"/>
+              </a:ext>
+            </a:extLst>
+          </p:cNvPr>
+          <p:cNvSpPr/>
+          <p:nvPr/>
+        </p:nvSpPr>
+        <p:spPr>
+          <a:xfrm>
+            <a:off x="6461626" y="1365742"/>
+            <a:ext cx="1334153" cy="275545"/>
+          </a:xfrm>
+          <a:prstGeom prst="rect">
+            <a:avLst/>
+          </a:prstGeom>
+          <a:noFill/>
+          <a:ln>
+            <a:noFill/>
+          </a:ln>
+        </p:spPr>
+        <p:style>
+          <a:lnRef idx="0">
+            <a:scrgbClr r="0" g="0" b="0"/>
+          </a:lnRef>
+          <a:fillRef idx="0">
+            <a:scrgbClr r="0" g="0" b="0"/>
+          </a:fillRef>
+          <a:effectRef idx="0">
+            <a:scrgbClr r="0" g="0" b="0"/>
+          </a:effectRef>
+          <a:fontRef idx="minor"/>
+        </p:style>
+        <p:txBody>
+          <a:bodyPr wrap="square" lIns="90000" tIns="45000" rIns="90000" bIns="45000">
+            <a:spAutoFit/>
+          </a:bodyPr>
+          <a:lstStyle/>
+          <a:p>
+            <a:pPr>
+              <a:lnSpc>
+                <a:spcPct val="100000"/>
+              </a:lnSpc>
+            </a:pPr>
+            <a:r>
+              <a:rPr lang="es-ES" sz="1200" i="1" spc="-1" dirty="0">
+                <a:solidFill>
+                  <a:srgbClr val="000000"/>
+                </a:solidFill>
+              </a:rPr>
+              <a:t>DC </a:t>
+            </a:r>
+            <a:r>
+              <a:rPr lang="es-ES" sz="1200" i="1" spc="-1" dirty="0" err="1">
+                <a:solidFill>
+                  <a:srgbClr val="000000"/>
+                </a:solidFill>
+              </a:rPr>
+              <a:t>Production</a:t>
+            </a:r>
+            <a:endParaRPr lang="es-ES" sz="1200" spc="-1" dirty="0"/>
+          </a:p>
+        </p:txBody>
+      </p:sp>
+      <p:cxnSp>
+        <p:nvCxnSpPr>
+          <p:cNvPr id="25" name="Conector recto 28">
+            <a:extLst>
+              <a:ext uri="{FF2B5EF4-FFF2-40B4-BE49-F238E27FC236}">
+                <a16:creationId xmlns:a16="http://schemas.microsoft.com/office/drawing/2014/main" id="{FE3AA214-F818-4081-9115-73BD63036D78}"/>
+              </a:ext>
+            </a:extLst>
+          </p:cNvPr>
+          <p:cNvCxnSpPr>
+            <a:cxnSpLocks/>
+          </p:cNvCxnSpPr>
+          <p:nvPr/>
+        </p:nvCxnSpPr>
+        <p:spPr>
+          <a:xfrm flipV="1">
+            <a:off x="8355731" y="1711836"/>
+            <a:ext cx="1406124" cy="2"/>
+          </a:xfrm>
+          <a:prstGeom prst="line">
+            <a:avLst/>
+          </a:prstGeom>
+          <a:ln>
+            <a:solidFill>
+              <a:schemeClr val="bg1">
+                <a:lumMod val="75000"/>
+              </a:schemeClr>
+            </a:solidFill>
+          </a:ln>
+        </p:spPr>
+        <p:style>
+          <a:lnRef idx="1">
+            <a:schemeClr val="accent1"/>
+          </a:lnRef>
+          <a:fillRef idx="0">
+            <a:schemeClr val="accent1"/>
+          </a:fillRef>
+          <a:effectRef idx="0">
+            <a:schemeClr val="accent1"/>
+          </a:effectRef>
+          <a:fontRef idx="minor">
+            <a:schemeClr val="tx1"/>
+          </a:fontRef>
+        </p:style>
+      </p:cxnSp>
+      <p:sp>
+        <p:nvSpPr>
+          <p:cNvPr id="26" name="CustomShape 3">
+            <a:extLst>
+              <a:ext uri="{FF2B5EF4-FFF2-40B4-BE49-F238E27FC236}">
+                <a16:creationId xmlns:a16="http://schemas.microsoft.com/office/drawing/2014/main" id="{0B61DB0C-9B80-4C64-804C-70437E3DFE9A}"/>
+              </a:ext>
+            </a:extLst>
+          </p:cNvPr>
+          <p:cNvSpPr/>
+          <p:nvPr/>
+        </p:nvSpPr>
+        <p:spPr>
+          <a:xfrm>
+            <a:off x="8456783" y="1384904"/>
+            <a:ext cx="1786700" cy="275545"/>
+          </a:xfrm>
+          <a:prstGeom prst="rect">
+            <a:avLst/>
+          </a:prstGeom>
+          <a:noFill/>
+          <a:ln>
+            <a:noFill/>
+          </a:ln>
+        </p:spPr>
+        <p:style>
+          <a:lnRef idx="0">
+            <a:scrgbClr r="0" g="0" b="0"/>
+          </a:lnRef>
+          <a:fillRef idx="0">
+            <a:scrgbClr r="0" g="0" b="0"/>
+          </a:fillRef>
+          <a:effectRef idx="0">
+            <a:scrgbClr r="0" g="0" b="0"/>
+          </a:effectRef>
+          <a:fontRef idx="minor"/>
+        </p:style>
+        <p:txBody>
+          <a:bodyPr wrap="square" lIns="90000" tIns="45000" rIns="90000" bIns="45000">
+            <a:spAutoFit/>
+          </a:bodyPr>
+          <a:lstStyle/>
+          <a:p>
+            <a:pPr>
+              <a:lnSpc>
+                <a:spcPct val="100000"/>
+              </a:lnSpc>
+            </a:pPr>
+            <a:r>
+              <a:rPr lang="es-ES" sz="1200" i="1" spc="-1" dirty="0" err="1">
+                <a:solidFill>
+                  <a:srgbClr val="000000"/>
+                </a:solidFill>
+              </a:rPr>
+              <a:t>Inverters</a:t>
+            </a:r>
+            <a:r>
+              <a:rPr lang="es-ES" sz="1200" i="1" spc="-1" dirty="0">
+                <a:solidFill>
+                  <a:srgbClr val="000000"/>
+                </a:solidFill>
+              </a:rPr>
+              <a:t>’ </a:t>
+            </a:r>
+            <a:r>
+              <a:rPr lang="es-ES" sz="1200" i="1" spc="-1" dirty="0" err="1">
+                <a:solidFill>
+                  <a:srgbClr val="000000"/>
+                </a:solidFill>
+              </a:rPr>
+              <a:t>efficiency</a:t>
+            </a:r>
+            <a:endParaRPr lang="es-ES" sz="1200" spc="-1" dirty="0"/>
+          </a:p>
+        </p:txBody>
+      </p:sp>
+      <p:pic>
+        <p:nvPicPr>
+          <p:cNvPr id="27" name="Picture 2" descr="Check Mark Verified GIF - Check Mark Verified Correct - Descubre &amp; Comparte  GIFs">
+            <a:extLst>
+              <a:ext uri="{FF2B5EF4-FFF2-40B4-BE49-F238E27FC236}">
+                <a16:creationId xmlns:a16="http://schemas.microsoft.com/office/drawing/2014/main" id="{E6F2C776-075C-4478-995E-E7A619BD8F8F}"/>
+              </a:ext>
+            </a:extLst>
+          </p:cNvPr>
+          <p:cNvPicPr>
+            <a:picLocks noChangeAspect="1" noChangeArrowheads="1"/>
+          </p:cNvPicPr>
+          <p:nvPr/>
+        </p:nvPicPr>
+        <p:blipFill>
+          <a:blip r:embed="rId2" cstate="email">
+            <a:extLst>
+              <a:ext uri="{28A0092B-C50C-407E-A947-70E740481C1C}">
+                <a14:useLocalDpi xmlns:a14="http://schemas.microsoft.com/office/drawing/2010/main" val="0"/>
+              </a:ext>
+            </a:extLst>
+          </a:blip>
+          <a:srcRect/>
+          <a:stretch>
+            <a:fillRect/>
+          </a:stretch>
+        </p:blipFill>
+        <p:spPr bwMode="auto">
+          <a:xfrm>
+            <a:off x="4347685" y="2061273"/>
+            <a:ext cx="881062" cy="862012"/>
+          </a:xfrm>
+          <a:prstGeom prst="rect">
+            <a:avLst/>
+          </a:prstGeom>
+          <a:noFill/>
+          <a:extLst>
+            <a:ext uri="{909E8E84-426E-40DD-AFC4-6F175D3DCCD1}">
+              <a14:hiddenFill xmlns:a14="http://schemas.microsoft.com/office/drawing/2010/main">
+                <a:solidFill>
+                  <a:srgbClr val="FFFFFF"/>
+                </a:solidFill>
+              </a14:hiddenFill>
+            </a:ext>
+          </a:extLst>
+        </p:spPr>
+      </p:pic>
+      <p:pic>
+        <p:nvPicPr>
+          <p:cNvPr id="28" name="Picture 2" descr="Check Mark Verified GIF - Check Mark Verified Correct - Descubre &amp; Comparte  GIFs">
+            <a:extLst>
+              <a:ext uri="{FF2B5EF4-FFF2-40B4-BE49-F238E27FC236}">
+                <a16:creationId xmlns:a16="http://schemas.microsoft.com/office/drawing/2014/main" id="{AA0EB07B-301F-4921-B0C8-5A6ECCADD5F3}"/>
+              </a:ext>
+            </a:extLst>
+          </p:cNvPr>
+          <p:cNvPicPr>
+            <a:picLocks noChangeAspect="1" noChangeArrowheads="1"/>
+          </p:cNvPicPr>
+          <p:nvPr/>
+        </p:nvPicPr>
+        <p:blipFill>
+          <a:blip r:embed="rId2" cstate="email">
+            <a:extLst>
+              <a:ext uri="{28A0092B-C50C-407E-A947-70E740481C1C}">
+                <a14:useLocalDpi xmlns:a14="http://schemas.microsoft.com/office/drawing/2010/main" val="0"/>
+              </a:ext>
+            </a:extLst>
+          </a:blip>
+          <a:srcRect/>
+          <a:stretch>
+            <a:fillRect/>
+          </a:stretch>
+        </p:blipFill>
+        <p:spPr bwMode="auto">
+          <a:xfrm>
+            <a:off x="4347685" y="3429000"/>
+            <a:ext cx="881062" cy="862012"/>
+          </a:xfrm>
+          <a:prstGeom prst="rect">
+            <a:avLst/>
+          </a:prstGeom>
+          <a:noFill/>
+          <a:extLst>
+            <a:ext uri="{909E8E84-426E-40DD-AFC4-6F175D3DCCD1}">
+              <a14:hiddenFill xmlns:a14="http://schemas.microsoft.com/office/drawing/2010/main">
+                <a:solidFill>
+                  <a:srgbClr val="FFFFFF"/>
+                </a:solidFill>
+              </a14:hiddenFill>
+            </a:ext>
+          </a:extLst>
+        </p:spPr>
+      </p:pic>
+      <p:pic>
+        <p:nvPicPr>
+          <p:cNvPr id="29" name="Picture 4" descr="Wrong Icon Gif">
+            <a:extLst>
+              <a:ext uri="{FF2B5EF4-FFF2-40B4-BE49-F238E27FC236}">
+                <a16:creationId xmlns:a16="http://schemas.microsoft.com/office/drawing/2014/main" id="{AED95D02-CCFA-445A-B4E1-4840FDEE357C}"/>
+              </a:ext>
+            </a:extLst>
+          </p:cNvPr>
+          <p:cNvPicPr>
+            <a:picLocks noChangeAspect="1" noChangeArrowheads="1"/>
+          </p:cNvPicPr>
+          <p:nvPr/>
+        </p:nvPicPr>
+        <p:blipFill>
+          <a:blip r:embed="rId3" cstate="email">
+            <a:extLst>
+              <a:ext uri="{28A0092B-C50C-407E-A947-70E740481C1C}">
+                <a14:useLocalDpi xmlns:a14="http://schemas.microsoft.com/office/drawing/2010/main" val="0"/>
+              </a:ext>
+            </a:extLst>
+          </a:blip>
+          <a:srcRect/>
+          <a:stretch>
+            <a:fillRect/>
+          </a:stretch>
+        </p:blipFill>
+        <p:spPr bwMode="auto">
+          <a:xfrm>
+            <a:off x="2275791" y="2093512"/>
+            <a:ext cx="771161" cy="771161"/>
+          </a:xfrm>
+          <a:prstGeom prst="rect">
+            <a:avLst/>
+          </a:prstGeom>
+          <a:noFill/>
+          <a:extLst>
+            <a:ext uri="{909E8E84-426E-40DD-AFC4-6F175D3DCCD1}">
+              <a14:hiddenFill xmlns:a14="http://schemas.microsoft.com/office/drawing/2010/main">
+                <a:solidFill>
+                  <a:srgbClr val="FFFFFF"/>
+                </a:solidFill>
+              </a14:hiddenFill>
+            </a:ext>
+          </a:extLst>
+        </p:spPr>
+      </p:pic>
+      <p:pic>
+        <p:nvPicPr>
+          <p:cNvPr id="30" name="Picture 4" descr="Wrong Icon Gif">
+            <a:extLst>
+              <a:ext uri="{FF2B5EF4-FFF2-40B4-BE49-F238E27FC236}">
+                <a16:creationId xmlns:a16="http://schemas.microsoft.com/office/drawing/2014/main" id="{EC691B94-52D0-487F-BECC-4E3100C537A0}"/>
+              </a:ext>
+            </a:extLst>
+          </p:cNvPr>
+          <p:cNvPicPr>
+            <a:picLocks noChangeAspect="1" noChangeArrowheads="1"/>
+          </p:cNvPicPr>
+          <p:nvPr/>
+        </p:nvPicPr>
+        <p:blipFill>
+          <a:blip r:embed="rId3" cstate="email">
+            <a:extLst>
+              <a:ext uri="{28A0092B-C50C-407E-A947-70E740481C1C}">
+                <a14:useLocalDpi xmlns:a14="http://schemas.microsoft.com/office/drawing/2010/main" val="0"/>
+              </a:ext>
+            </a:extLst>
+          </a:blip>
+          <a:srcRect/>
+          <a:stretch>
+            <a:fillRect/>
+          </a:stretch>
+        </p:blipFill>
+        <p:spPr bwMode="auto">
+          <a:xfrm>
+            <a:off x="2307317" y="3483542"/>
+            <a:ext cx="771161" cy="771161"/>
+          </a:xfrm>
+          <a:prstGeom prst="rect">
+            <a:avLst/>
+          </a:prstGeom>
+          <a:noFill/>
+          <a:extLst>
+            <a:ext uri="{909E8E84-426E-40DD-AFC4-6F175D3DCCD1}">
+              <a14:hiddenFill xmlns:a14="http://schemas.microsoft.com/office/drawing/2010/main">
+                <a:solidFill>
+                  <a:srgbClr val="FFFFFF"/>
+                </a:solidFill>
+              </a14:hiddenFill>
+            </a:ext>
+          </a:extLst>
+        </p:spPr>
+      </p:pic>
+      <p:pic>
+        <p:nvPicPr>
+          <p:cNvPr id="31" name="Picture 2" descr="Check Mark Verified GIF - Check Mark Verified Correct - Descubre &amp; Comparte  GIFs">
+            <a:extLst>
+              <a:ext uri="{FF2B5EF4-FFF2-40B4-BE49-F238E27FC236}">
+                <a16:creationId xmlns:a16="http://schemas.microsoft.com/office/drawing/2014/main" id="{2E1E8B99-4E95-4821-87BE-FBBC504A1B1A}"/>
+              </a:ext>
+            </a:extLst>
+          </p:cNvPr>
+          <p:cNvPicPr>
+            <a:picLocks noChangeAspect="1" noChangeArrowheads="1"/>
+          </p:cNvPicPr>
+          <p:nvPr/>
+        </p:nvPicPr>
+        <p:blipFill>
+          <a:blip r:embed="rId2" cstate="email">
+            <a:extLst>
+              <a:ext uri="{28A0092B-C50C-407E-A947-70E740481C1C}">
+                <a14:useLocalDpi xmlns:a14="http://schemas.microsoft.com/office/drawing/2010/main" val="0"/>
+              </a:ext>
+            </a:extLst>
+          </a:blip>
+          <a:srcRect/>
+          <a:stretch>
+            <a:fillRect/>
+          </a:stretch>
+        </p:blipFill>
+        <p:spPr bwMode="auto">
+          <a:xfrm>
+            <a:off x="6461626" y="2022862"/>
+            <a:ext cx="881062" cy="862012"/>
+          </a:xfrm>
+          <a:prstGeom prst="rect">
+            <a:avLst/>
+          </a:prstGeom>
+          <a:noFill/>
+          <a:extLst>
+            <a:ext uri="{909E8E84-426E-40DD-AFC4-6F175D3DCCD1}">
+              <a14:hiddenFill xmlns:a14="http://schemas.microsoft.com/office/drawing/2010/main">
+                <a:solidFill>
+                  <a:srgbClr val="FFFFFF"/>
+                </a:solidFill>
+              </a14:hiddenFill>
+            </a:ext>
+          </a:extLst>
+        </p:spPr>
+      </p:pic>
+      <p:pic>
+        <p:nvPicPr>
+          <p:cNvPr id="32" name="Picture 2" descr="Check Mark Verified GIF - Check Mark Verified Correct - Descubre &amp; Comparte  GIFs">
+            <a:extLst>
+              <a:ext uri="{FF2B5EF4-FFF2-40B4-BE49-F238E27FC236}">
+                <a16:creationId xmlns:a16="http://schemas.microsoft.com/office/drawing/2014/main" id="{9F25654C-30F2-4257-B06B-36840584209B}"/>
+              </a:ext>
+            </a:extLst>
+          </p:cNvPr>
+          <p:cNvPicPr>
+            <a:picLocks noChangeAspect="1" noChangeArrowheads="1"/>
+          </p:cNvPicPr>
+          <p:nvPr/>
+        </p:nvPicPr>
+        <p:blipFill>
+          <a:blip r:embed="rId2" cstate="email">
+            <a:extLst>
+              <a:ext uri="{28A0092B-C50C-407E-A947-70E740481C1C}">
+                <a14:useLocalDpi xmlns:a14="http://schemas.microsoft.com/office/drawing/2010/main" val="0"/>
+              </a:ext>
+            </a:extLst>
+          </a:blip>
+          <a:srcRect/>
+          <a:stretch>
+            <a:fillRect/>
+          </a:stretch>
+        </p:blipFill>
+        <p:spPr bwMode="auto">
+          <a:xfrm>
+            <a:off x="8750998" y="3398694"/>
+            <a:ext cx="881062" cy="862012"/>
+          </a:xfrm>
+          <a:prstGeom prst="rect">
+            <a:avLst/>
+          </a:prstGeom>
+          <a:noFill/>
+          <a:extLst>
+            <a:ext uri="{909E8E84-426E-40DD-AFC4-6F175D3DCCD1}">
+              <a14:hiddenFill xmlns:a14="http://schemas.microsoft.com/office/drawing/2010/main">
+                <a:solidFill>
+                  <a:srgbClr val="FFFFFF"/>
+                </a:solidFill>
+              </a14:hiddenFill>
+            </a:ext>
+          </a:extLst>
+        </p:spPr>
+      </p:pic>
+      <p:pic>
+        <p:nvPicPr>
+          <p:cNvPr id="33" name="Picture 4" descr="Wrong Icon Gif">
+            <a:extLst>
+              <a:ext uri="{FF2B5EF4-FFF2-40B4-BE49-F238E27FC236}">
+                <a16:creationId xmlns:a16="http://schemas.microsoft.com/office/drawing/2014/main" id="{9558A184-A26E-4A9D-B206-0540EFA5E291}"/>
+              </a:ext>
+            </a:extLst>
+          </p:cNvPr>
+          <p:cNvPicPr>
+            <a:picLocks noChangeAspect="1" noChangeArrowheads="1"/>
+          </p:cNvPicPr>
+          <p:nvPr/>
+        </p:nvPicPr>
+        <p:blipFill>
+          <a:blip r:embed="rId3" cstate="email">
+            <a:extLst>
+              <a:ext uri="{28A0092B-C50C-407E-A947-70E740481C1C}">
+                <a14:useLocalDpi xmlns:a14="http://schemas.microsoft.com/office/drawing/2010/main" val="0"/>
+              </a:ext>
+            </a:extLst>
+          </a:blip>
+          <a:srcRect/>
+          <a:stretch>
+            <a:fillRect/>
+          </a:stretch>
+        </p:blipFill>
+        <p:spPr bwMode="auto">
+          <a:xfrm>
+            <a:off x="6552409" y="3429000"/>
+            <a:ext cx="771161" cy="771161"/>
+          </a:xfrm>
+          <a:prstGeom prst="rect">
+            <a:avLst/>
+          </a:prstGeom>
+          <a:noFill/>
+          <a:extLst>
+            <a:ext uri="{909E8E84-426E-40DD-AFC4-6F175D3DCCD1}">
+              <a14:hiddenFill xmlns:a14="http://schemas.microsoft.com/office/drawing/2010/main">
+                <a:solidFill>
+                  <a:srgbClr val="FFFFFF"/>
+                </a:solidFill>
+              </a14:hiddenFill>
+            </a:ext>
+          </a:extLst>
+        </p:spPr>
+      </p:pic>
+      <p:pic>
+        <p:nvPicPr>
+          <p:cNvPr id="34" name="Picture 4" descr="Wrong Icon Gif">
+            <a:extLst>
+              <a:ext uri="{FF2B5EF4-FFF2-40B4-BE49-F238E27FC236}">
+                <a16:creationId xmlns:a16="http://schemas.microsoft.com/office/drawing/2014/main" id="{554A9C62-CCF4-49CB-A977-2B2F0351DF65}"/>
+              </a:ext>
+            </a:extLst>
+          </p:cNvPr>
+          <p:cNvPicPr>
+            <a:picLocks noChangeAspect="1" noChangeArrowheads="1"/>
+          </p:cNvPicPr>
+          <p:nvPr/>
+        </p:nvPicPr>
+        <p:blipFill>
+          <a:blip r:embed="rId3" cstate="email">
+            <a:extLst>
+              <a:ext uri="{28A0092B-C50C-407E-A947-70E740481C1C}">
+                <a14:useLocalDpi xmlns:a14="http://schemas.microsoft.com/office/drawing/2010/main" val="0"/>
+              </a:ext>
+            </a:extLst>
+          </a:blip>
+          <a:srcRect/>
+          <a:stretch>
+            <a:fillRect/>
+          </a:stretch>
+        </p:blipFill>
+        <p:spPr bwMode="auto">
+          <a:xfrm>
+            <a:off x="8826229" y="2074622"/>
+            <a:ext cx="771161" cy="771161"/>
+          </a:xfrm>
+          <a:prstGeom prst="rect">
+            <a:avLst/>
+          </a:prstGeom>
+          <a:noFill/>
+          <a:extLst>
+            <a:ext uri="{909E8E84-426E-40DD-AFC4-6F175D3DCCD1}">
+              <a14:hiddenFill xmlns:a14="http://schemas.microsoft.com/office/drawing/2010/main">
+                <a:solidFill>
+                  <a:srgbClr val="FFFFFF"/>
+                </a:solidFill>
+              </a14:hiddenFill>
+            </a:ext>
+          </a:extLst>
+        </p:spPr>
+      </p:pic>
+      <p:sp>
+        <p:nvSpPr>
+          <p:cNvPr id="35" name="Rectángulo 38">
+            <a:extLst>
+              <a:ext uri="{FF2B5EF4-FFF2-40B4-BE49-F238E27FC236}">
+                <a16:creationId xmlns:a16="http://schemas.microsoft.com/office/drawing/2014/main" id="{7AA489FE-966F-491B-82A7-EA7EB6DC740B}"/>
+              </a:ext>
+            </a:extLst>
+          </p:cNvPr>
+          <p:cNvSpPr/>
+          <p:nvPr/>
+        </p:nvSpPr>
+        <p:spPr>
+          <a:xfrm>
+            <a:off x="5862888" y="4742684"/>
+            <a:ext cx="2136241" cy="1294689"/>
+          </a:xfrm>
+          <a:prstGeom prst="rect">
+            <a:avLst/>
+          </a:prstGeom>
+          <a:noFill/>
+          <a:ln w="3175">
+            <a:solidFill>
+              <a:schemeClr val="tx1">
+                <a:lumMod val="50000"/>
+                <a:lumOff val="50000"/>
+              </a:schemeClr>
+            </a:solidFill>
+          </a:ln>
+        </p:spPr>
+        <p:style>
+          <a:lnRef idx="2">
+            <a:schemeClr val="accent1">
+              <a:shade val="50000"/>
+            </a:schemeClr>
+          </a:lnRef>
+          <a:fillRef idx="1">
+            <a:schemeClr val="accent1"/>
+          </a:fillRef>
+          <a:effectRef idx="0">
+            <a:schemeClr val="accent1"/>
+          </a:effectRef>
+          <a:fontRef idx="minor">
+            <a:schemeClr val="lt1"/>
+          </a:fontRef>
+        </p:style>
+        <p:txBody>
+          <a:bodyPr rtlCol="0" anchor="ctr"/>
+          <a:lstStyle/>
+          <a:p>
+            <a:pPr algn="ctr"/>
+            <a:r>
+              <a:rPr lang="es-ES" sz="1200" b="1" dirty="0">
+                <a:solidFill>
+                  <a:schemeClr val="tx1"/>
+                </a:solidFill>
+              </a:rPr>
+              <a:t>ACTION #2: </a:t>
+            </a:r>
+            <a:r>
+              <a:rPr lang="es-ES" sz="1200" dirty="0" err="1">
+                <a:solidFill>
+                  <a:schemeClr val="tx1"/>
+                </a:solidFill>
+              </a:rPr>
+              <a:t>Make</a:t>
+            </a:r>
+            <a:r>
+              <a:rPr lang="es-ES" sz="1200" dirty="0">
+                <a:solidFill>
+                  <a:schemeClr val="tx1"/>
+                </a:solidFill>
+              </a:rPr>
+              <a:t> </a:t>
+            </a:r>
+            <a:r>
+              <a:rPr lang="es-ES" sz="1200" dirty="0" err="1">
+                <a:solidFill>
+                  <a:schemeClr val="tx1"/>
+                </a:solidFill>
+              </a:rPr>
+              <a:t>sure</a:t>
+            </a:r>
+            <a:r>
+              <a:rPr lang="es-ES" sz="1200" dirty="0">
+                <a:solidFill>
+                  <a:schemeClr val="tx1"/>
+                </a:solidFill>
+              </a:rPr>
+              <a:t> </a:t>
+            </a:r>
+            <a:r>
+              <a:rPr lang="es-ES" sz="1200" dirty="0" err="1">
+                <a:solidFill>
+                  <a:schemeClr val="tx1"/>
+                </a:solidFill>
+              </a:rPr>
+              <a:t>there</a:t>
+            </a:r>
+            <a:r>
+              <a:rPr lang="es-ES" sz="1200" dirty="0">
+                <a:solidFill>
+                  <a:schemeClr val="tx1"/>
+                </a:solidFill>
+              </a:rPr>
+              <a:t> </a:t>
+            </a:r>
+            <a:r>
+              <a:rPr lang="es-ES" sz="1200" dirty="0" err="1">
+                <a:solidFill>
+                  <a:schemeClr val="tx1"/>
+                </a:solidFill>
+              </a:rPr>
+              <a:t>is</a:t>
+            </a:r>
+            <a:r>
+              <a:rPr lang="es-ES" sz="1200" dirty="0">
+                <a:solidFill>
+                  <a:schemeClr val="tx1"/>
+                </a:solidFill>
+              </a:rPr>
+              <a:t> no artificial </a:t>
+            </a:r>
+            <a:r>
+              <a:rPr lang="es-ES" sz="1200" dirty="0" err="1">
+                <a:solidFill>
+                  <a:schemeClr val="tx1"/>
+                </a:solidFill>
+              </a:rPr>
+              <a:t>scaling</a:t>
+            </a:r>
+            <a:r>
+              <a:rPr lang="es-ES" sz="1200" dirty="0">
+                <a:solidFill>
+                  <a:schemeClr val="tx1"/>
+                </a:solidFill>
+              </a:rPr>
+              <a:t> </a:t>
+            </a:r>
+            <a:r>
+              <a:rPr lang="es-ES" sz="1200" dirty="0" err="1">
+                <a:solidFill>
+                  <a:schemeClr val="tx1"/>
+                </a:solidFill>
+              </a:rPr>
+              <a:t>when</a:t>
+            </a:r>
+            <a:r>
+              <a:rPr lang="es-ES" sz="1200" dirty="0">
+                <a:solidFill>
+                  <a:schemeClr val="tx1"/>
+                </a:solidFill>
+              </a:rPr>
+              <a:t> </a:t>
+            </a:r>
+            <a:r>
+              <a:rPr lang="es-ES" sz="1200" dirty="0" err="1">
+                <a:solidFill>
+                  <a:schemeClr val="tx1"/>
+                </a:solidFill>
+              </a:rPr>
+              <a:t>measuring</a:t>
+            </a:r>
+            <a:r>
+              <a:rPr lang="es-ES" sz="1200" dirty="0">
+                <a:solidFill>
+                  <a:schemeClr val="tx1"/>
+                </a:solidFill>
+              </a:rPr>
+              <a:t> DC </a:t>
+            </a:r>
+            <a:r>
+              <a:rPr lang="es-ES" sz="1200" dirty="0" err="1">
+                <a:solidFill>
+                  <a:schemeClr val="tx1"/>
+                </a:solidFill>
+              </a:rPr>
+              <a:t>production</a:t>
+            </a:r>
+            <a:r>
+              <a:rPr lang="es-ES" sz="1200" dirty="0">
+                <a:solidFill>
+                  <a:schemeClr val="tx1"/>
+                </a:solidFill>
+              </a:rPr>
+              <a:t> in </a:t>
+            </a:r>
+            <a:r>
+              <a:rPr lang="es-ES" sz="1200" dirty="0" err="1">
+                <a:solidFill>
+                  <a:schemeClr val="tx1"/>
+                </a:solidFill>
+              </a:rPr>
+              <a:t>plant</a:t>
+            </a:r>
+            <a:r>
+              <a:rPr lang="es-ES" sz="1200" dirty="0">
+                <a:solidFill>
+                  <a:schemeClr val="tx1"/>
+                </a:solidFill>
+              </a:rPr>
+              <a:t> 1.</a:t>
+            </a:r>
+            <a:r>
+              <a:rPr lang="es-ES" sz="1200" b="1" dirty="0">
+                <a:solidFill>
+                  <a:schemeClr val="tx1"/>
+                </a:solidFill>
+              </a:rPr>
+              <a:t> </a:t>
             </a:r>
             <a:endParaRPr lang="es-ES" sz="1200" dirty="0">
               <a:solidFill>

--- a/solar_power_plant_conclusions.pptx
+++ b/solar_power_plant_conclusions.pptx
@@ -4380,7 +4380,7 @@
             </a:pPr>
             <a:r>
               <a:rPr lang="en-GB" sz="2000" dirty="0"/>
-              <a:t>Two of those power plants present power production anomalies affecting the total power generation and thus reducing business income.</a:t>
+              <a:t>Two of the power plants present power production anomalies affecting the total power generation and thus reducing business income.</a:t>
             </a:r>
           </a:p>
           <a:p>
@@ -4391,7 +4391,7 @@
             </a:pPr>
             <a:r>
               <a:rPr lang="en-GB" sz="2000" dirty="0"/>
-              <a:t>Before sending the technical team to fix the problem the data science team has been required to analyse power plant sensors’ data to make a first approximation to the root cause of failure of the equipment.</a:t>
+              <a:t>Prior to sending the technical team to fix the problem the data science team was required to analyse power plants’ sensors data to make a first approximation to the root cause of failure of the equipment.</a:t>
             </a:r>
           </a:p>
           <a:p>
@@ -4572,7 +4572,7 @@
         </p:spPr>
         <p:txBody>
           <a:bodyPr>
-            <a:normAutofit lnSpcReduction="10000"/>
+            <a:normAutofit/>
           </a:bodyPr>
           <a:lstStyle/>
           <a:p>
@@ -4624,7 +4624,7 @@
             </a:pPr>
             <a:r>
               <a:rPr lang="en-GB" sz="1800" dirty="0"/>
-              <a:t>Enumerate and classify the relevant entities that are involved and the data that can retrieved from them</a:t>
+              <a:t>Enumerate and classify the relevant entities involved and the data that can retrieved from them</a:t>
             </a:r>
           </a:p>
           <a:p>
@@ -4637,7 +4637,7 @@
             </a:pPr>
             <a:r>
               <a:rPr lang="en-GB" sz="1800" dirty="0"/>
-              <a:t>Determine the first questions that need to be answered in order to start finding relevant insights about each of the variables affecting the  business objective</a:t>
+              <a:t>Identify the first questions that need to be answered in order to start looking for significant insights into each of the variables affecting the business objective</a:t>
             </a:r>
           </a:p>
           <a:p>
@@ -4995,86 +4995,12 @@
           <a:chExt cx="0" cy="0"/>
         </a:xfrm>
       </p:grpSpPr>
-      <p:sp>
-        <p:nvSpPr>
-          <p:cNvPr id="2" name="Title 1">
-            <a:extLst>
-              <a:ext uri="{FF2B5EF4-FFF2-40B4-BE49-F238E27FC236}">
-                <a16:creationId xmlns:a16="http://schemas.microsoft.com/office/drawing/2014/main" id="{6521176D-BB93-4C95-B00B-C99ACAD8017C}"/>
-              </a:ext>
-            </a:extLst>
-          </p:cNvPr>
-          <p:cNvSpPr>
-            <a:spLocks noGrp="1"/>
-          </p:cNvSpPr>
-          <p:nvPr>
-            <p:ph type="title"/>
-          </p:nvPr>
-        </p:nvSpPr>
-        <p:spPr>
-          <a:xfrm>
-            <a:off x="838200" y="258593"/>
-            <a:ext cx="10515600" cy="1037547"/>
-          </a:xfrm>
-        </p:spPr>
-        <p:txBody>
-          <a:bodyPr>
-            <a:noAutofit/>
-          </a:bodyPr>
-          <a:lstStyle/>
-          <a:p>
-            <a:r>
-              <a:rPr lang="en-GB" sz="2800" dirty="0">
-                <a:solidFill>
-                  <a:schemeClr val="tx1">
-                    <a:lumMod val="75000"/>
-                    <a:lumOff val="25000"/>
-                  </a:schemeClr>
-                </a:solidFill>
-                <a:latin typeface="Segoe UI" panose="020B0502040204020203" pitchFamily="34" charset="0"/>
-                <a:cs typeface="Segoe UI" panose="020B0502040204020203" pitchFamily="34" charset="0"/>
-              </a:rPr>
-              <a:t>There are important data quality issues that suggest treating the following statements as not conclusive </a:t>
-            </a:r>
-          </a:p>
-        </p:txBody>
-      </p:sp>
-      <p:sp>
-        <p:nvSpPr>
-          <p:cNvPr id="5" name="Slide Number Placeholder 4">
-            <a:extLst>
-              <a:ext uri="{FF2B5EF4-FFF2-40B4-BE49-F238E27FC236}">
-                <a16:creationId xmlns:a16="http://schemas.microsoft.com/office/drawing/2014/main" id="{C9986DD4-96D3-4165-8026-B6FC014C8709}"/>
-              </a:ext>
-            </a:extLst>
-          </p:cNvPr>
-          <p:cNvSpPr>
-            <a:spLocks noGrp="1"/>
-          </p:cNvSpPr>
-          <p:nvPr>
-            <p:ph type="sldNum" sz="quarter" idx="12"/>
-          </p:nvPr>
-        </p:nvSpPr>
-        <p:spPr/>
-        <p:txBody>
-          <a:bodyPr/>
-          <a:lstStyle/>
-          <a:p>
-            <a:fld id="{559BD186-C64B-4C7B-BA11-BDC68F4CA722}" type="slidenum">
-              <a:rPr lang="en-GB" smtClean="0"/>
-              <a:pPr/>
-              <a:t>5</a:t>
-            </a:fld>
-            <a:endParaRPr lang="en-GB" dirty="0"/>
-          </a:p>
-        </p:txBody>
-      </p:sp>
       <p:pic>
         <p:nvPicPr>
-          <p:cNvPr id="9" name="Picture 8">
-            <a:extLst>
-              <a:ext uri="{FF2B5EF4-FFF2-40B4-BE49-F238E27FC236}">
-                <a16:creationId xmlns:a16="http://schemas.microsoft.com/office/drawing/2014/main" id="{55D05968-7ED4-47A8-861A-2935458F8917}"/>
+          <p:cNvPr id="8" name="Picture 7">
+            <a:extLst>
+              <a:ext uri="{FF2B5EF4-FFF2-40B4-BE49-F238E27FC236}">
+                <a16:creationId xmlns:a16="http://schemas.microsoft.com/office/drawing/2014/main" id="{E8DEB50F-B987-4C6A-93F6-BE60CC607969}"/>
               </a:ext>
             </a:extLst>
           </p:cNvPr>
@@ -5097,14 +5023,124 @@
         </p:blipFill>
         <p:spPr>
           <a:xfrm>
-            <a:off x="642890" y="1930894"/>
-            <a:ext cx="4582074" cy="2996212"/>
+            <a:off x="6805576" y="1819923"/>
+            <a:ext cx="4872614" cy="3257310"/>
           </a:xfrm>
           <a:prstGeom prst="rect">
             <a:avLst/>
           </a:prstGeom>
         </p:spPr>
       </p:pic>
+      <p:pic>
+        <p:nvPicPr>
+          <p:cNvPr id="4" name="Picture 3">
+            <a:extLst>
+              <a:ext uri="{FF2B5EF4-FFF2-40B4-BE49-F238E27FC236}">
+                <a16:creationId xmlns:a16="http://schemas.microsoft.com/office/drawing/2014/main" id="{B83557D5-F94D-4959-915C-F100AC1755B7}"/>
+              </a:ext>
+            </a:extLst>
+          </p:cNvPr>
+          <p:cNvPicPr>
+            <a:picLocks noChangeAspect="1"/>
+          </p:cNvPicPr>
+          <p:nvPr/>
+        </p:nvPicPr>
+        <p:blipFill>
+          <a:blip r:embed="rId3">
+            <a:extLst>
+              <a:ext uri="{28A0092B-C50C-407E-A947-70E740481C1C}">
+                <a14:useLocalDpi xmlns:a14="http://schemas.microsoft.com/office/drawing/2010/main" val="0"/>
+              </a:ext>
+            </a:extLst>
+          </a:blip>
+          <a:stretch>
+            <a:fillRect/>
+          </a:stretch>
+        </p:blipFill>
+        <p:spPr>
+          <a:xfrm>
+            <a:off x="556376" y="1867285"/>
+            <a:ext cx="4621710" cy="3043716"/>
+          </a:xfrm>
+          <a:prstGeom prst="rect">
+            <a:avLst/>
+          </a:prstGeom>
+        </p:spPr>
+      </p:pic>
+      <p:sp>
+        <p:nvSpPr>
+          <p:cNvPr id="2" name="Title 1">
+            <a:extLst>
+              <a:ext uri="{FF2B5EF4-FFF2-40B4-BE49-F238E27FC236}">
+                <a16:creationId xmlns:a16="http://schemas.microsoft.com/office/drawing/2014/main" id="{6521176D-BB93-4C95-B00B-C99ACAD8017C}"/>
+              </a:ext>
+            </a:extLst>
+          </p:cNvPr>
+          <p:cNvSpPr>
+            <a:spLocks noGrp="1"/>
+          </p:cNvSpPr>
+          <p:nvPr>
+            <p:ph type="title"/>
+          </p:nvPr>
+        </p:nvSpPr>
+        <p:spPr>
+          <a:xfrm>
+            <a:off x="838200" y="258593"/>
+            <a:ext cx="10515600" cy="1037547"/>
+          </a:xfrm>
+        </p:spPr>
+        <p:txBody>
+          <a:bodyPr>
+            <a:noAutofit/>
+          </a:bodyPr>
+          <a:lstStyle/>
+          <a:p>
+            <a:r>
+              <a:rPr lang="en-GB" sz="2800" dirty="0">
+                <a:solidFill>
+                  <a:schemeClr val="tx1">
+                    <a:lumMod val="75000"/>
+                    <a:lumOff val="25000"/>
+                  </a:schemeClr>
+                </a:solidFill>
+                <a:latin typeface="Segoe UI" panose="020B0502040204020203" pitchFamily="34" charset="0"/>
+                <a:cs typeface="Segoe UI" panose="020B0502040204020203" pitchFamily="34" charset="0"/>
+              </a:rPr>
+              <a:t>There are important data quality issues that suggest that the following statements are not conclusive </a:t>
+            </a:r>
+          </a:p>
+        </p:txBody>
+      </p:sp>
+      <p:sp>
+        <p:nvSpPr>
+          <p:cNvPr id="5" name="Slide Number Placeholder 4">
+            <a:extLst>
+              <a:ext uri="{FF2B5EF4-FFF2-40B4-BE49-F238E27FC236}">
+                <a16:creationId xmlns:a16="http://schemas.microsoft.com/office/drawing/2014/main" id="{C9986DD4-96D3-4165-8026-B6FC014C8709}"/>
+              </a:ext>
+            </a:extLst>
+          </p:cNvPr>
+          <p:cNvSpPr>
+            <a:spLocks noGrp="1"/>
+          </p:cNvSpPr>
+          <p:nvPr>
+            <p:ph type="sldNum" sz="quarter" idx="12"/>
+          </p:nvPr>
+        </p:nvSpPr>
+        <p:spPr/>
+        <p:txBody>
+          <a:bodyPr/>
+          <a:lstStyle/>
+          <a:p>
+            <a:fld id="{559BD186-C64B-4C7B-BA11-BDC68F4CA722}" type="slidenum">
+              <a:rPr lang="en-GB" smtClean="0"/>
+              <a:pPr/>
+              <a:t>5</a:t>
+            </a:fld>
+            <a:endParaRPr lang="en-GB" dirty="0"/>
+          </a:p>
+        </p:txBody>
+      </p:sp>
       <p:sp>
         <p:nvSpPr>
           <p:cNvPr id="11" name="Title 1">
@@ -5174,42 +5210,6 @@
           </a:p>
         </p:txBody>
       </p:sp>
-      <p:pic>
-        <p:nvPicPr>
-          <p:cNvPr id="6" name="Picture 5">
-            <a:extLst>
-              <a:ext uri="{FF2B5EF4-FFF2-40B4-BE49-F238E27FC236}">
-                <a16:creationId xmlns:a16="http://schemas.microsoft.com/office/drawing/2014/main" id="{350B4FB2-076C-4352-88C5-03F302AC6352}"/>
-              </a:ext>
-            </a:extLst>
-          </p:cNvPr>
-          <p:cNvPicPr>
-            <a:picLocks noChangeAspect="1"/>
-          </p:cNvPicPr>
-          <p:nvPr/>
-        </p:nvPicPr>
-        <p:blipFill>
-          <a:blip r:embed="rId3">
-            <a:extLst>
-              <a:ext uri="{28A0092B-C50C-407E-A947-70E740481C1C}">
-                <a14:useLocalDpi xmlns:a14="http://schemas.microsoft.com/office/drawing/2010/main" val="0"/>
-              </a:ext>
-            </a:extLst>
-          </a:blip>
-          <a:stretch>
-            <a:fillRect/>
-          </a:stretch>
-        </p:blipFill>
-        <p:spPr>
-          <a:xfrm>
-            <a:off x="6878838" y="1878730"/>
-            <a:ext cx="4670272" cy="3100540"/>
-          </a:xfrm>
-          <a:prstGeom prst="rect">
-            <a:avLst/>
-          </a:prstGeom>
-        </p:spPr>
-      </p:pic>
       <p:sp>
         <p:nvSpPr>
           <p:cNvPr id="12" name="Globo: línea doblada con barra de énfasis 14">
@@ -5224,7 +5224,7 @@
         </p:nvSpPr>
         <p:spPr>
           <a:xfrm>
-            <a:off x="4976015" y="3072163"/>
+            <a:off x="5313163" y="2579998"/>
             <a:ext cx="1492413" cy="944494"/>
           </a:xfrm>
           <a:prstGeom prst="accentCallout2">
@@ -5361,7 +5361,7 @@
         </p:nvSpPr>
         <p:spPr>
           <a:xfrm>
-            <a:off x="8949954" y="2141701"/>
+            <a:off x="9012097" y="2192277"/>
             <a:ext cx="854015" cy="314231"/>
           </a:xfrm>
           <a:prstGeom prst="ellipse">
@@ -5729,6 +5729,80 @@
                 </a:schemeClr>
               </a:solidFill>
               <a:latin typeface="Arial"/>
+            </a:endParaRPr>
+          </a:p>
+        </p:txBody>
+      </p:sp>
+      <p:sp>
+        <p:nvSpPr>
+          <p:cNvPr id="16" name="Globo: línea doblada con barra de énfasis 14">
+            <a:extLst>
+              <a:ext uri="{FF2B5EF4-FFF2-40B4-BE49-F238E27FC236}">
+                <a16:creationId xmlns:a16="http://schemas.microsoft.com/office/drawing/2014/main" id="{66CBD74D-9AE7-45ED-AC21-C4BBFB959750}"/>
+              </a:ext>
+            </a:extLst>
+          </p:cNvPr>
+          <p:cNvSpPr/>
+          <p:nvPr/>
+        </p:nvSpPr>
+        <p:spPr>
+          <a:xfrm>
+            <a:off x="5313163" y="3583770"/>
+            <a:ext cx="1492413" cy="944494"/>
+          </a:xfrm>
+          <a:prstGeom prst="accentCallout2">
+            <a:avLst>
+              <a:gd name="adj1" fmla="val 29090"/>
+              <a:gd name="adj2" fmla="val 96361"/>
+              <a:gd name="adj3" fmla="val 59167"/>
+              <a:gd name="adj4" fmla="val 226628"/>
+              <a:gd name="adj5" fmla="val 59716"/>
+              <a:gd name="adj6" fmla="val 226189"/>
+            </a:avLst>
+          </a:prstGeom>
+          <a:ln w="28575">
+            <a:solidFill>
+              <a:schemeClr val="bg1">
+                <a:lumMod val="65000"/>
+              </a:schemeClr>
+            </a:solidFill>
+          </a:ln>
+        </p:spPr>
+        <p:style>
+          <a:lnRef idx="2">
+            <a:schemeClr val="dk1"/>
+          </a:lnRef>
+          <a:fillRef idx="1">
+            <a:schemeClr val="lt1"/>
+          </a:fillRef>
+          <a:effectRef idx="0">
+            <a:schemeClr val="dk1"/>
+          </a:effectRef>
+          <a:fontRef idx="minor">
+            <a:schemeClr val="dk1"/>
+          </a:fontRef>
+        </p:style>
+        <p:txBody>
+          <a:bodyPr rtlCol="0" anchor="ctr"/>
+          <a:lstStyle/>
+          <a:p>
+            <a:pPr algn="ctr"/>
+            <a:r>
+              <a:rPr lang="en-GB" sz="1050" dirty="0">
+                <a:solidFill>
+                  <a:schemeClr val="bg1">
+                    <a:lumMod val="50000"/>
+                  </a:schemeClr>
+                </a:solidFill>
+              </a:rPr>
+              <a:t>While the efficiency conversion is only around 10%</a:t>
+            </a:r>
+            <a:endParaRPr lang="en-GB" sz="1050" dirty="0">
+              <a:solidFill>
+                <a:schemeClr val="bg1">
+                  <a:lumMod val="75000"/>
+                </a:schemeClr>
+              </a:solidFill>
             </a:endParaRPr>
           </a:p>
         </p:txBody>
@@ -5802,7 +5876,7 @@
                 <a:latin typeface="Segoe UI" panose="020B0502040204020203" pitchFamily="34" charset="0"/>
                 <a:cs typeface="Segoe UI" panose="020B0502040204020203" pitchFamily="34" charset="0"/>
               </a:rPr>
-              <a:t>Both power plants receive high and similar amount of irradiance, with no sign of power availability problems</a:t>
+              <a:t>Both power plants receive high, similar amount of irradiance, with no sign of power availability problems</a:t>
             </a:r>
           </a:p>
         </p:txBody>
@@ -5934,7 +6008,7 @@
                 <a:latin typeface="Segoe UI" panose="020B0502040204020203" pitchFamily="34" charset="0"/>
                 <a:cs typeface="Segoe UI" panose="020B0502040204020203" pitchFamily="34" charset="0"/>
               </a:rPr>
-              <a:t>The small difference found between both power plants suggest that they should have very similar DC power generation capabilities.</a:t>
+              <a:t>The small difference found between both power plants suggests that they should have very similar DC power generation capabilities.</a:t>
             </a:r>
           </a:p>
         </p:txBody>
@@ -7033,7 +7107,7 @@
                 <a:latin typeface="Segoe UI" panose="020B0502040204020203" pitchFamily="34" charset="0"/>
                 <a:cs typeface="Segoe UI" panose="020B0502040204020203" pitchFamily="34" charset="0"/>
               </a:rPr>
-              <a:t>DC power generation in plant 1 is very high, on the scale of 10 MW daily generation</a:t>
+              <a:t>DC power generation in plant 1 is very high, approximately 10 MW of daily DC generation</a:t>
             </a:r>
           </a:p>
         </p:txBody>
@@ -7132,7 +7206,7 @@
                 <a:latin typeface="Segoe UI" panose="020B0502040204020203" pitchFamily="34" charset="0"/>
                 <a:cs typeface="Segoe UI" panose="020B0502040204020203" pitchFamily="34" charset="0"/>
               </a:rPr>
-              <a:t>Plant 1 and plant 2 have the same number of inverters but the DC power produced is around 10 times higher for plant 1. It is suspected that DC power generation in plant 1 is not measured correctly or artificially scaled up.</a:t>
+              <a:t>Plant 1 and plant 2 have the same number of inverters but the DC power produced is around 10 times higher for plant 1. It is suspected that DC power generation in plant 1 is not measured correctly or is artificially scaled up.</a:t>
             </a:r>
           </a:p>
         </p:txBody>
@@ -7739,7 +7813,7 @@
                 <a:latin typeface="Segoe UI" panose="020B0502040204020203" pitchFamily="34" charset="0"/>
                 <a:cs typeface="Segoe UI" panose="020B0502040204020203" pitchFamily="34" charset="0"/>
               </a:rPr>
-              <a:t>There are some inverters in plant 2 that do not produce DC power 30% of the time during irradiance peak hours</a:t>
+              <a:t>Some inverters at plant 2 fail to convert DC power 30% of the time during irradiance peak hours</a:t>
             </a:r>
           </a:p>
         </p:txBody>
@@ -7838,7 +7912,7 @@
                 <a:latin typeface="Segoe UI" panose="020B0502040204020203" pitchFamily="34" charset="0"/>
                 <a:cs typeface="Segoe UI" panose="020B0502040204020203" pitchFamily="34" charset="0"/>
               </a:rPr>
-              <a:t>It is highly suggested to check those inverters from plant 2 in the next maintenance check.</a:t>
+              <a:t>It is highly suggested to check these inverters from plant 2 in the next maintenance check.</a:t>
             </a:r>
           </a:p>
         </p:txBody>
